--- a/docs/canvas-status-arc42-org.pptx
+++ b/docs/canvas-status-arc42-org.pptx
@@ -630,7 +630,7 @@
         <p:spPr>
           <a:xfrm>
             <a:off x="6253083" y="279568"/>
-            <a:ext cx="1359263" cy="332011"/>
+            <a:ext cx="2717199" cy="332011"/>
           </a:xfrm>
           <a:prstGeom prst="rect">
             <a:avLst/>
@@ -670,10 +670,10 @@
       </p:sp>
       <p:sp>
         <p:nvSpPr>
-          <p:cNvPr id="17" name="Rechteck 16">
-            <a:extLst>
-              <a:ext uri="{FF2B5EF4-FFF2-40B4-BE49-F238E27FC236}">
-                <a16:creationId xmlns:a16="http://schemas.microsoft.com/office/drawing/2014/main" id="{8349B840-ADAC-20D7-73AB-1E9F6B6058B5}"/>
+          <p:cNvPr id="19" name="Rechteck 18">
+            <a:extLst>
+              <a:ext uri="{FF2B5EF4-FFF2-40B4-BE49-F238E27FC236}">
+                <a16:creationId xmlns:a16="http://schemas.microsoft.com/office/drawing/2014/main" id="{D6C034FB-98CF-4379-BA73-A6D83BBC988E}"/>
               </a:ext>
             </a:extLst>
           </p:cNvPr>
@@ -682,7 +682,7 @@
         </p:nvSpPr>
         <p:spPr>
           <a:xfrm>
-            <a:off x="7672878" y="279567"/>
+            <a:off x="10509246" y="245515"/>
             <a:ext cx="1359263" cy="332011"/>
           </a:xfrm>
           <a:prstGeom prst="rect">
@@ -723,112 +723,6 @@
       </p:sp>
       <p:sp>
         <p:nvSpPr>
-          <p:cNvPr id="18" name="Rechteck 17">
-            <a:extLst>
-              <a:ext uri="{FF2B5EF4-FFF2-40B4-BE49-F238E27FC236}">
-                <a16:creationId xmlns:a16="http://schemas.microsoft.com/office/drawing/2014/main" id="{646BE2B4-4801-F178-ED85-89C54D1D273D}"/>
-              </a:ext>
-            </a:extLst>
-          </p:cNvPr>
-          <p:cNvSpPr/>
-          <p:nvPr userDrawn="1"/>
-        </p:nvSpPr>
-        <p:spPr>
-          <a:xfrm>
-            <a:off x="9092673" y="279566"/>
-            <a:ext cx="1359263" cy="332011"/>
-          </a:xfrm>
-          <a:prstGeom prst="rect">
-            <a:avLst/>
-          </a:prstGeom>
-          <a:noFill/>
-        </p:spPr>
-        <p:style>
-          <a:lnRef idx="2">
-            <a:schemeClr val="accent1">
-              <a:shade val="15000"/>
-            </a:schemeClr>
-          </a:lnRef>
-          <a:fillRef idx="1">
-            <a:schemeClr val="accent1"/>
-          </a:fillRef>
-          <a:effectRef idx="0">
-            <a:schemeClr val="accent1"/>
-          </a:effectRef>
-          <a:fontRef idx="minor">
-            <a:schemeClr val="lt1"/>
-          </a:fontRef>
-        </p:style>
-        <p:txBody>
-          <a:bodyPr lIns="36000" tIns="0" rIns="36000" bIns="36000" rtlCol="0" anchor="ctr"/>
-          <a:lstStyle/>
-          <a:p>
-            <a:endParaRPr lang="en-US" sz="900">
-              <a:solidFill>
-                <a:schemeClr val="tx1">
-                  <a:lumMod val="75000"/>
-                  <a:lumOff val="25000"/>
-                </a:schemeClr>
-              </a:solidFill>
-            </a:endParaRPr>
-          </a:p>
-        </p:txBody>
-      </p:sp>
-      <p:sp>
-        <p:nvSpPr>
-          <p:cNvPr id="19" name="Rechteck 18">
-            <a:extLst>
-              <a:ext uri="{FF2B5EF4-FFF2-40B4-BE49-F238E27FC236}">
-                <a16:creationId xmlns:a16="http://schemas.microsoft.com/office/drawing/2014/main" id="{D6C034FB-98CF-4379-BA73-A6D83BBC988E}"/>
-              </a:ext>
-            </a:extLst>
-          </p:cNvPr>
-          <p:cNvSpPr/>
-          <p:nvPr userDrawn="1"/>
-        </p:nvSpPr>
-        <p:spPr>
-          <a:xfrm>
-            <a:off x="10512468" y="279565"/>
-            <a:ext cx="1359263" cy="332011"/>
-          </a:xfrm>
-          <a:prstGeom prst="rect">
-            <a:avLst/>
-          </a:prstGeom>
-          <a:noFill/>
-        </p:spPr>
-        <p:style>
-          <a:lnRef idx="2">
-            <a:schemeClr val="accent1">
-              <a:shade val="15000"/>
-            </a:schemeClr>
-          </a:lnRef>
-          <a:fillRef idx="1">
-            <a:schemeClr val="accent1"/>
-          </a:fillRef>
-          <a:effectRef idx="0">
-            <a:schemeClr val="accent1"/>
-          </a:effectRef>
-          <a:fontRef idx="minor">
-            <a:schemeClr val="lt1"/>
-          </a:fontRef>
-        </p:style>
-        <p:txBody>
-          <a:bodyPr lIns="36000" tIns="0" rIns="36000" bIns="36000" rtlCol="0" anchor="ctr"/>
-          <a:lstStyle/>
-          <a:p>
-            <a:endParaRPr lang="en-US" sz="900">
-              <a:solidFill>
-                <a:schemeClr val="tx1">
-                  <a:lumMod val="75000"/>
-                  <a:lumOff val="25000"/>
-                </a:schemeClr>
-              </a:solidFill>
-            </a:endParaRPr>
-          </a:p>
-        </p:txBody>
-      </p:sp>
-      <p:sp>
-        <p:nvSpPr>
           <p:cNvPr id="20" name="Textfeld 19">
             <a:extLst>
               <a:ext uri="{FF2B5EF4-FFF2-40B4-BE49-F238E27FC236}">
@@ -864,88 +758,6 @@
                 </a:solidFill>
               </a:rPr>
               <a:t>System</a:t>
-            </a:r>
-          </a:p>
-        </p:txBody>
-      </p:sp>
-      <p:sp>
-        <p:nvSpPr>
-          <p:cNvPr id="21" name="Textfeld 20">
-            <a:extLst>
-              <a:ext uri="{FF2B5EF4-FFF2-40B4-BE49-F238E27FC236}">
-                <a16:creationId xmlns:a16="http://schemas.microsoft.com/office/drawing/2014/main" id="{64829A1F-BB77-9D2A-E657-1ECD1080088F}"/>
-              </a:ext>
-            </a:extLst>
-          </p:cNvPr>
-          <p:cNvSpPr txBox="1"/>
-          <p:nvPr userDrawn="1"/>
-        </p:nvSpPr>
-        <p:spPr>
-          <a:xfrm>
-            <a:off x="7612346" y="238317"/>
-            <a:ext cx="681597" cy="230832"/>
-          </a:xfrm>
-          <a:prstGeom prst="rect">
-            <a:avLst/>
-          </a:prstGeom>
-          <a:noFill/>
-        </p:spPr>
-        <p:txBody>
-          <a:bodyPr wrap="none" rtlCol="0">
-            <a:spAutoFit/>
-          </a:bodyPr>
-          <a:lstStyle/>
-          <a:p>
-            <a:r>
-              <a:rPr lang="en-US" sz="900">
-                <a:solidFill>
-                  <a:schemeClr val="bg1">
-                    <a:lumMod val="65000"/>
-                  </a:schemeClr>
-                </a:solidFill>
-              </a:rPr>
-              <a:t>created by</a:t>
-            </a:r>
-          </a:p>
-        </p:txBody>
-      </p:sp>
-      <p:sp>
-        <p:nvSpPr>
-          <p:cNvPr id="22" name="Textfeld 21">
-            <a:extLst>
-              <a:ext uri="{FF2B5EF4-FFF2-40B4-BE49-F238E27FC236}">
-                <a16:creationId xmlns:a16="http://schemas.microsoft.com/office/drawing/2014/main" id="{E0DBF5E6-27CB-4BD8-D100-DB483AAE8B44}"/>
-              </a:ext>
-            </a:extLst>
-          </p:cNvPr>
-          <p:cNvSpPr txBox="1"/>
-          <p:nvPr userDrawn="1"/>
-        </p:nvSpPr>
-        <p:spPr>
-          <a:xfrm>
-            <a:off x="9043716" y="238317"/>
-            <a:ext cx="704039" cy="230832"/>
-          </a:xfrm>
-          <a:prstGeom prst="rect">
-            <a:avLst/>
-          </a:prstGeom>
-          <a:noFill/>
-        </p:spPr>
-        <p:txBody>
-          <a:bodyPr wrap="none" rtlCol="0">
-            <a:spAutoFit/>
-          </a:bodyPr>
-          <a:lstStyle/>
-          <a:p>
-            <a:r>
-              <a:rPr lang="en-US" sz="900">
-                <a:solidFill>
-                  <a:schemeClr val="bg1">
-                    <a:lumMod val="65000"/>
-                  </a:schemeClr>
-                </a:solidFill>
-              </a:rPr>
-              <a:t>created for</a:t>
             </a:r>
           </a:p>
         </p:txBody>
@@ -2498,7 +2310,183 @@
                   </a:schemeClr>
                 </a:solidFill>
               </a:rPr>
+              <a:t> Show </a:t>
+            </a:r>
+            <a:r>
+              <a:rPr lang="de-DE" sz="1400" dirty="0" err="1">
+                <a:solidFill>
+                  <a:schemeClr val="tx1">
+                    <a:lumMod val="85000"/>
+                    <a:lumOff val="15000"/>
+                  </a:schemeClr>
+                </a:solidFill>
+              </a:rPr>
+              <a:t>detailed</a:t>
+            </a:r>
+            <a:r>
+              <a:rPr lang="de-DE" sz="1400" dirty="0">
+                <a:solidFill>
+                  <a:schemeClr val="tx1">
+                    <a:lumMod val="85000"/>
+                    <a:lumOff val="15000"/>
+                  </a:schemeClr>
+                </a:solidFill>
+              </a:rPr>
               <a:t> </a:t>
+            </a:r>
+            <a:r>
+              <a:rPr lang="de-DE" sz="1400" dirty="0" err="1">
+                <a:solidFill>
+                  <a:schemeClr val="tx1">
+                    <a:lumMod val="85000"/>
+                    <a:lumOff val="15000"/>
+                  </a:schemeClr>
+                </a:solidFill>
+              </a:rPr>
+              <a:t>aggregate</a:t>
+            </a:r>
+            <a:r>
+              <a:rPr lang="de-DE" sz="1400" dirty="0">
+                <a:solidFill>
+                  <a:schemeClr val="tx1">
+                    <a:lumMod val="85000"/>
+                    <a:lumOff val="15000"/>
+                  </a:schemeClr>
+                </a:solidFill>
+              </a:rPr>
+              <a:t> </a:t>
+            </a:r>
+            <a:r>
+              <a:rPr lang="de-DE" sz="1400" dirty="0" err="1">
+                <a:solidFill>
+                  <a:schemeClr val="tx1">
+                    <a:lumMod val="85000"/>
+                    <a:lumOff val="15000"/>
+                  </a:schemeClr>
+                </a:solidFill>
+              </a:rPr>
+              <a:t>statistics</a:t>
+            </a:r>
+            <a:r>
+              <a:rPr lang="de-DE" sz="1400" dirty="0">
+                <a:solidFill>
+                  <a:schemeClr val="tx1">
+                    <a:lumMod val="85000"/>
+                    <a:lumOff val="15000"/>
+                  </a:schemeClr>
+                </a:solidFill>
+              </a:rPr>
+              <a:t> </a:t>
+            </a:r>
+            <a:r>
+              <a:rPr lang="de-DE" sz="1400" dirty="0" err="1">
+                <a:solidFill>
+                  <a:schemeClr val="tx1">
+                    <a:lumMod val="85000"/>
+                    <a:lumOff val="15000"/>
+                  </a:schemeClr>
+                </a:solidFill>
+              </a:rPr>
+              <a:t>of</a:t>
+            </a:r>
+            <a:r>
+              <a:rPr lang="de-DE" sz="1400" dirty="0">
+                <a:solidFill>
+                  <a:schemeClr val="tx1">
+                    <a:lumMod val="85000"/>
+                    <a:lumOff val="15000"/>
+                  </a:schemeClr>
+                </a:solidFill>
+              </a:rPr>
+              <a:t> </a:t>
+            </a:r>
+            <a:r>
+              <a:rPr lang="de-DE" sz="1400" dirty="0" err="1">
+                <a:solidFill>
+                  <a:schemeClr val="tx1">
+                    <a:lumMod val="85000"/>
+                    <a:lumOff val="15000"/>
+                  </a:schemeClr>
+                </a:solidFill>
+              </a:rPr>
+              <a:t>visitors</a:t>
+            </a:r>
+            <a:r>
+              <a:rPr lang="de-DE" sz="1400" dirty="0">
+                <a:solidFill>
+                  <a:schemeClr val="tx1">
+                    <a:lumMod val="85000"/>
+                    <a:lumOff val="15000"/>
+                  </a:schemeClr>
+                </a:solidFill>
+              </a:rPr>
+              <a:t> and </a:t>
+            </a:r>
+            <a:r>
+              <a:rPr lang="de-DE" sz="1400" dirty="0" err="1">
+                <a:solidFill>
+                  <a:schemeClr val="tx1">
+                    <a:lumMod val="85000"/>
+                    <a:lumOff val="15000"/>
+                  </a:schemeClr>
+                </a:solidFill>
+              </a:rPr>
+              <a:t>pageviews</a:t>
+            </a:r>
+            <a:r>
+              <a:rPr lang="de-DE" sz="1400" dirty="0">
+                <a:solidFill>
+                  <a:schemeClr val="tx1">
+                    <a:lumMod val="85000"/>
+                    <a:lumOff val="15000"/>
+                  </a:schemeClr>
+                </a:solidFill>
+              </a:rPr>
+              <a:t> </a:t>
+            </a:r>
+            <a:r>
+              <a:rPr lang="de-DE" sz="1400" dirty="0" err="1">
+                <a:solidFill>
+                  <a:schemeClr val="tx1">
+                    <a:lumMod val="85000"/>
+                    <a:lumOff val="15000"/>
+                  </a:schemeClr>
+                </a:solidFill>
+              </a:rPr>
+              <a:t>of</a:t>
+            </a:r>
+            <a:r>
+              <a:rPr lang="de-DE" sz="1400" dirty="0">
+                <a:solidFill>
+                  <a:schemeClr val="tx1">
+                    <a:lumMod val="85000"/>
+                    <a:lumOff val="15000"/>
+                  </a:schemeClr>
+                </a:solidFill>
+              </a:rPr>
+              <a:t> all arc42 </a:t>
+            </a:r>
+            <a:r>
+              <a:rPr lang="de-DE" sz="1400" dirty="0" err="1">
+                <a:solidFill>
+                  <a:schemeClr val="tx1">
+                    <a:lumMod val="85000"/>
+                    <a:lumOff val="15000"/>
+                  </a:schemeClr>
+                </a:solidFill>
+              </a:rPr>
+              <a:t>websites</a:t>
+            </a:r>
+            <a:r>
+              <a:rPr lang="de-DE" sz="1400" dirty="0">
+                <a:solidFill>
+                  <a:schemeClr val="tx1">
+                    <a:lumMod val="85000"/>
+                    <a:lumOff val="15000"/>
+                  </a:schemeClr>
+                </a:solidFill>
+              </a:rPr>
+              <a:t>.</a:t>
             </a:r>
           </a:p>
         </p:txBody>
@@ -2536,6 +2524,57 @@
           </a:bodyPr>
           <a:lstStyle/>
           <a:p>
+            <a:pPr marL="285750" indent="-285750">
+              <a:buFont typeface="Arial" panose="020B0604020202020204" pitchFamily="34" charset="0"/>
+              <a:buChar char="•"/>
+            </a:pPr>
+            <a:r>
+              <a:rPr lang="de-DE" sz="1400" dirty="0">
+                <a:solidFill>
+                  <a:schemeClr val="tx1">
+                    <a:lumMod val="85000"/>
+                    <a:lumOff val="15000"/>
+                  </a:schemeClr>
+                </a:solidFill>
+              </a:rPr>
+              <a:t>arc42 </a:t>
+            </a:r>
+            <a:r>
+              <a:rPr lang="de-DE" sz="1400" dirty="0" err="1">
+                <a:solidFill>
+                  <a:schemeClr val="tx1">
+                    <a:lumMod val="85000"/>
+                    <a:lumOff val="15000"/>
+                  </a:schemeClr>
+                </a:solidFill>
+              </a:rPr>
+              <a:t>comitters</a:t>
+            </a:r>
+            <a:endParaRPr lang="de-DE" sz="1400" dirty="0">
+              <a:solidFill>
+                <a:schemeClr val="tx1">
+                  <a:lumMod val="85000"/>
+                  <a:lumOff val="15000"/>
+                </a:schemeClr>
+              </a:solidFill>
+            </a:endParaRPr>
+          </a:p>
+          <a:p>
+            <a:pPr marL="285750" indent="-285750">
+              <a:buFont typeface="Arial" panose="020B0604020202020204" pitchFamily="34" charset="0"/>
+              <a:buChar char="•"/>
+            </a:pPr>
+            <a:r>
+              <a:rPr lang="de-DE" sz="1400" dirty="0" err="1">
+                <a:solidFill>
+                  <a:schemeClr val="tx1">
+                    <a:lumMod val="85000"/>
+                    <a:lumOff val="15000"/>
+                  </a:schemeClr>
+                </a:solidFill>
+              </a:rPr>
+              <a:t>users</a:t>
+            </a:r>
             <a:r>
               <a:rPr lang="de-DE" sz="1400" dirty="0">
                 <a:solidFill>
@@ -2547,6 +2586,86 @@
               </a:rPr>
               <a:t> </a:t>
             </a:r>
+            <a:r>
+              <a:rPr lang="de-DE" sz="1400" dirty="0" err="1">
+                <a:solidFill>
+                  <a:schemeClr val="tx1">
+                    <a:lumMod val="85000"/>
+                    <a:lumOff val="15000"/>
+                  </a:schemeClr>
+                </a:solidFill>
+              </a:rPr>
+              <a:t>of</a:t>
+            </a:r>
+            <a:r>
+              <a:rPr lang="de-DE" sz="1400" dirty="0">
+                <a:solidFill>
+                  <a:schemeClr val="tx1">
+                    <a:lumMod val="85000"/>
+                    <a:lumOff val="15000"/>
+                  </a:schemeClr>
+                </a:solidFill>
+              </a:rPr>
+              <a:t> arc42 </a:t>
+            </a:r>
+            <a:r>
+              <a:rPr lang="de-DE" sz="1400" dirty="0" err="1">
+                <a:solidFill>
+                  <a:schemeClr val="tx1">
+                    <a:lumMod val="85000"/>
+                    <a:lumOff val="15000"/>
+                  </a:schemeClr>
+                </a:solidFill>
+              </a:rPr>
+              <a:t>website</a:t>
+            </a:r>
+            <a:r>
+              <a:rPr lang="de-DE" sz="1400" dirty="0">
+                <a:solidFill>
+                  <a:schemeClr val="tx1">
+                    <a:lumMod val="85000"/>
+                    <a:lumOff val="15000"/>
+                  </a:schemeClr>
+                </a:solidFill>
+              </a:rPr>
+              <a:t>(s)</a:t>
+            </a:r>
+          </a:p>
+          <a:p>
+            <a:pPr marL="285750" indent="-285750">
+              <a:buFont typeface="Arial" panose="020B0604020202020204" pitchFamily="34" charset="0"/>
+              <a:buChar char="•"/>
+            </a:pPr>
+            <a:r>
+              <a:rPr lang="de-DE" sz="1400" dirty="0">
+                <a:solidFill>
+                  <a:schemeClr val="tx1">
+                    <a:lumMod val="85000"/>
+                    <a:lumOff val="15000"/>
+                  </a:schemeClr>
+                </a:solidFill>
+              </a:rPr>
+              <a:t>web </a:t>
+            </a:r>
+            <a:r>
+              <a:rPr lang="de-DE" sz="1400" dirty="0" err="1">
+                <a:solidFill>
+                  <a:schemeClr val="tx1">
+                    <a:lumMod val="85000"/>
+                    <a:lumOff val="15000"/>
+                  </a:schemeClr>
+                </a:solidFill>
+              </a:rPr>
+              <a:t>developers</a:t>
+            </a:r>
+            <a:endParaRPr lang="de-DE" sz="1400" dirty="0">
+              <a:solidFill>
+                <a:schemeClr val="tx1">
+                  <a:lumMod val="85000"/>
+                  <a:lumOff val="15000"/>
+                </a:schemeClr>
+              </a:solidFill>
+            </a:endParaRPr>
           </a:p>
         </p:txBody>
       </p:sp>
@@ -2564,8 +2683,8 @@
         </p:nvSpPr>
         <p:spPr>
           <a:xfrm>
-            <a:off x="3248527" y="1074820"/>
-            <a:ext cx="2695073" cy="770022"/>
+            <a:off x="3248527" y="1074819"/>
+            <a:ext cx="2695073" cy="1256831"/>
           </a:xfrm>
           <a:prstGeom prst="rect">
             <a:avLst/>
@@ -2583,6 +2702,21 @@
           </a:bodyPr>
           <a:lstStyle/>
           <a:p>
+            <a:pPr marL="285750" indent="-285750">
+              <a:buFont typeface="Arial" panose="020B0604020202020204" pitchFamily="34" charset="0"/>
+              <a:buChar char="•"/>
+            </a:pPr>
+            <a:r>
+              <a:rPr lang="de-DE" sz="1400" dirty="0" err="1">
+                <a:solidFill>
+                  <a:schemeClr val="tx1">
+                    <a:lumMod val="85000"/>
+                    <a:lumOff val="15000"/>
+                  </a:schemeClr>
+                </a:solidFill>
+              </a:rPr>
+              <a:t>display</a:t>
+            </a:r>
             <a:r>
               <a:rPr lang="de-DE" sz="1400" dirty="0">
                 <a:solidFill>
@@ -2593,6 +2727,317 @@
                 </a:solidFill>
               </a:rPr>
               <a:t> </a:t>
+            </a:r>
+            <a:r>
+              <a:rPr lang="de-DE" sz="1400" dirty="0" err="1">
+                <a:solidFill>
+                  <a:schemeClr val="tx1">
+                    <a:lumMod val="85000"/>
+                    <a:lumOff val="15000"/>
+                  </a:schemeClr>
+                </a:solidFill>
+              </a:rPr>
+              <a:t>statistics</a:t>
+            </a:r>
+            <a:r>
+              <a:rPr lang="de-DE" sz="1400" dirty="0">
+                <a:solidFill>
+                  <a:schemeClr val="tx1">
+                    <a:lumMod val="85000"/>
+                    <a:lumOff val="15000"/>
+                  </a:schemeClr>
+                </a:solidFill>
+              </a:rPr>
+              <a:t> </a:t>
+            </a:r>
+            <a:r>
+              <a:rPr lang="de-DE" sz="1400" dirty="0" err="1">
+                <a:solidFill>
+                  <a:schemeClr val="tx1">
+                    <a:lumMod val="85000"/>
+                    <a:lumOff val="15000"/>
+                  </a:schemeClr>
+                </a:solidFill>
+              </a:rPr>
+              <a:t>table</a:t>
+            </a:r>
+            <a:endParaRPr lang="de-DE" sz="1400" dirty="0">
+              <a:solidFill>
+                <a:schemeClr val="tx1">
+                  <a:lumMod val="85000"/>
+                  <a:lumOff val="15000"/>
+                </a:schemeClr>
+              </a:solidFill>
+            </a:endParaRPr>
+          </a:p>
+          <a:p>
+            <a:pPr marL="285750" indent="-285750">
+              <a:buFont typeface="Arial" panose="020B0604020202020204" pitchFamily="34" charset="0"/>
+              <a:buChar char="•"/>
+            </a:pPr>
+            <a:r>
+              <a:rPr lang="de-DE" sz="1400" dirty="0" err="1">
+                <a:solidFill>
+                  <a:schemeClr val="tx1">
+                    <a:lumMod val="85000"/>
+                    <a:lumOff val="15000"/>
+                  </a:schemeClr>
+                </a:solidFill>
+              </a:rPr>
+              <a:t>show</a:t>
+            </a:r>
+            <a:r>
+              <a:rPr lang="de-DE" sz="1400" dirty="0">
+                <a:solidFill>
+                  <a:schemeClr val="tx1">
+                    <a:lumMod val="85000"/>
+                    <a:lumOff val="15000"/>
+                  </a:schemeClr>
+                </a:solidFill>
+              </a:rPr>
+              <a:t> </a:t>
+            </a:r>
+            <a:r>
+              <a:rPr lang="de-DE" sz="1400" dirty="0" err="1">
+                <a:solidFill>
+                  <a:schemeClr val="tx1">
+                    <a:lumMod val="85000"/>
+                    <a:lumOff val="15000"/>
+                  </a:schemeClr>
+                </a:solidFill>
+              </a:rPr>
+              <a:t>detailed</a:t>
+            </a:r>
+            <a:r>
+              <a:rPr lang="de-DE" sz="1400" dirty="0">
+                <a:solidFill>
+                  <a:schemeClr val="tx1">
+                    <a:lumMod val="85000"/>
+                    <a:lumOff val="15000"/>
+                  </a:schemeClr>
+                </a:solidFill>
+              </a:rPr>
+              <a:t> </a:t>
+            </a:r>
+            <a:r>
+              <a:rPr lang="de-DE" sz="1400" dirty="0" err="1">
+                <a:solidFill>
+                  <a:schemeClr val="tx1">
+                    <a:lumMod val="85000"/>
+                    <a:lumOff val="15000"/>
+                  </a:schemeClr>
+                </a:solidFill>
+              </a:rPr>
+              <a:t>statistics</a:t>
+            </a:r>
+            <a:r>
+              <a:rPr lang="de-DE" sz="1400" dirty="0">
+                <a:solidFill>
+                  <a:schemeClr val="tx1">
+                    <a:lumMod val="85000"/>
+                    <a:lumOff val="15000"/>
+                  </a:schemeClr>
+                </a:solidFill>
+              </a:rPr>
+              <a:t> </a:t>
+            </a:r>
+            <a:r>
+              <a:rPr lang="de-DE" sz="1400" dirty="0" err="1">
+                <a:solidFill>
+                  <a:schemeClr val="tx1">
+                    <a:lumMod val="85000"/>
+                    <a:lumOff val="15000"/>
+                  </a:schemeClr>
+                </a:solidFill>
+              </a:rPr>
+              <a:t>for</a:t>
+            </a:r>
+            <a:r>
+              <a:rPr lang="de-DE" sz="1400" dirty="0">
+                <a:solidFill>
+                  <a:schemeClr val="tx1">
+                    <a:lumMod val="85000"/>
+                    <a:lumOff val="15000"/>
+                  </a:schemeClr>
+                </a:solidFill>
+              </a:rPr>
+              <a:t> </a:t>
+            </a:r>
+            <a:r>
+              <a:rPr lang="de-DE" sz="1400" dirty="0" err="1">
+                <a:solidFill>
+                  <a:schemeClr val="tx1">
+                    <a:lumMod val="85000"/>
+                    <a:lumOff val="15000"/>
+                  </a:schemeClr>
+                </a:solidFill>
+              </a:rPr>
+              <a:t>every</a:t>
+            </a:r>
+            <a:r>
+              <a:rPr lang="de-DE" sz="1400" dirty="0">
+                <a:solidFill>
+                  <a:schemeClr val="tx1">
+                    <a:lumMod val="85000"/>
+                    <a:lumOff val="15000"/>
+                  </a:schemeClr>
+                </a:solidFill>
+              </a:rPr>
+              <a:t> arc42 </a:t>
+            </a:r>
+            <a:r>
+              <a:rPr lang="de-DE" sz="1400" dirty="0" err="1">
+                <a:solidFill>
+                  <a:schemeClr val="tx1">
+                    <a:lumMod val="85000"/>
+                    <a:lumOff val="15000"/>
+                  </a:schemeClr>
+                </a:solidFill>
+              </a:rPr>
+              <a:t>website</a:t>
+            </a:r>
+            <a:r>
+              <a:rPr lang="de-DE" sz="1400" dirty="0">
+                <a:solidFill>
+                  <a:schemeClr val="tx1">
+                    <a:lumMod val="85000"/>
+                    <a:lumOff val="15000"/>
+                  </a:schemeClr>
+                </a:solidFill>
+              </a:rPr>
+              <a:t> (.de, .</a:t>
+            </a:r>
+            <a:r>
+              <a:rPr lang="de-DE" sz="1400" dirty="0" err="1">
+                <a:solidFill>
+                  <a:schemeClr val="tx1">
+                    <a:lumMod val="85000"/>
+                    <a:lumOff val="15000"/>
+                  </a:schemeClr>
+                </a:solidFill>
+              </a:rPr>
+              <a:t>org</a:t>
+            </a:r>
+            <a:r>
+              <a:rPr lang="de-DE" sz="1400" dirty="0">
+                <a:solidFill>
+                  <a:schemeClr val="tx1">
+                    <a:lumMod val="85000"/>
+                    <a:lumOff val="15000"/>
+                  </a:schemeClr>
+                </a:solidFill>
+              </a:rPr>
+              <a:t>, </a:t>
+            </a:r>
+            <a:r>
+              <a:rPr lang="de-DE" sz="1400" dirty="0" err="1">
+                <a:solidFill>
+                  <a:schemeClr val="tx1">
+                    <a:lumMod val="85000"/>
+                    <a:lumOff val="15000"/>
+                  </a:schemeClr>
+                </a:solidFill>
+              </a:rPr>
+              <a:t>docs</a:t>
+            </a:r>
+            <a:r>
+              <a:rPr lang="de-DE" sz="1400" dirty="0">
+                <a:solidFill>
+                  <a:schemeClr val="tx1">
+                    <a:lumMod val="85000"/>
+                    <a:lumOff val="15000"/>
+                  </a:schemeClr>
+                </a:solidFill>
+              </a:rPr>
+              <a:t>, </a:t>
+            </a:r>
+            <a:r>
+              <a:rPr lang="de-DE" sz="1400" dirty="0" err="1">
+                <a:solidFill>
+                  <a:schemeClr val="tx1">
+                    <a:lumMod val="85000"/>
+                    <a:lumOff val="15000"/>
+                  </a:schemeClr>
+                </a:solidFill>
+              </a:rPr>
+              <a:t>faq</a:t>
+            </a:r>
+            <a:r>
+              <a:rPr lang="de-DE" sz="1400" dirty="0">
+                <a:solidFill>
+                  <a:schemeClr val="tx1">
+                    <a:lumMod val="85000"/>
+                    <a:lumOff val="15000"/>
+                  </a:schemeClr>
+                </a:solidFill>
+              </a:rPr>
+              <a:t>, </a:t>
+            </a:r>
+            <a:r>
+              <a:rPr lang="de-DE" sz="1400" dirty="0" err="1">
+                <a:solidFill>
+                  <a:schemeClr val="tx1">
+                    <a:lumMod val="85000"/>
+                    <a:lumOff val="15000"/>
+                  </a:schemeClr>
+                </a:solidFill>
+              </a:rPr>
+              <a:t>canvas</a:t>
+            </a:r>
+            <a:r>
+              <a:rPr lang="de-DE" sz="1400" dirty="0">
+                <a:solidFill>
+                  <a:schemeClr val="tx1">
+                    <a:lumMod val="85000"/>
+                    <a:lumOff val="15000"/>
+                  </a:schemeClr>
+                </a:solidFill>
+              </a:rPr>
+              <a:t>, </a:t>
+            </a:r>
+            <a:r>
+              <a:rPr lang="de-DE" sz="1400" dirty="0" err="1">
+                <a:solidFill>
+                  <a:schemeClr val="tx1">
+                    <a:lumMod val="85000"/>
+                    <a:lumOff val="15000"/>
+                  </a:schemeClr>
+                </a:solidFill>
+              </a:rPr>
+              <a:t>quality</a:t>
+            </a:r>
+            <a:r>
+              <a:rPr lang="de-DE" sz="1400" dirty="0">
+                <a:solidFill>
+                  <a:schemeClr val="tx1">
+                    <a:lumMod val="85000"/>
+                    <a:lumOff val="15000"/>
+                  </a:schemeClr>
+                </a:solidFill>
+              </a:rPr>
+              <a:t> and </a:t>
+            </a:r>
+            <a:r>
+              <a:rPr lang="de-DE" sz="1400" dirty="0" err="1">
+                <a:solidFill>
+                  <a:schemeClr val="tx1">
+                    <a:lumMod val="85000"/>
+                    <a:lumOff val="15000"/>
+                  </a:schemeClr>
+                </a:solidFill>
+              </a:rPr>
+              <a:t>status</a:t>
+            </a:r>
+            <a:r>
+              <a:rPr lang="de-DE" sz="1400" dirty="0">
+                <a:solidFill>
+                  <a:schemeClr val="tx1">
+                    <a:lumMod val="85000"/>
+                    <a:lumOff val="15000"/>
+                  </a:schemeClr>
+                </a:solidFill>
+              </a:rPr>
+              <a:t>) </a:t>
             </a:r>
           </a:p>
         </p:txBody>
@@ -2630,6 +3075,13 @@
           </a:bodyPr>
           <a:lstStyle/>
           <a:p>
+            <a:pPr marL="285750" indent="-285750">
+              <a:buClr>
+                <a:schemeClr val="accent6"/>
+              </a:buClr>
+              <a:buFont typeface="Systemschrift Normal"/>
+              <a:buChar char="✚"/>
+            </a:pPr>
             <a:r>
               <a:rPr lang="de-DE" sz="1400" dirty="0">
                 <a:solidFill>
@@ -2640,6 +3092,480 @@
                 </a:solidFill>
               </a:rPr>
               <a:t> </a:t>
+            </a:r>
+            <a:r>
+              <a:rPr lang="de-DE" sz="1400" dirty="0" err="1">
+                <a:solidFill>
+                  <a:schemeClr val="tx1">
+                    <a:lumMod val="85000"/>
+                    <a:lumOff val="15000"/>
+                  </a:schemeClr>
+                </a:solidFill>
+              </a:rPr>
+              <a:t>static</a:t>
+            </a:r>
+            <a:r>
+              <a:rPr lang="de-DE" sz="1400" dirty="0">
+                <a:solidFill>
+                  <a:schemeClr val="tx1">
+                    <a:lumMod val="85000"/>
+                    <a:lumOff val="15000"/>
+                  </a:schemeClr>
+                </a:solidFill>
+              </a:rPr>
+              <a:t> </a:t>
+            </a:r>
+            <a:r>
+              <a:rPr lang="de-DE" sz="1400" dirty="0" err="1">
+                <a:solidFill>
+                  <a:schemeClr val="tx1">
+                    <a:lumMod val="85000"/>
+                    <a:lumOff val="15000"/>
+                  </a:schemeClr>
+                </a:solidFill>
+              </a:rPr>
+              <a:t>site</a:t>
+            </a:r>
+            <a:r>
+              <a:rPr lang="de-DE" sz="1400" dirty="0">
+                <a:solidFill>
+                  <a:schemeClr val="tx1">
+                    <a:lumMod val="85000"/>
+                    <a:lumOff val="15000"/>
+                  </a:schemeClr>
+                </a:solidFill>
+              </a:rPr>
+              <a:t> </a:t>
+            </a:r>
+            <a:r>
+              <a:rPr lang="de-DE" sz="1400" dirty="0" err="1">
+                <a:solidFill>
+                  <a:schemeClr val="tx1">
+                    <a:lumMod val="85000"/>
+                    <a:lumOff val="15000"/>
+                  </a:schemeClr>
+                </a:solidFill>
+              </a:rPr>
+              <a:t>generator</a:t>
+            </a:r>
+            <a:r>
+              <a:rPr lang="de-DE" sz="1400" dirty="0">
+                <a:solidFill>
+                  <a:schemeClr val="tx1">
+                    <a:lumMod val="85000"/>
+                    <a:lumOff val="15000"/>
+                  </a:schemeClr>
+                </a:solidFill>
+              </a:rPr>
+              <a:t> (Jekyll, </a:t>
+            </a:r>
+            <a:r>
+              <a:rPr lang="de-DE" sz="1400" dirty="0" err="1">
+                <a:solidFill>
+                  <a:schemeClr val="tx1">
+                    <a:lumMod val="85000"/>
+                    <a:lumOff val="15000"/>
+                  </a:schemeClr>
+                </a:solidFill>
+              </a:rPr>
+              <a:t>Github</a:t>
+            </a:r>
+            <a:r>
+              <a:rPr lang="de-DE" sz="1400" dirty="0">
+                <a:solidFill>
+                  <a:schemeClr val="tx1">
+                    <a:lumMod val="85000"/>
+                    <a:lumOff val="15000"/>
+                  </a:schemeClr>
+                </a:solidFill>
+              </a:rPr>
+              <a:t> </a:t>
+            </a:r>
+            <a:r>
+              <a:rPr lang="de-DE" sz="1400" dirty="0" err="1">
+                <a:solidFill>
+                  <a:schemeClr val="tx1">
+                    <a:lumMod val="85000"/>
+                    <a:lumOff val="15000"/>
+                  </a:schemeClr>
+                </a:solidFill>
+              </a:rPr>
+              <a:t>pages</a:t>
+            </a:r>
+            <a:r>
+              <a:rPr lang="de-DE" sz="1400" dirty="0">
+                <a:solidFill>
+                  <a:schemeClr val="tx1">
+                    <a:lumMod val="85000"/>
+                    <a:lumOff val="15000"/>
+                  </a:schemeClr>
+                </a:solidFill>
+              </a:rPr>
+              <a:t>) </a:t>
+            </a:r>
+            <a:r>
+              <a:rPr lang="de-DE" sz="1400" dirty="0" err="1">
+                <a:solidFill>
+                  <a:schemeClr val="tx1">
+                    <a:lumMod val="85000"/>
+                    <a:lumOff val="15000"/>
+                  </a:schemeClr>
+                </a:solidFill>
+              </a:rPr>
+              <a:t>for</a:t>
+            </a:r>
+            <a:r>
+              <a:rPr lang="de-DE" sz="1400" dirty="0">
+                <a:solidFill>
+                  <a:schemeClr val="tx1">
+                    <a:lumMod val="85000"/>
+                    <a:lumOff val="15000"/>
+                  </a:schemeClr>
+                </a:solidFill>
+              </a:rPr>
+              <a:t> </a:t>
+            </a:r>
+            <a:r>
+              <a:rPr lang="de-DE" sz="1400" dirty="0" err="1">
+                <a:solidFill>
+                  <a:schemeClr val="tx1">
+                    <a:lumMod val="85000"/>
+                    <a:lumOff val="15000"/>
+                  </a:schemeClr>
+                </a:solidFill>
+              </a:rPr>
+              <a:t>main</a:t>
+            </a:r>
+            <a:r>
+              <a:rPr lang="de-DE" sz="1400" dirty="0">
+                <a:solidFill>
+                  <a:schemeClr val="tx1">
+                    <a:lumMod val="85000"/>
+                    <a:lumOff val="15000"/>
+                  </a:schemeClr>
+                </a:solidFill>
+              </a:rPr>
+              <a:t> </a:t>
+            </a:r>
+            <a:r>
+              <a:rPr lang="de-DE" sz="1400" dirty="0" err="1">
+                <a:solidFill>
+                  <a:schemeClr val="tx1">
+                    <a:lumMod val="85000"/>
+                    <a:lumOff val="15000"/>
+                  </a:schemeClr>
+                </a:solidFill>
+              </a:rPr>
+              <a:t>site</a:t>
+            </a:r>
+            <a:endParaRPr lang="de-DE" sz="1400" dirty="0">
+              <a:solidFill>
+                <a:schemeClr val="tx1">
+                  <a:lumMod val="85000"/>
+                  <a:lumOff val="15000"/>
+                </a:schemeClr>
+              </a:solidFill>
+            </a:endParaRPr>
+          </a:p>
+          <a:p>
+            <a:pPr marL="285750" indent="-285750">
+              <a:buClr>
+                <a:schemeClr val="accent6"/>
+              </a:buClr>
+              <a:buFont typeface="Systemschrift Normal"/>
+              <a:buChar char="✚"/>
+            </a:pPr>
+            <a:r>
+              <a:rPr lang="de-DE" sz="1400" dirty="0" err="1">
+                <a:solidFill>
+                  <a:schemeClr val="tx1">
+                    <a:lumMod val="85000"/>
+                    <a:lumOff val="15000"/>
+                  </a:schemeClr>
+                </a:solidFill>
+              </a:rPr>
+              <a:t>use</a:t>
+            </a:r>
+            <a:r>
+              <a:rPr lang="de-DE" sz="1400" dirty="0">
+                <a:solidFill>
+                  <a:schemeClr val="tx1">
+                    <a:lumMod val="85000"/>
+                    <a:lumOff val="15000"/>
+                  </a:schemeClr>
+                </a:solidFill>
+              </a:rPr>
+              <a:t> https:// </a:t>
+            </a:r>
+            <a:r>
+              <a:rPr lang="de-DE" sz="1400" dirty="0" err="1">
+                <a:solidFill>
+                  <a:schemeClr val="tx1">
+                    <a:lumMod val="85000"/>
+                    <a:lumOff val="15000"/>
+                  </a:schemeClr>
+                </a:solidFill>
+              </a:rPr>
+              <a:t>plausible.io</a:t>
+            </a:r>
+            <a:r>
+              <a:rPr lang="de-DE" sz="1400" dirty="0">
+                <a:solidFill>
+                  <a:schemeClr val="tx1">
+                    <a:lumMod val="85000"/>
+                    <a:lumOff val="15000"/>
+                  </a:schemeClr>
+                </a:solidFill>
+              </a:rPr>
+              <a:t> </a:t>
+            </a:r>
+            <a:r>
+              <a:rPr lang="de-DE" sz="1400" dirty="0" err="1">
+                <a:solidFill>
+                  <a:schemeClr val="tx1">
+                    <a:lumMod val="85000"/>
+                    <a:lumOff val="15000"/>
+                  </a:schemeClr>
+                </a:solidFill>
+              </a:rPr>
+              <a:t>to</a:t>
+            </a:r>
+            <a:r>
+              <a:rPr lang="de-DE" sz="1400" dirty="0">
+                <a:solidFill>
+                  <a:schemeClr val="tx1">
+                    <a:lumMod val="85000"/>
+                    <a:lumOff val="15000"/>
+                  </a:schemeClr>
+                </a:solidFill>
+              </a:rPr>
+              <a:t> </a:t>
+            </a:r>
+            <a:r>
+              <a:rPr lang="de-DE" sz="1400" dirty="0" err="1">
+                <a:solidFill>
+                  <a:schemeClr val="tx1">
+                    <a:lumMod val="85000"/>
+                    <a:lumOff val="15000"/>
+                  </a:schemeClr>
+                </a:solidFill>
+              </a:rPr>
+              <a:t>collect</a:t>
+            </a:r>
+            <a:r>
+              <a:rPr lang="de-DE" sz="1400" dirty="0">
+                <a:solidFill>
+                  <a:schemeClr val="tx1">
+                    <a:lumMod val="85000"/>
+                    <a:lumOff val="15000"/>
+                  </a:schemeClr>
+                </a:solidFill>
+              </a:rPr>
+              <a:t> </a:t>
+            </a:r>
+            <a:r>
+              <a:rPr lang="de-DE" sz="1400" dirty="0" err="1">
+                <a:solidFill>
+                  <a:schemeClr val="tx1">
+                    <a:lumMod val="85000"/>
+                    <a:lumOff val="15000"/>
+                  </a:schemeClr>
+                </a:solidFill>
+              </a:rPr>
+              <a:t>usage</a:t>
+            </a:r>
+            <a:r>
+              <a:rPr lang="de-DE" sz="1400" dirty="0">
+                <a:solidFill>
+                  <a:schemeClr val="tx1">
+                    <a:lumMod val="85000"/>
+                    <a:lumOff val="15000"/>
+                  </a:schemeClr>
+                </a:solidFill>
+              </a:rPr>
+              <a:t> </a:t>
+            </a:r>
+            <a:r>
+              <a:rPr lang="de-DE" sz="1400" dirty="0" err="1">
+                <a:solidFill>
+                  <a:schemeClr val="tx1">
+                    <a:lumMod val="85000"/>
+                    <a:lumOff val="15000"/>
+                  </a:schemeClr>
+                </a:solidFill>
+              </a:rPr>
+              <a:t>data</a:t>
+            </a:r>
+            <a:endParaRPr lang="de-DE" sz="1400" dirty="0">
+              <a:solidFill>
+                <a:schemeClr val="tx1">
+                  <a:lumMod val="85000"/>
+                  <a:lumOff val="15000"/>
+                </a:schemeClr>
+              </a:solidFill>
+            </a:endParaRPr>
+          </a:p>
+          <a:p>
+            <a:pPr marL="285750" indent="-285750">
+              <a:buClr>
+                <a:schemeClr val="accent6"/>
+              </a:buClr>
+              <a:buFont typeface="Systemschrift Normal"/>
+              <a:buChar char="✚"/>
+            </a:pPr>
+            <a:r>
+              <a:rPr lang="de-DE" sz="1400" dirty="0" err="1">
+                <a:solidFill>
+                  <a:schemeClr val="tx1">
+                    <a:lumMod val="85000"/>
+                    <a:lumOff val="15000"/>
+                  </a:schemeClr>
+                </a:solidFill>
+              </a:rPr>
+              <a:t>use</a:t>
+            </a:r>
+            <a:r>
+              <a:rPr lang="de-DE" sz="1400" dirty="0">
+                <a:solidFill>
+                  <a:schemeClr val="tx1">
+                    <a:lumMod val="85000"/>
+                    <a:lumOff val="15000"/>
+                  </a:schemeClr>
+                </a:solidFill>
+              </a:rPr>
+              <a:t> </a:t>
+            </a:r>
+            <a:r>
+              <a:rPr lang="de-DE" sz="1400" dirty="0" err="1">
+                <a:solidFill>
+                  <a:schemeClr val="tx1">
+                    <a:lumMod val="85000"/>
+                    <a:lumOff val="15000"/>
+                  </a:schemeClr>
+                </a:solidFill>
+              </a:rPr>
+              <a:t>Golang</a:t>
+            </a:r>
+            <a:r>
+              <a:rPr lang="de-DE" sz="1400" dirty="0">
+                <a:solidFill>
+                  <a:schemeClr val="tx1">
+                    <a:lumMod val="85000"/>
+                    <a:lumOff val="15000"/>
+                  </a:schemeClr>
+                </a:solidFill>
+              </a:rPr>
+              <a:t> </a:t>
+            </a:r>
+            <a:r>
+              <a:rPr lang="de-DE" sz="1400" dirty="0" err="1">
+                <a:solidFill>
+                  <a:schemeClr val="tx1">
+                    <a:lumMod val="85000"/>
+                    <a:lumOff val="15000"/>
+                  </a:schemeClr>
+                </a:solidFill>
+              </a:rPr>
+              <a:t>to</a:t>
+            </a:r>
+            <a:r>
+              <a:rPr lang="de-DE" sz="1400" dirty="0">
+                <a:solidFill>
+                  <a:schemeClr val="tx1">
+                    <a:lumMod val="85000"/>
+                    <a:lumOff val="15000"/>
+                  </a:schemeClr>
+                </a:solidFill>
+              </a:rPr>
+              <a:t> </a:t>
+            </a:r>
+            <a:r>
+              <a:rPr lang="de-DE" sz="1400" dirty="0" err="1">
+                <a:solidFill>
+                  <a:schemeClr val="tx1">
+                    <a:lumMod val="85000"/>
+                    <a:lumOff val="15000"/>
+                  </a:schemeClr>
+                </a:solidFill>
+              </a:rPr>
+              <a:t>wrap</a:t>
+            </a:r>
+            <a:r>
+              <a:rPr lang="de-DE" sz="1400" dirty="0">
+                <a:solidFill>
+                  <a:schemeClr val="tx1">
+                    <a:lumMod val="85000"/>
+                    <a:lumOff val="15000"/>
+                  </a:schemeClr>
+                </a:solidFill>
+              </a:rPr>
+              <a:t> </a:t>
+            </a:r>
+            <a:r>
+              <a:rPr lang="de-DE" sz="1400" dirty="0" err="1">
+                <a:solidFill>
+                  <a:schemeClr val="tx1">
+                    <a:lumMod val="85000"/>
+                    <a:lumOff val="15000"/>
+                  </a:schemeClr>
+                </a:solidFill>
+              </a:rPr>
+              <a:t>statistics</a:t>
+            </a:r>
+            <a:r>
+              <a:rPr lang="de-DE" sz="1400" dirty="0">
+                <a:solidFill>
+                  <a:schemeClr val="tx1">
+                    <a:lumMod val="85000"/>
+                    <a:lumOff val="15000"/>
+                  </a:schemeClr>
+                </a:solidFill>
+              </a:rPr>
+              <a:t> </a:t>
+            </a:r>
+            <a:r>
+              <a:rPr lang="de-DE" sz="1400" dirty="0" err="1">
+                <a:solidFill>
+                  <a:schemeClr val="tx1">
+                    <a:lumMod val="85000"/>
+                    <a:lumOff val="15000"/>
+                  </a:schemeClr>
+                </a:solidFill>
+              </a:rPr>
+              <a:t>service</a:t>
+            </a:r>
+            <a:r>
+              <a:rPr lang="de-DE" sz="1400" dirty="0">
+                <a:solidFill>
+                  <a:schemeClr val="tx1">
+                    <a:lumMod val="85000"/>
+                    <a:lumOff val="15000"/>
+                  </a:schemeClr>
+                </a:solidFill>
+              </a:rPr>
+              <a:t> (</a:t>
+            </a:r>
+            <a:r>
+              <a:rPr lang="de-DE" sz="1400" dirty="0" err="1">
+                <a:solidFill>
+                  <a:schemeClr val="tx1">
+                    <a:lumMod val="85000"/>
+                    <a:lumOff val="15000"/>
+                  </a:schemeClr>
+                </a:solidFill>
+              </a:rPr>
+              <a:t>plausible.io</a:t>
+            </a:r>
+            <a:r>
+              <a:rPr lang="de-DE" sz="1400" dirty="0">
+                <a:solidFill>
+                  <a:schemeClr val="tx1">
+                    <a:lumMod val="85000"/>
+                    <a:lumOff val="15000"/>
+                  </a:schemeClr>
+                </a:solidFill>
+              </a:rPr>
+              <a:t>)</a:t>
             </a:r>
           </a:p>
         </p:txBody>
@@ -2677,6 +3603,96 @@
           </a:bodyPr>
           <a:lstStyle/>
           <a:p>
+            <a:pPr marL="285750" indent="-285750">
+              <a:buFont typeface="Arial" panose="020B0604020202020204" pitchFamily="34" charset="0"/>
+              <a:buChar char="•"/>
+            </a:pPr>
+            <a:r>
+              <a:rPr lang="de-DE" sz="1400" dirty="0" err="1">
+                <a:solidFill>
+                  <a:schemeClr val="tx1">
+                    <a:lumMod val="85000"/>
+                    <a:lumOff val="15000"/>
+                  </a:schemeClr>
+                </a:solidFill>
+              </a:rPr>
+              <a:t>Markdown</a:t>
+            </a:r>
+            <a:r>
+              <a:rPr lang="de-DE" sz="1400" dirty="0">
+                <a:solidFill>
+                  <a:schemeClr val="tx1">
+                    <a:lumMod val="85000"/>
+                    <a:lumOff val="15000"/>
+                  </a:schemeClr>
+                </a:solidFill>
+              </a:rPr>
+              <a:t> + </a:t>
+            </a:r>
+            <a:r>
+              <a:rPr lang="de-DE" sz="1400" dirty="0" err="1">
+                <a:solidFill>
+                  <a:schemeClr val="tx1">
+                    <a:lumMod val="85000"/>
+                    <a:lumOff val="15000"/>
+                  </a:schemeClr>
+                </a:solidFill>
+              </a:rPr>
+              <a:t>plain</a:t>
+            </a:r>
+            <a:r>
+              <a:rPr lang="de-DE" sz="1400" dirty="0">
+                <a:solidFill>
+                  <a:schemeClr val="tx1">
+                    <a:lumMod val="85000"/>
+                    <a:lumOff val="15000"/>
+                  </a:schemeClr>
+                </a:solidFill>
+              </a:rPr>
+              <a:t> HTML </a:t>
+            </a:r>
+          </a:p>
+          <a:p>
+            <a:pPr marL="285750" indent="-285750">
+              <a:buFont typeface="Arial" panose="020B0604020202020204" pitchFamily="34" charset="0"/>
+              <a:buChar char="•"/>
+            </a:pPr>
+            <a:r>
+              <a:rPr lang="de-DE" sz="1400" dirty="0" err="1">
+                <a:solidFill>
+                  <a:schemeClr val="tx1">
+                    <a:lumMod val="85000"/>
+                    <a:lumOff val="15000"/>
+                  </a:schemeClr>
+                </a:solidFill>
+              </a:rPr>
+              <a:t>Golang</a:t>
+            </a:r>
+            <a:endParaRPr lang="de-DE" sz="1400" dirty="0">
+              <a:solidFill>
+                <a:schemeClr val="tx1">
+                  <a:lumMod val="85000"/>
+                  <a:lumOff val="15000"/>
+                </a:schemeClr>
+              </a:solidFill>
+            </a:endParaRPr>
+          </a:p>
+          <a:p>
+            <a:pPr marL="285750" indent="-285750">
+              <a:buFont typeface="Arial" panose="020B0604020202020204" pitchFamily="34" charset="0"/>
+              <a:buChar char="•"/>
+            </a:pPr>
+            <a:r>
+              <a:rPr lang="de-DE" sz="1400" dirty="0" err="1">
+                <a:solidFill>
+                  <a:schemeClr val="tx1">
+                    <a:lumMod val="85000"/>
+                    <a:lumOff val="15000"/>
+                  </a:schemeClr>
+                </a:solidFill>
+              </a:rPr>
+              <a:t>htmx</a:t>
+            </a:r>
             <a:r>
               <a:rPr lang="de-DE" sz="1400" dirty="0">
                 <a:solidFill>
@@ -2688,6 +3704,69 @@
               </a:rPr>
               <a:t> </a:t>
             </a:r>
+            <a:r>
+              <a:rPr lang="de-DE" sz="1400" dirty="0" err="1">
+                <a:solidFill>
+                  <a:schemeClr val="tx1">
+                    <a:lumMod val="85000"/>
+                    <a:lumOff val="15000"/>
+                  </a:schemeClr>
+                </a:solidFill>
+              </a:rPr>
+              <a:t>to</a:t>
+            </a:r>
+            <a:r>
+              <a:rPr lang="de-DE" sz="1400" dirty="0">
+                <a:solidFill>
+                  <a:schemeClr val="tx1">
+                    <a:lumMod val="85000"/>
+                    <a:lumOff val="15000"/>
+                  </a:schemeClr>
+                </a:solidFill>
+              </a:rPr>
+              <a:t> perform DOM </a:t>
+            </a:r>
+            <a:r>
+              <a:rPr lang="de-DE" sz="1400" dirty="0" err="1">
+                <a:solidFill>
+                  <a:schemeClr val="tx1">
+                    <a:lumMod val="85000"/>
+                    <a:lumOff val="15000"/>
+                  </a:schemeClr>
+                </a:solidFill>
+              </a:rPr>
+              <a:t>manipulation</a:t>
+            </a:r>
+            <a:r>
+              <a:rPr lang="de-DE" sz="1400" dirty="0">
+                <a:solidFill>
+                  <a:schemeClr val="tx1">
+                    <a:lumMod val="85000"/>
+                    <a:lumOff val="15000"/>
+                  </a:schemeClr>
+                </a:solidFill>
+              </a:rPr>
+              <a:t> at </a:t>
+            </a:r>
+            <a:r>
+              <a:rPr lang="de-DE" sz="1400" dirty="0" err="1">
+                <a:solidFill>
+                  <a:schemeClr val="tx1">
+                    <a:lumMod val="85000"/>
+                    <a:lumOff val="15000"/>
+                  </a:schemeClr>
+                </a:solidFill>
+              </a:rPr>
+              <a:t>runtime</a:t>
+            </a:r>
+            <a:endParaRPr lang="de-DE" sz="1400" dirty="0">
+              <a:solidFill>
+                <a:schemeClr val="tx1">
+                  <a:lumMod val="85000"/>
+                  <a:lumOff val="15000"/>
+                </a:schemeClr>
+              </a:solidFill>
+            </a:endParaRPr>
           </a:p>
         </p:txBody>
       </p:sp>
@@ -2706,7 +3785,7 @@
         <p:spPr>
           <a:xfrm>
             <a:off x="3248527" y="2733260"/>
-            <a:ext cx="2695073" cy="695739"/>
+            <a:ext cx="2695073" cy="747742"/>
           </a:xfrm>
           <a:prstGeom prst="rect">
             <a:avLst/>
@@ -2724,6 +3803,10 @@
           </a:bodyPr>
           <a:lstStyle/>
           <a:p>
+            <a:pPr marL="285750" indent="-285750">
+              <a:buFont typeface="Arial" panose="020B0604020202020204" pitchFamily="34" charset="0"/>
+              <a:buChar char="•"/>
+            </a:pPr>
             <a:r>
               <a:rPr lang="de-DE" sz="1400" dirty="0">
                 <a:solidFill>
@@ -2735,6 +3818,141 @@
               </a:rPr>
               <a:t> </a:t>
             </a:r>
+            <a:r>
+              <a:rPr lang="de-DE" sz="1400" dirty="0" err="1">
+                <a:solidFill>
+                  <a:schemeClr val="tx1">
+                    <a:lumMod val="85000"/>
+                    <a:lumOff val="15000"/>
+                  </a:schemeClr>
+                </a:solidFill>
+              </a:rPr>
+              <a:t>accurate</a:t>
+            </a:r>
+            <a:r>
+              <a:rPr lang="de-DE" sz="1400" dirty="0">
+                <a:solidFill>
+                  <a:schemeClr val="tx1">
+                    <a:lumMod val="85000"/>
+                    <a:lumOff val="15000"/>
+                  </a:schemeClr>
+                </a:solidFill>
+              </a:rPr>
+              <a:t> </a:t>
+            </a:r>
+            <a:r>
+              <a:rPr lang="de-DE" sz="1400" dirty="0" err="1">
+                <a:solidFill>
+                  <a:schemeClr val="tx1">
+                    <a:lumMod val="85000"/>
+                    <a:lumOff val="15000"/>
+                  </a:schemeClr>
+                </a:solidFill>
+              </a:rPr>
+              <a:t>results</a:t>
+            </a:r>
+            <a:endParaRPr lang="de-DE" sz="1400" dirty="0">
+              <a:solidFill>
+                <a:schemeClr val="tx1">
+                  <a:lumMod val="85000"/>
+                  <a:lumOff val="15000"/>
+                </a:schemeClr>
+              </a:solidFill>
+            </a:endParaRPr>
+          </a:p>
+          <a:p>
+            <a:pPr marL="285750" indent="-285750">
+              <a:buFont typeface="Arial" panose="020B0604020202020204" pitchFamily="34" charset="0"/>
+              <a:buChar char="•"/>
+            </a:pPr>
+            <a:r>
+              <a:rPr lang="de-DE" sz="1400" dirty="0">
+                <a:solidFill>
+                  <a:schemeClr val="tx1">
+                    <a:lumMod val="85000"/>
+                    <a:lumOff val="15000"/>
+                  </a:schemeClr>
+                </a:solidFill>
+              </a:rPr>
+              <a:t>simple </a:t>
+            </a:r>
+            <a:r>
+              <a:rPr lang="de-DE" sz="1400" dirty="0" err="1">
+                <a:solidFill>
+                  <a:schemeClr val="tx1">
+                    <a:lumMod val="85000"/>
+                    <a:lumOff val="15000"/>
+                  </a:schemeClr>
+                </a:solidFill>
+              </a:rPr>
+              <a:t>visualization</a:t>
+            </a:r>
+            <a:endParaRPr lang="de-DE" sz="1400" dirty="0">
+              <a:solidFill>
+                <a:schemeClr val="tx1">
+                  <a:lumMod val="85000"/>
+                  <a:lumOff val="15000"/>
+                </a:schemeClr>
+              </a:solidFill>
+            </a:endParaRPr>
+          </a:p>
+          <a:p>
+            <a:pPr marL="285750" indent="-285750">
+              <a:buFont typeface="Arial" panose="020B0604020202020204" pitchFamily="34" charset="0"/>
+              <a:buChar char="•"/>
+            </a:pPr>
+            <a:r>
+              <a:rPr lang="de-DE" sz="1400" dirty="0">
+                <a:solidFill>
+                  <a:schemeClr val="tx1">
+                    <a:lumMod val="85000"/>
+                    <a:lumOff val="15000"/>
+                  </a:schemeClr>
+                </a:solidFill>
+              </a:rPr>
+              <a:t>all relevant </a:t>
+            </a:r>
+            <a:r>
+              <a:rPr lang="de-DE" sz="1400" dirty="0" err="1">
+                <a:solidFill>
+                  <a:schemeClr val="tx1">
+                    <a:lumMod val="85000"/>
+                    <a:lumOff val="15000"/>
+                  </a:schemeClr>
+                </a:solidFill>
+              </a:rPr>
+              <a:t>data</a:t>
+            </a:r>
+            <a:r>
+              <a:rPr lang="de-DE" sz="1400" dirty="0">
+                <a:solidFill>
+                  <a:schemeClr val="tx1">
+                    <a:lumMod val="85000"/>
+                    <a:lumOff val="15000"/>
+                  </a:schemeClr>
+                </a:solidFill>
+              </a:rPr>
+              <a:t> at a </a:t>
+            </a:r>
+            <a:r>
+              <a:rPr lang="de-DE" sz="1400" dirty="0" err="1">
+                <a:solidFill>
+                  <a:schemeClr val="tx1">
+                    <a:lumMod val="85000"/>
+                    <a:lumOff val="15000"/>
+                  </a:schemeClr>
+                </a:solidFill>
+              </a:rPr>
+              <a:t>glance</a:t>
+            </a:r>
+            <a:endParaRPr lang="de-DE" sz="1400" dirty="0">
+              <a:solidFill>
+                <a:schemeClr val="tx1">
+                  <a:lumMod val="85000"/>
+                  <a:lumOff val="15000"/>
+                </a:schemeClr>
+              </a:solidFill>
+            </a:endParaRPr>
           </a:p>
         </p:txBody>
       </p:sp>
@@ -2875,6 +4093,155 @@
                 </a:solidFill>
               </a:rPr>
               <a:t> </a:t>
+            </a:r>
+          </a:p>
+        </p:txBody>
+      </p:sp>
+      <p:sp>
+        <p:nvSpPr>
+          <p:cNvPr id="13" name="Textfeld 12">
+            <a:extLst>
+              <a:ext uri="{FF2B5EF4-FFF2-40B4-BE49-F238E27FC236}">
+                <a16:creationId xmlns:a16="http://schemas.microsoft.com/office/drawing/2014/main" id="{2888286A-1341-D222-C177-D531261DB175}"/>
+              </a:ext>
+            </a:extLst>
+          </p:cNvPr>
+          <p:cNvSpPr txBox="1"/>
+          <p:nvPr/>
+        </p:nvSpPr>
+        <p:spPr>
+          <a:xfrm>
+            <a:off x="6607790" y="294017"/>
+            <a:ext cx="2403863" cy="369332"/>
+          </a:xfrm>
+          <a:prstGeom prst="rect">
+            <a:avLst/>
+          </a:prstGeom>
+          <a:noFill/>
+        </p:spPr>
+        <p:txBody>
+          <a:bodyPr wrap="none" rtlCol="0">
+            <a:spAutoFit/>
+          </a:bodyPr>
+          <a:lstStyle/>
+          <a:p>
+            <a:r>
+              <a:rPr lang="de-DE" dirty="0"/>
+              <a:t>https://status.arc42.org</a:t>
+            </a:r>
+          </a:p>
+        </p:txBody>
+      </p:sp>
+      <p:sp>
+        <p:nvSpPr>
+          <p:cNvPr id="14" name="Textfeld 13">
+            <a:extLst>
+              <a:ext uri="{FF2B5EF4-FFF2-40B4-BE49-F238E27FC236}">
+                <a16:creationId xmlns:a16="http://schemas.microsoft.com/office/drawing/2014/main" id="{803124E7-372E-3A91-FF73-773BD58BCAF9}"/>
+              </a:ext>
+            </a:extLst>
+          </p:cNvPr>
+          <p:cNvSpPr txBox="1"/>
+          <p:nvPr/>
+        </p:nvSpPr>
+        <p:spPr>
+          <a:xfrm>
+            <a:off x="10854328" y="281372"/>
+            <a:ext cx="1090363" cy="369332"/>
+          </a:xfrm>
+          <a:prstGeom prst="rect">
+            <a:avLst/>
+          </a:prstGeom>
+          <a:noFill/>
+        </p:spPr>
+        <p:txBody>
+          <a:bodyPr wrap="none" rtlCol="0">
+            <a:spAutoFit/>
+          </a:bodyPr>
+          <a:lstStyle/>
+          <a:p>
+            <a:r>
+              <a:rPr lang="de-DE" dirty="0" err="1"/>
+              <a:t>Oct</a:t>
+            </a:r>
+            <a:r>
+              <a:rPr lang="de-DE" dirty="0"/>
+              <a:t>. 2023</a:t>
+            </a:r>
+          </a:p>
+        </p:txBody>
+      </p:sp>
+      <p:sp>
+        <p:nvSpPr>
+          <p:cNvPr id="15" name="Textfeld 14">
+            <a:extLst>
+              <a:ext uri="{FF2B5EF4-FFF2-40B4-BE49-F238E27FC236}">
+                <a16:creationId xmlns:a16="http://schemas.microsoft.com/office/drawing/2014/main" id="{9C09CFFB-972C-296F-11EE-70C8BC4C90B2}"/>
+              </a:ext>
+            </a:extLst>
+          </p:cNvPr>
+          <p:cNvSpPr txBox="1"/>
+          <p:nvPr/>
+        </p:nvSpPr>
+        <p:spPr>
+          <a:xfrm>
+            <a:off x="6200276" y="2735044"/>
+            <a:ext cx="2695072" cy="523220"/>
+          </a:xfrm>
+          <a:prstGeom prst="rect">
+            <a:avLst/>
+          </a:prstGeom>
+          <a:noFill/>
+        </p:spPr>
+        <p:txBody>
+          <a:bodyPr wrap="square" rtlCol="0">
+            <a:spAutoFit/>
+          </a:bodyPr>
+          <a:lstStyle/>
+          <a:p>
+            <a:pPr marL="285750" indent="-285750">
+              <a:buClr>
+                <a:srgbClr val="C00000"/>
+              </a:buClr>
+              <a:buSzPct val="120000"/>
+              <a:buFont typeface="Systemschrift Normal"/>
+              <a:buChar char="−"/>
+            </a:pPr>
+            <a:r>
+              <a:rPr lang="de-DE" sz="1400" dirty="0"/>
+              <a:t>(</a:t>
+            </a:r>
+            <a:r>
+              <a:rPr lang="de-DE" sz="1400" dirty="0" err="1"/>
+              <a:t>secret</a:t>
+            </a:r>
+            <a:r>
+              <a:rPr lang="de-DE" sz="1400" dirty="0"/>
+              <a:t>) API </a:t>
+            </a:r>
+            <a:r>
+              <a:rPr lang="de-DE" sz="1400" dirty="0" err="1"/>
+              <a:t>key</a:t>
+            </a:r>
+            <a:r>
+              <a:rPr lang="de-DE" sz="1400" dirty="0"/>
+              <a:t> </a:t>
+            </a:r>
+            <a:r>
+              <a:rPr lang="de-DE" sz="1400" dirty="0" err="1"/>
+              <a:t>as</a:t>
+            </a:r>
+            <a:r>
+              <a:rPr lang="de-DE" sz="1400" dirty="0"/>
+              <a:t> </a:t>
+            </a:r>
+            <a:r>
+              <a:rPr lang="de-DE" sz="1400" dirty="0" err="1"/>
+              <a:t>constant</a:t>
+            </a:r>
+            <a:r>
+              <a:rPr lang="de-DE" sz="1400" dirty="0"/>
+              <a:t> in source code</a:t>
             </a:r>
           </a:p>
         </p:txBody>

--- a/docs/canvas-status-arc42-org.pptx
+++ b/docs/canvas-status-arc42-org.pptx
@@ -2310,7 +2310,7 @@
                   </a:schemeClr>
                 </a:solidFill>
               </a:rPr>
-              <a:t> Show </a:t>
+              <a:t>Show </a:t>
             </a:r>
             <a:r>
               <a:rPr lang="de-DE" sz="1400" dirty="0" err="1">
@@ -3083,17 +3083,6 @@
               <a:buChar char="✚"/>
             </a:pPr>
             <a:r>
-              <a:rPr lang="de-DE" sz="1400" dirty="0">
-                <a:solidFill>
-                  <a:schemeClr val="tx1">
-                    <a:lumMod val="85000"/>
-                    <a:lumOff val="15000"/>
-                  </a:schemeClr>
-                </a:solidFill>
-              </a:rPr>
-              <a:t> </a:t>
-            </a:r>
-            <a:r>
               <a:rPr lang="de-DE" sz="1400" dirty="0" err="1">
                 <a:solidFill>
                   <a:schemeClr val="tx1">
@@ -3808,17 +3797,6 @@
               <a:buChar char="•"/>
             </a:pPr>
             <a:r>
-              <a:rPr lang="de-DE" sz="1400" dirty="0">
-                <a:solidFill>
-                  <a:schemeClr val="tx1">
-                    <a:lumMod val="85000"/>
-                    <a:lumOff val="15000"/>
-                  </a:schemeClr>
-                </a:solidFill>
-              </a:rPr>
-              <a:t> </a:t>
-            </a:r>
-            <a:r>
               <a:rPr lang="de-DE" sz="1400" dirty="0" err="1">
                 <a:solidFill>
                   <a:schemeClr val="tx1">
@@ -4243,6 +4221,38 @@
               <a:rPr lang="de-DE" sz="1400" dirty="0"/>
               <a:t> in source code</a:t>
             </a:r>
+          </a:p>
+        </p:txBody>
+      </p:sp>
+      <p:sp>
+        <p:nvSpPr>
+          <p:cNvPr id="2" name="Textfeld 1">
+            <a:extLst>
+              <a:ext uri="{FF2B5EF4-FFF2-40B4-BE49-F238E27FC236}">
+                <a16:creationId xmlns:a16="http://schemas.microsoft.com/office/drawing/2014/main" id="{5A145750-25CD-0FDC-BB62-7688E58ED681}"/>
+              </a:ext>
+            </a:extLst>
+          </p:cNvPr>
+          <p:cNvSpPr txBox="1"/>
+          <p:nvPr/>
+        </p:nvSpPr>
+        <p:spPr>
+          <a:xfrm>
+            <a:off x="1434790" y="3776546"/>
+            <a:ext cx="184731" cy="369332"/>
+          </a:xfrm>
+          <a:prstGeom prst="rect">
+            <a:avLst/>
+          </a:prstGeom>
+          <a:noFill/>
+        </p:spPr>
+        <p:txBody>
+          <a:bodyPr wrap="none" rtlCol="0">
+            <a:spAutoFit/>
+          </a:bodyPr>
+          <a:lstStyle/>
+          <a:p>
+            <a:endParaRPr lang="de-DE" dirty="0"/>
           </a:p>
         </p:txBody>
       </p:sp>

--- a/docs/canvas-status-arc42-org.pptx
+++ b/docs/canvas-status-arc42-org.pptx
@@ -6,7 +6,6 @@
   </p:sldMasterIdLst>
   <p:sldIdLst>
     <p:sldId id="257" r:id="rId2"/>
-    <p:sldId id="258" r:id="rId3"/>
   </p:sldIdLst>
   <p:sldSz cx="12192000" cy="6858000"/>
   <p:notesSz cx="6858000" cy="9144000"/>
@@ -535,8 +534,8 @@
         </p:nvSpPr>
         <p:spPr>
           <a:xfrm>
-            <a:off x="6129110" y="3605796"/>
-            <a:ext cx="5739400" cy="1605454"/>
+            <a:off x="6129110" y="3605795"/>
+            <a:ext cx="5739400" cy="2761239"/>
           </a:xfrm>
           <a:prstGeom prst="rect">
             <a:avLst/>
@@ -582,8 +581,8 @@
         </p:nvSpPr>
         <p:spPr>
           <a:xfrm>
-            <a:off x="337456" y="5279965"/>
-            <a:ext cx="11531053" cy="1087069"/>
+            <a:off x="337457" y="5279965"/>
+            <a:ext cx="5739400" cy="1087069"/>
           </a:xfrm>
           <a:prstGeom prst="rect">
             <a:avLst/>
@@ -1885,7 +1884,7 @@
         </p:blipFill>
         <p:spPr bwMode="auto">
           <a:xfrm>
-            <a:off x="11557485" y="5287543"/>
+            <a:off x="5727609" y="5353489"/>
             <a:ext cx="294729" cy="294729"/>
           </a:xfrm>
           <a:prstGeom prst="rect">
@@ -3433,6 +3432,92 @@
                   </a:schemeClr>
                 </a:solidFill>
               </a:rPr>
+              <a:t>fly.io</a:t>
+            </a:r>
+            <a:r>
+              <a:rPr lang="de-DE" sz="1400" dirty="0">
+                <a:solidFill>
+                  <a:schemeClr val="tx1">
+                    <a:lumMod val="85000"/>
+                    <a:lumOff val="15000"/>
+                  </a:schemeClr>
+                </a:solidFill>
+              </a:rPr>
+              <a:t> </a:t>
+            </a:r>
+            <a:r>
+              <a:rPr lang="de-DE" sz="1400" dirty="0" err="1">
+                <a:solidFill>
+                  <a:schemeClr val="tx1">
+                    <a:lumMod val="85000"/>
+                    <a:lumOff val="15000"/>
+                  </a:schemeClr>
+                </a:solidFill>
+              </a:rPr>
+              <a:t>for</a:t>
+            </a:r>
+            <a:r>
+              <a:rPr lang="de-DE" sz="1400" dirty="0">
+                <a:solidFill>
+                  <a:schemeClr val="tx1">
+                    <a:lumMod val="85000"/>
+                    <a:lumOff val="15000"/>
+                  </a:schemeClr>
+                </a:solidFill>
+              </a:rPr>
+              <a:t> </a:t>
+            </a:r>
+            <a:r>
+              <a:rPr lang="de-DE" sz="1400">
+                <a:solidFill>
+                  <a:schemeClr val="tx1">
+                    <a:lumMod val="85000"/>
+                    <a:lumOff val="15000"/>
+                  </a:schemeClr>
+                </a:solidFill>
+              </a:rPr>
+              <a:t>deployment</a:t>
+            </a:r>
+          </a:p>
+          <a:p>
+            <a:pPr marL="285750" indent="-285750">
+              <a:buClr>
+                <a:schemeClr val="accent6"/>
+              </a:buClr>
+              <a:buFont typeface="Systemschrift Normal"/>
+              <a:buChar char="✚"/>
+            </a:pPr>
+            <a:r>
+              <a:rPr lang="de-DE" sz="1400" dirty="0" err="1">
+                <a:solidFill>
+                  <a:schemeClr val="tx1">
+                    <a:lumMod val="85000"/>
+                    <a:lumOff val="15000"/>
+                  </a:schemeClr>
+                </a:solidFill>
+              </a:rPr>
+              <a:t>use</a:t>
+            </a:r>
+            <a:r>
+              <a:rPr lang="de-DE" sz="1400" dirty="0">
+                <a:solidFill>
+                  <a:schemeClr val="tx1">
+                    <a:lumMod val="85000"/>
+                    <a:lumOff val="15000"/>
+                  </a:schemeClr>
+                </a:solidFill>
+              </a:rPr>
+              <a:t> </a:t>
+            </a:r>
+            <a:r>
+              <a:rPr lang="de-DE" sz="1400" dirty="0" err="1">
+                <a:solidFill>
+                  <a:schemeClr val="tx1">
+                    <a:lumMod val="85000"/>
+                    <a:lumOff val="15000"/>
+                  </a:schemeClr>
+                </a:solidFill>
+              </a:rPr>
               <a:t>Golang</a:t>
             </a:r>
             <a:r>
@@ -3657,6 +3742,131 @@
               </a:rPr>
               <a:t>Golang</a:t>
             </a:r>
+            <a:r>
+              <a:rPr lang="de-DE" sz="1400" dirty="0">
+                <a:solidFill>
+                  <a:schemeClr val="tx1">
+                    <a:lumMod val="85000"/>
+                    <a:lumOff val="15000"/>
+                  </a:schemeClr>
+                </a:solidFill>
+              </a:rPr>
+              <a:t> </a:t>
+            </a:r>
+            <a:r>
+              <a:rPr lang="de-DE" sz="1400" dirty="0" err="1">
+                <a:solidFill>
+                  <a:schemeClr val="tx1">
+                    <a:lumMod val="85000"/>
+                    <a:lumOff val="15000"/>
+                  </a:schemeClr>
+                </a:solidFill>
+              </a:rPr>
+              <a:t>with</a:t>
+            </a:r>
+            <a:r>
+              <a:rPr lang="de-DE" sz="1400" dirty="0">
+                <a:solidFill>
+                  <a:schemeClr val="tx1">
+                    <a:lumMod val="85000"/>
+                    <a:lumOff val="15000"/>
+                  </a:schemeClr>
+                </a:solidFill>
+              </a:rPr>
+              <a:t> </a:t>
+            </a:r>
+            <a:r>
+              <a:rPr lang="de-DE" sz="1400" dirty="0" err="1">
+                <a:solidFill>
+                  <a:schemeClr val="tx1">
+                    <a:lumMod val="85000"/>
+                    <a:lumOff val="15000"/>
+                  </a:schemeClr>
+                </a:solidFill>
+              </a:rPr>
+              <a:t>packages</a:t>
+            </a:r>
+            <a:endParaRPr lang="de-DE" sz="1400" dirty="0">
+              <a:solidFill>
+                <a:schemeClr val="tx1">
+                  <a:lumMod val="85000"/>
+                  <a:lumOff val="15000"/>
+                </a:schemeClr>
+              </a:solidFill>
+            </a:endParaRPr>
+          </a:p>
+          <a:p>
+            <a:pPr marL="742950" lvl="1" indent="-285750">
+              <a:buFont typeface="Arial" panose="020B0604020202020204" pitchFamily="34" charset="0"/>
+              <a:buChar char="•"/>
+            </a:pPr>
+            <a:r>
+              <a:rPr lang="de-DE" sz="1400" dirty="0" err="1">
+                <a:solidFill>
+                  <a:schemeClr val="tx1">
+                    <a:lumMod val="85000"/>
+                    <a:lumOff val="15000"/>
+                  </a:schemeClr>
+                </a:solidFill>
+              </a:rPr>
+              <a:t>net</a:t>
+            </a:r>
+            <a:r>
+              <a:rPr lang="de-DE" sz="1400" dirty="0">
+                <a:solidFill>
+                  <a:schemeClr val="tx1">
+                    <a:lumMod val="85000"/>
+                    <a:lumOff val="15000"/>
+                  </a:schemeClr>
+                </a:solidFill>
+              </a:rPr>
+              <a:t>/http</a:t>
+            </a:r>
+          </a:p>
+          <a:p>
+            <a:pPr marL="742950" lvl="1" indent="-285750">
+              <a:buFont typeface="Arial" panose="020B0604020202020204" pitchFamily="34" charset="0"/>
+              <a:buChar char="•"/>
+            </a:pPr>
+            <a:r>
+              <a:rPr lang="de-DE" sz="1400" dirty="0">
+                <a:solidFill>
+                  <a:schemeClr val="tx1">
+                    <a:lumMod val="85000"/>
+                    <a:lumOff val="15000"/>
+                  </a:schemeClr>
+                </a:solidFill>
+              </a:rPr>
+              <a:t>http/</a:t>
+            </a:r>
+            <a:r>
+              <a:rPr lang="de-DE" sz="1400" dirty="0" err="1">
+                <a:solidFill>
+                  <a:schemeClr val="tx1">
+                    <a:lumMod val="85000"/>
+                    <a:lumOff val="15000"/>
+                  </a:schemeClr>
+                </a:solidFill>
+              </a:rPr>
+              <a:t>template</a:t>
+            </a:r>
+            <a:r>
+              <a:rPr lang="de-DE" sz="1400" dirty="0">
+                <a:solidFill>
+                  <a:schemeClr val="tx1">
+                    <a:lumMod val="85000"/>
+                    <a:lumOff val="15000"/>
+                  </a:schemeClr>
+                </a:solidFill>
+              </a:rPr>
+              <a:t>	</a:t>
+            </a:r>
+          </a:p>
+          <a:p>
+            <a:pPr marL="285750" indent="-285750">
+              <a:buFont typeface="Arial" panose="020B0604020202020204" pitchFamily="34" charset="0"/>
+              <a:buChar char="•"/>
+            </a:pPr>
             <a:endParaRPr lang="de-DE" sz="1400" dirty="0">
               <a:solidFill>
                 <a:schemeClr val="tx1">
@@ -3747,6 +3957,155 @@
                 </a:solidFill>
               </a:rPr>
               <a:t>runtime</a:t>
+            </a:r>
+            <a:endParaRPr lang="de-DE" sz="1400" dirty="0">
+              <a:solidFill>
+                <a:schemeClr val="tx1">
+                  <a:lumMod val="85000"/>
+                  <a:lumOff val="15000"/>
+                </a:schemeClr>
+              </a:solidFill>
+            </a:endParaRPr>
+          </a:p>
+          <a:p>
+            <a:pPr marL="285750" indent="-285750">
+              <a:buFont typeface="Arial" panose="020B0604020202020204" pitchFamily="34" charset="0"/>
+              <a:buChar char="•"/>
+            </a:pPr>
+            <a:endParaRPr lang="de-DE" sz="1400" dirty="0">
+              <a:solidFill>
+                <a:schemeClr val="tx1">
+                  <a:lumMod val="85000"/>
+                  <a:lumOff val="15000"/>
+                </a:schemeClr>
+              </a:solidFill>
+            </a:endParaRPr>
+          </a:p>
+          <a:p>
+            <a:pPr marL="285750" indent="-285750">
+              <a:buFont typeface="Arial" panose="020B0604020202020204" pitchFamily="34" charset="0"/>
+              <a:buChar char="•"/>
+            </a:pPr>
+            <a:r>
+              <a:rPr lang="de-DE" sz="1400" dirty="0" err="1">
+                <a:solidFill>
+                  <a:schemeClr val="tx1">
+                    <a:lumMod val="85000"/>
+                    <a:lumOff val="15000"/>
+                  </a:schemeClr>
+                </a:solidFill>
+              </a:rPr>
+              <a:t>fly.io</a:t>
+            </a:r>
+            <a:r>
+              <a:rPr lang="de-DE" sz="1400" dirty="0">
+                <a:solidFill>
+                  <a:schemeClr val="tx1">
+                    <a:lumMod val="85000"/>
+                    <a:lumOff val="15000"/>
+                  </a:schemeClr>
+                </a:solidFill>
+              </a:rPr>
+              <a:t> </a:t>
+            </a:r>
+            <a:r>
+              <a:rPr lang="de-DE" sz="1400" dirty="0" err="1">
+                <a:solidFill>
+                  <a:schemeClr val="tx1">
+                    <a:lumMod val="85000"/>
+                    <a:lumOff val="15000"/>
+                  </a:schemeClr>
+                </a:solidFill>
+              </a:rPr>
+              <a:t>for</a:t>
+            </a:r>
+            <a:r>
+              <a:rPr lang="de-DE" sz="1400" dirty="0">
+                <a:solidFill>
+                  <a:schemeClr val="tx1">
+                    <a:lumMod val="85000"/>
+                    <a:lumOff val="15000"/>
+                  </a:schemeClr>
+                </a:solidFill>
+              </a:rPr>
+              <a:t> </a:t>
+            </a:r>
+            <a:r>
+              <a:rPr lang="de-DE" sz="1400" dirty="0" err="1">
+                <a:solidFill>
+                  <a:schemeClr val="tx1">
+                    <a:lumMod val="85000"/>
+                    <a:lumOff val="15000"/>
+                  </a:schemeClr>
+                </a:solidFill>
+              </a:rPr>
+              <a:t>deployment</a:t>
+            </a:r>
+            <a:r>
+              <a:rPr lang="de-DE" sz="1400" dirty="0">
+                <a:solidFill>
+                  <a:schemeClr val="tx1">
+                    <a:lumMod val="85000"/>
+                    <a:lumOff val="15000"/>
+                  </a:schemeClr>
+                </a:solidFill>
+              </a:rPr>
+              <a:t> </a:t>
+            </a:r>
+            <a:r>
+              <a:rPr lang="de-DE" sz="1400" dirty="0" err="1">
+                <a:solidFill>
+                  <a:schemeClr val="tx1">
+                    <a:lumMod val="85000"/>
+                    <a:lumOff val="15000"/>
+                  </a:schemeClr>
+                </a:solidFill>
+              </a:rPr>
+              <a:t>of</a:t>
+            </a:r>
+            <a:r>
+              <a:rPr lang="de-DE" sz="1400" dirty="0">
+                <a:solidFill>
+                  <a:schemeClr val="tx1">
+                    <a:lumMod val="85000"/>
+                    <a:lumOff val="15000"/>
+                  </a:schemeClr>
+                </a:solidFill>
+              </a:rPr>
+              <a:t> </a:t>
+            </a:r>
+            <a:r>
+              <a:rPr lang="de-DE" sz="1400" dirty="0" err="1">
+                <a:solidFill>
+                  <a:schemeClr val="tx1">
+                    <a:lumMod val="85000"/>
+                    <a:lumOff val="15000"/>
+                  </a:schemeClr>
+                </a:solidFill>
+              </a:rPr>
+              <a:t>Golang</a:t>
+            </a:r>
+            <a:r>
+              <a:rPr lang="de-DE" sz="1400" dirty="0">
+                <a:solidFill>
+                  <a:schemeClr val="tx1">
+                    <a:lumMod val="85000"/>
+                    <a:lumOff val="15000"/>
+                  </a:schemeClr>
+                </a:solidFill>
+              </a:rPr>
+              <a:t> </a:t>
+            </a:r>
+            <a:r>
+              <a:rPr lang="de-DE" sz="1400" dirty="0" err="1">
+                <a:solidFill>
+                  <a:schemeClr val="tx1">
+                    <a:lumMod val="85000"/>
+                    <a:lumOff val="15000"/>
+                  </a:schemeClr>
+                </a:solidFill>
+              </a:rPr>
+              <a:t>service</a:t>
             </a:r>
             <a:endParaRPr lang="de-DE" sz="1400" dirty="0">
               <a:solidFill>
@@ -3936,100 +4295,6 @@
       </p:sp>
       <p:sp>
         <p:nvSpPr>
-          <p:cNvPr id="9" name="Textfeld 8">
-            <a:extLst>
-              <a:ext uri="{FF2B5EF4-FFF2-40B4-BE49-F238E27FC236}">
-                <a16:creationId xmlns:a16="http://schemas.microsoft.com/office/drawing/2014/main" id="{4A00ADA3-1A16-D014-BE18-A56E566DEF68}"/>
-              </a:ext>
-            </a:extLst>
-          </p:cNvPr>
-          <p:cNvSpPr txBox="1"/>
-          <p:nvPr/>
-        </p:nvSpPr>
-        <p:spPr>
-          <a:xfrm>
-            <a:off x="417093" y="3882611"/>
-            <a:ext cx="5526507" cy="1275797"/>
-          </a:xfrm>
-          <a:prstGeom prst="rect">
-            <a:avLst/>
-          </a:prstGeom>
-          <a:solidFill>
-            <a:schemeClr val="accent4">
-              <a:lumMod val="20000"/>
-              <a:lumOff val="80000"/>
-            </a:schemeClr>
-          </a:solidFill>
-        </p:spPr>
-        <p:txBody>
-          <a:bodyPr wrap="square" rtlCol="0">
-            <a:noAutofit/>
-          </a:bodyPr>
-          <a:lstStyle/>
-          <a:p>
-            <a:r>
-              <a:rPr lang="de-DE" sz="1400" dirty="0">
-                <a:solidFill>
-                  <a:schemeClr val="tx1">
-                    <a:lumMod val="85000"/>
-                    <a:lumOff val="15000"/>
-                  </a:schemeClr>
-                </a:solidFill>
-              </a:rPr>
-              <a:t> </a:t>
-            </a:r>
-          </a:p>
-        </p:txBody>
-      </p:sp>
-      <p:sp>
-        <p:nvSpPr>
-          <p:cNvPr id="10" name="Textfeld 9">
-            <a:extLst>
-              <a:ext uri="{FF2B5EF4-FFF2-40B4-BE49-F238E27FC236}">
-                <a16:creationId xmlns:a16="http://schemas.microsoft.com/office/drawing/2014/main" id="{114381A7-0081-DEF3-04C3-435AE016DB8D}"/>
-              </a:ext>
-            </a:extLst>
-          </p:cNvPr>
-          <p:cNvSpPr txBox="1"/>
-          <p:nvPr/>
-        </p:nvSpPr>
-        <p:spPr>
-          <a:xfrm>
-            <a:off x="6248400" y="3882610"/>
-            <a:ext cx="5526507" cy="1275797"/>
-          </a:xfrm>
-          <a:prstGeom prst="rect">
-            <a:avLst/>
-          </a:prstGeom>
-          <a:solidFill>
-            <a:schemeClr val="accent4">
-              <a:lumMod val="20000"/>
-              <a:lumOff val="80000"/>
-            </a:schemeClr>
-          </a:solidFill>
-        </p:spPr>
-        <p:txBody>
-          <a:bodyPr wrap="square" rtlCol="0">
-            <a:noAutofit/>
-          </a:bodyPr>
-          <a:lstStyle/>
-          <a:p>
-            <a:r>
-              <a:rPr lang="de-DE" sz="1400" dirty="0">
-                <a:solidFill>
-                  <a:schemeClr val="tx1">
-                    <a:lumMod val="85000"/>
-                    <a:lumOff val="15000"/>
-                  </a:schemeClr>
-                </a:solidFill>
-              </a:rPr>
-              <a:t> </a:t>
-            </a:r>
-          </a:p>
-        </p:txBody>
-      </p:sp>
-      <p:sp>
-        <p:nvSpPr>
           <p:cNvPr id="11" name="Textfeld 10">
             <a:extLst>
               <a:ext uri="{FF2B5EF4-FFF2-40B4-BE49-F238E27FC236}">
@@ -4043,7 +4308,7 @@
         <p:spPr>
           <a:xfrm>
             <a:off x="485273" y="5560017"/>
-            <a:ext cx="11289634" cy="695739"/>
+            <a:ext cx="5278919" cy="695739"/>
           </a:xfrm>
           <a:prstGeom prst="rect">
             <a:avLst/>
@@ -4125,7 +4390,7 @@
         <p:spPr>
           <a:xfrm>
             <a:off x="10854328" y="281372"/>
-            <a:ext cx="1090363" cy="369332"/>
+            <a:ext cx="1118511" cy="369332"/>
           </a:xfrm>
           <a:prstGeom prst="rect">
             <a:avLst/>
@@ -4139,12 +4404,8 @@
           <a:lstStyle/>
           <a:p>
             <a:r>
-              <a:rPr lang="de-DE" dirty="0" err="1"/>
-              <a:t>Oct</a:t>
-            </a:r>
-            <a:r>
               <a:rPr lang="de-DE" dirty="0"/>
-              <a:t>. 2023</a:t>
+              <a:t>Nov. 2023</a:t>
             </a:r>
           </a:p>
         </p:txBody>
@@ -4187,19 +4448,11 @@
             </a:pPr>
             <a:r>
               <a:rPr lang="de-DE" sz="1400" dirty="0"/>
-              <a:t>(</a:t>
+              <a:t>just ONE slow </a:t>
             </a:r>
             <a:r>
               <a:rPr lang="de-DE" sz="1400" dirty="0" err="1"/>
-              <a:t>secret</a:t>
-            </a:r>
-            <a:r>
-              <a:rPr lang="de-DE" sz="1400" dirty="0"/>
-              <a:t>) API </a:t>
-            </a:r>
-            <a:r>
-              <a:rPr lang="de-DE" sz="1400" dirty="0" err="1"/>
-              <a:t>key</a:t>
+              <a:t>request</a:t>
             </a:r>
             <a:r>
               <a:rPr lang="de-DE" sz="1400" dirty="0"/>
@@ -4207,7 +4460,7 @@
             </a:r>
             <a:r>
               <a:rPr lang="de-DE" sz="1400" dirty="0" err="1"/>
-              <a:t>as</a:t>
+              <a:t>to</a:t>
             </a:r>
             <a:r>
               <a:rPr lang="de-DE" sz="1400" dirty="0"/>
@@ -4215,11 +4468,19 @@
             </a:r>
             <a:r>
               <a:rPr lang="de-DE" sz="1400" dirty="0" err="1"/>
-              <a:t>constant</a:t>
+              <a:t>create</a:t>
             </a:r>
             <a:r>
               <a:rPr lang="de-DE" sz="1400" dirty="0"/>
-              <a:t> in source code</a:t>
+              <a:t> HTML </a:t>
+            </a:r>
+            <a:r>
+              <a:rPr lang="de-DE" sz="1400" dirty="0" err="1"/>
+              <a:t>table</a:t>
+            </a:r>
+            <a:r>
+              <a:rPr lang="de-DE" sz="1400" dirty="0"/>
+              <a:t> (&gt;1200ms) </a:t>
             </a:r>
           </a:p>
         </p:txBody>
@@ -4256,418 +4517,68 @@
           </a:p>
         </p:txBody>
       </p:sp>
+      <p:pic>
+        <p:nvPicPr>
+          <p:cNvPr id="18" name="Grafik 17">
+            <a:extLst>
+              <a:ext uri="{FF2B5EF4-FFF2-40B4-BE49-F238E27FC236}">
+                <a16:creationId xmlns:a16="http://schemas.microsoft.com/office/drawing/2014/main" id="{2D833687-ACCE-6CA6-4CA4-AB3F5F17B81E}"/>
+              </a:ext>
+            </a:extLst>
+          </p:cNvPr>
+          <p:cNvPicPr>
+            <a:picLocks noChangeAspect="1"/>
+          </p:cNvPicPr>
+          <p:nvPr/>
+        </p:nvPicPr>
+        <p:blipFill rotWithShape="1">
+          <a:blip r:embed="rId2"/>
+          <a:srcRect r="22010"/>
+          <a:stretch/>
+        </p:blipFill>
+        <p:spPr>
+          <a:xfrm>
+            <a:off x="2031576" y="3700326"/>
+            <a:ext cx="2997375" cy="1451125"/>
+          </a:xfrm>
+          <a:prstGeom prst="rect">
+            <a:avLst/>
+          </a:prstGeom>
+        </p:spPr>
+      </p:pic>
+      <p:pic>
+        <p:nvPicPr>
+          <p:cNvPr id="19" name="Grafik 18">
+            <a:extLst>
+              <a:ext uri="{FF2B5EF4-FFF2-40B4-BE49-F238E27FC236}">
+                <a16:creationId xmlns:a16="http://schemas.microsoft.com/office/drawing/2014/main" id="{65A80C35-5EB5-3E8D-004F-F39BDAE0BB73}"/>
+              </a:ext>
+            </a:extLst>
+          </p:cNvPr>
+          <p:cNvPicPr>
+            <a:picLocks noChangeAspect="1"/>
+          </p:cNvPicPr>
+          <p:nvPr/>
+        </p:nvPicPr>
+        <p:blipFill rotWithShape="1">
+          <a:blip r:embed="rId3"/>
+          <a:srcRect t="3665" r="3661"/>
+          <a:stretch/>
+        </p:blipFill>
+        <p:spPr>
+          <a:xfrm>
+            <a:off x="7560954" y="3700326"/>
+            <a:ext cx="3972843" cy="2644452"/>
+          </a:xfrm>
+          <a:prstGeom prst="rect">
+            <a:avLst/>
+          </a:prstGeom>
+        </p:spPr>
+      </p:pic>
     </p:spTree>
     <p:extLst>
       <p:ext uri="{BB962C8B-B14F-4D97-AF65-F5344CB8AC3E}">
         <p14:creationId xmlns:p14="http://schemas.microsoft.com/office/powerpoint/2010/main" val="1545715125"/>
-      </p:ext>
-    </p:extLst>
-  </p:cSld>
-  <p:clrMapOvr>
-    <a:masterClrMapping/>
-  </p:clrMapOvr>
-</p:sld>
-</file>
-
-<file path=ppt/slides/slide2.xml><?xml version="1.0" encoding="utf-8"?>
-<p:sld xmlns:a="http://schemas.openxmlformats.org/drawingml/2006/main" xmlns:r="http://schemas.openxmlformats.org/officeDocument/2006/relationships" xmlns:p="http://schemas.openxmlformats.org/presentationml/2006/main">
-  <p:cSld>
-    <p:spTree>
-      <p:nvGrpSpPr>
-        <p:cNvPr id="1" name=""/>
-        <p:cNvGrpSpPr/>
-        <p:nvPr/>
-      </p:nvGrpSpPr>
-      <p:grpSpPr>
-        <a:xfrm>
-          <a:off x="0" y="0"/>
-          <a:ext cx="0" cy="0"/>
-          <a:chOff x="0" y="0"/>
-          <a:chExt cx="0" cy="0"/>
-        </a:xfrm>
-      </p:grpSpPr>
-      <p:sp>
-        <p:nvSpPr>
-          <p:cNvPr id="3" name="Textfeld 2">
-            <a:extLst>
-              <a:ext uri="{FF2B5EF4-FFF2-40B4-BE49-F238E27FC236}">
-                <a16:creationId xmlns:a16="http://schemas.microsoft.com/office/drawing/2014/main" id="{2FB48AAF-AFA2-BEAC-5656-FDEBE7B58737}"/>
-              </a:ext>
-            </a:extLst>
-          </p:cNvPr>
-          <p:cNvSpPr txBox="1"/>
-          <p:nvPr/>
-        </p:nvSpPr>
-        <p:spPr>
-          <a:xfrm>
-            <a:off x="417095" y="1074820"/>
-            <a:ext cx="2695073" cy="770022"/>
-          </a:xfrm>
-          <a:prstGeom prst="rect">
-            <a:avLst/>
-          </a:prstGeom>
-          <a:noFill/>
-        </p:spPr>
-        <p:txBody>
-          <a:bodyPr wrap="square" rtlCol="0">
-            <a:noAutofit/>
-          </a:bodyPr>
-          <a:lstStyle/>
-          <a:p>
-            <a:r>
-              <a:rPr lang="de-DE" sz="1400" dirty="0">
-                <a:solidFill>
-                  <a:schemeClr val="tx1">
-                    <a:lumMod val="85000"/>
-                    <a:lumOff val="15000"/>
-                  </a:schemeClr>
-                </a:solidFill>
-              </a:rPr>
-              <a:t> </a:t>
-            </a:r>
-          </a:p>
-        </p:txBody>
-      </p:sp>
-      <p:sp>
-        <p:nvSpPr>
-          <p:cNvPr id="4" name="Textfeld 3">
-            <a:extLst>
-              <a:ext uri="{FF2B5EF4-FFF2-40B4-BE49-F238E27FC236}">
-                <a16:creationId xmlns:a16="http://schemas.microsoft.com/office/drawing/2014/main" id="{F3E23662-7E84-5B91-BA44-EB5BD0C5361F}"/>
-              </a:ext>
-            </a:extLst>
-          </p:cNvPr>
-          <p:cNvSpPr txBox="1"/>
-          <p:nvPr/>
-        </p:nvSpPr>
-        <p:spPr>
-          <a:xfrm>
-            <a:off x="417094" y="2237872"/>
-            <a:ext cx="2695073" cy="1191128"/>
-          </a:xfrm>
-          <a:prstGeom prst="rect">
-            <a:avLst/>
-          </a:prstGeom>
-          <a:noFill/>
-        </p:spPr>
-        <p:txBody>
-          <a:bodyPr wrap="square" rtlCol="0">
-            <a:noAutofit/>
-          </a:bodyPr>
-          <a:lstStyle/>
-          <a:p>
-            <a:r>
-              <a:rPr lang="de-DE" sz="1400" dirty="0">
-                <a:solidFill>
-                  <a:schemeClr val="tx1">
-                    <a:lumMod val="85000"/>
-                    <a:lumOff val="15000"/>
-                  </a:schemeClr>
-                </a:solidFill>
-              </a:rPr>
-              <a:t> </a:t>
-            </a:r>
-          </a:p>
-        </p:txBody>
-      </p:sp>
-      <p:sp>
-        <p:nvSpPr>
-          <p:cNvPr id="5" name="Textfeld 4">
-            <a:extLst>
-              <a:ext uri="{FF2B5EF4-FFF2-40B4-BE49-F238E27FC236}">
-                <a16:creationId xmlns:a16="http://schemas.microsoft.com/office/drawing/2014/main" id="{952AC5DD-972E-919C-3F19-50B6CABE32F4}"/>
-              </a:ext>
-            </a:extLst>
-          </p:cNvPr>
-          <p:cNvSpPr txBox="1"/>
-          <p:nvPr/>
-        </p:nvSpPr>
-        <p:spPr>
-          <a:xfrm>
-            <a:off x="3248527" y="1074820"/>
-            <a:ext cx="2695073" cy="770022"/>
-          </a:xfrm>
-          <a:prstGeom prst="rect">
-            <a:avLst/>
-          </a:prstGeom>
-          <a:noFill/>
-        </p:spPr>
-        <p:txBody>
-          <a:bodyPr wrap="square" rtlCol="0">
-            <a:noAutofit/>
-          </a:bodyPr>
-          <a:lstStyle/>
-          <a:p>
-            <a:r>
-              <a:rPr lang="de-DE" sz="1400" dirty="0">
-                <a:solidFill>
-                  <a:schemeClr val="tx1">
-                    <a:lumMod val="85000"/>
-                    <a:lumOff val="15000"/>
-                  </a:schemeClr>
-                </a:solidFill>
-              </a:rPr>
-              <a:t> </a:t>
-            </a:r>
-          </a:p>
-        </p:txBody>
-      </p:sp>
-      <p:sp>
-        <p:nvSpPr>
-          <p:cNvPr id="6" name="Textfeld 5">
-            <a:extLst>
-              <a:ext uri="{FF2B5EF4-FFF2-40B4-BE49-F238E27FC236}">
-                <a16:creationId xmlns:a16="http://schemas.microsoft.com/office/drawing/2014/main" id="{E5B22B59-E844-AEC0-7CBC-E7E1BE260AE7}"/>
-              </a:ext>
-            </a:extLst>
-          </p:cNvPr>
-          <p:cNvSpPr txBox="1"/>
-          <p:nvPr/>
-        </p:nvSpPr>
-        <p:spPr>
-          <a:xfrm>
-            <a:off x="6200276" y="1074820"/>
-            <a:ext cx="2695073" cy="2354180"/>
-          </a:xfrm>
-          <a:prstGeom prst="rect">
-            <a:avLst/>
-          </a:prstGeom>
-          <a:noFill/>
-        </p:spPr>
-        <p:txBody>
-          <a:bodyPr wrap="square" rtlCol="0">
-            <a:noAutofit/>
-          </a:bodyPr>
-          <a:lstStyle/>
-          <a:p>
-            <a:r>
-              <a:rPr lang="de-DE" sz="1400" dirty="0">
-                <a:solidFill>
-                  <a:schemeClr val="tx1">
-                    <a:lumMod val="85000"/>
-                    <a:lumOff val="15000"/>
-                  </a:schemeClr>
-                </a:solidFill>
-              </a:rPr>
-              <a:t> </a:t>
-            </a:r>
-          </a:p>
-        </p:txBody>
-      </p:sp>
-      <p:sp>
-        <p:nvSpPr>
-          <p:cNvPr id="7" name="Textfeld 6">
-            <a:extLst>
-              <a:ext uri="{FF2B5EF4-FFF2-40B4-BE49-F238E27FC236}">
-                <a16:creationId xmlns:a16="http://schemas.microsoft.com/office/drawing/2014/main" id="{2446785F-EACF-53C3-73F7-9AE5159093B6}"/>
-              </a:ext>
-            </a:extLst>
-          </p:cNvPr>
-          <p:cNvSpPr txBox="1"/>
-          <p:nvPr/>
-        </p:nvSpPr>
-        <p:spPr>
-          <a:xfrm>
-            <a:off x="9103899" y="1074820"/>
-            <a:ext cx="2695073" cy="2354180"/>
-          </a:xfrm>
-          <a:prstGeom prst="rect">
-            <a:avLst/>
-          </a:prstGeom>
-          <a:noFill/>
-        </p:spPr>
-        <p:txBody>
-          <a:bodyPr wrap="square" rtlCol="0">
-            <a:noAutofit/>
-          </a:bodyPr>
-          <a:lstStyle/>
-          <a:p>
-            <a:r>
-              <a:rPr lang="de-DE" sz="1400" dirty="0">
-                <a:solidFill>
-                  <a:schemeClr val="tx1">
-                    <a:lumMod val="85000"/>
-                    <a:lumOff val="15000"/>
-                  </a:schemeClr>
-                </a:solidFill>
-              </a:rPr>
-              <a:t> </a:t>
-            </a:r>
-          </a:p>
-        </p:txBody>
-      </p:sp>
-      <p:sp>
-        <p:nvSpPr>
-          <p:cNvPr id="8" name="Textfeld 7">
-            <a:extLst>
-              <a:ext uri="{FF2B5EF4-FFF2-40B4-BE49-F238E27FC236}">
-                <a16:creationId xmlns:a16="http://schemas.microsoft.com/office/drawing/2014/main" id="{ACCB1BE3-DD3B-D5DD-6F1B-8C58A28112C9}"/>
-              </a:ext>
-            </a:extLst>
-          </p:cNvPr>
-          <p:cNvSpPr txBox="1"/>
-          <p:nvPr/>
-        </p:nvSpPr>
-        <p:spPr>
-          <a:xfrm>
-            <a:off x="3248527" y="2733260"/>
-            <a:ext cx="2695073" cy="695739"/>
-          </a:xfrm>
-          <a:prstGeom prst="rect">
-            <a:avLst/>
-          </a:prstGeom>
-          <a:noFill/>
-        </p:spPr>
-        <p:txBody>
-          <a:bodyPr wrap="square" rtlCol="0">
-            <a:noAutofit/>
-          </a:bodyPr>
-          <a:lstStyle/>
-          <a:p>
-            <a:r>
-              <a:rPr lang="de-DE" sz="1400" dirty="0">
-                <a:solidFill>
-                  <a:schemeClr val="tx1">
-                    <a:lumMod val="85000"/>
-                    <a:lumOff val="15000"/>
-                  </a:schemeClr>
-                </a:solidFill>
-              </a:rPr>
-              <a:t> </a:t>
-            </a:r>
-          </a:p>
-        </p:txBody>
-      </p:sp>
-      <p:sp>
-        <p:nvSpPr>
-          <p:cNvPr id="9" name="Textfeld 8">
-            <a:extLst>
-              <a:ext uri="{FF2B5EF4-FFF2-40B4-BE49-F238E27FC236}">
-                <a16:creationId xmlns:a16="http://schemas.microsoft.com/office/drawing/2014/main" id="{4A00ADA3-1A16-D014-BE18-A56E566DEF68}"/>
-              </a:ext>
-            </a:extLst>
-          </p:cNvPr>
-          <p:cNvSpPr txBox="1"/>
-          <p:nvPr/>
-        </p:nvSpPr>
-        <p:spPr>
-          <a:xfrm>
-            <a:off x="417093" y="3882611"/>
-            <a:ext cx="5526507" cy="1275797"/>
-          </a:xfrm>
-          <a:prstGeom prst="rect">
-            <a:avLst/>
-          </a:prstGeom>
-          <a:noFill/>
-        </p:spPr>
-        <p:txBody>
-          <a:bodyPr wrap="square" rtlCol="0">
-            <a:noAutofit/>
-          </a:bodyPr>
-          <a:lstStyle/>
-          <a:p>
-            <a:r>
-              <a:rPr lang="de-DE" sz="1400" dirty="0">
-                <a:solidFill>
-                  <a:schemeClr val="tx1">
-                    <a:lumMod val="85000"/>
-                    <a:lumOff val="15000"/>
-                  </a:schemeClr>
-                </a:solidFill>
-              </a:rPr>
-              <a:t> </a:t>
-            </a:r>
-          </a:p>
-        </p:txBody>
-      </p:sp>
-      <p:sp>
-        <p:nvSpPr>
-          <p:cNvPr id="10" name="Textfeld 9">
-            <a:extLst>
-              <a:ext uri="{FF2B5EF4-FFF2-40B4-BE49-F238E27FC236}">
-                <a16:creationId xmlns:a16="http://schemas.microsoft.com/office/drawing/2014/main" id="{114381A7-0081-DEF3-04C3-435AE016DB8D}"/>
-              </a:ext>
-            </a:extLst>
-          </p:cNvPr>
-          <p:cNvSpPr txBox="1"/>
-          <p:nvPr/>
-        </p:nvSpPr>
-        <p:spPr>
-          <a:xfrm>
-            <a:off x="6248400" y="3882610"/>
-            <a:ext cx="5526507" cy="1275797"/>
-          </a:xfrm>
-          <a:prstGeom prst="rect">
-            <a:avLst/>
-          </a:prstGeom>
-          <a:noFill/>
-        </p:spPr>
-        <p:txBody>
-          <a:bodyPr wrap="square" rtlCol="0">
-            <a:noAutofit/>
-          </a:bodyPr>
-          <a:lstStyle/>
-          <a:p>
-            <a:r>
-              <a:rPr lang="de-DE" sz="1400" dirty="0">
-                <a:solidFill>
-                  <a:schemeClr val="tx1">
-                    <a:lumMod val="85000"/>
-                    <a:lumOff val="15000"/>
-                  </a:schemeClr>
-                </a:solidFill>
-              </a:rPr>
-              <a:t> </a:t>
-            </a:r>
-          </a:p>
-        </p:txBody>
-      </p:sp>
-      <p:sp>
-        <p:nvSpPr>
-          <p:cNvPr id="11" name="Textfeld 10">
-            <a:extLst>
-              <a:ext uri="{FF2B5EF4-FFF2-40B4-BE49-F238E27FC236}">
-                <a16:creationId xmlns:a16="http://schemas.microsoft.com/office/drawing/2014/main" id="{36EF7B41-29A2-8131-5D4A-B82D560F2D56}"/>
-              </a:ext>
-            </a:extLst>
-          </p:cNvPr>
-          <p:cNvSpPr txBox="1"/>
-          <p:nvPr/>
-        </p:nvSpPr>
-        <p:spPr>
-          <a:xfrm>
-            <a:off x="485273" y="5560017"/>
-            <a:ext cx="11289634" cy="695739"/>
-          </a:xfrm>
-          <a:prstGeom prst="rect">
-            <a:avLst/>
-          </a:prstGeom>
-          <a:noFill/>
-        </p:spPr>
-        <p:txBody>
-          <a:bodyPr wrap="square" rtlCol="0">
-            <a:noAutofit/>
-          </a:bodyPr>
-          <a:lstStyle/>
-          <a:p>
-            <a:r>
-              <a:rPr lang="de-DE" sz="1400" dirty="0">
-                <a:solidFill>
-                  <a:schemeClr val="tx1">
-                    <a:lumMod val="85000"/>
-                    <a:lumOff val="15000"/>
-                  </a:schemeClr>
-                </a:solidFill>
-              </a:rPr>
-              <a:t> </a:t>
-            </a:r>
-          </a:p>
-        </p:txBody>
-      </p:sp>
-    </p:spTree>
-    <p:extLst>
-      <p:ext uri="{BB962C8B-B14F-4D97-AF65-F5344CB8AC3E}">
-        <p14:creationId xmlns:p14="http://schemas.microsoft.com/office/powerpoint/2010/main" val="184541051"/>
       </p:ext>
     </p:extLst>
   </p:cSld>

--- a/docs/canvas-status-arc42-org.pptx
+++ b/docs/canvas-status-arc42-org.pptx
@@ -4,6 +4,9 @@
   <p:sldMasterIdLst>
     <p:sldMasterId id="2147483648" r:id="rId1"/>
   </p:sldMasterIdLst>
+  <p:notesMasterIdLst>
+    <p:notesMasterId r:id="rId3"/>
+  </p:notesMasterIdLst>
   <p:sldIdLst>
     <p:sldId id="257" r:id="rId2"/>
   </p:sldIdLst>
@@ -121,6 +124,439 @@
     </p:ext>
   </p:extLst>
 </p:presentation>
+</file>
+
+<file path=ppt/notesMasters/notesMaster1.xml><?xml version="1.0" encoding="utf-8"?>
+<p:notesMaster xmlns:a="http://schemas.openxmlformats.org/drawingml/2006/main" xmlns:r="http://schemas.openxmlformats.org/officeDocument/2006/relationships" xmlns:p="http://schemas.openxmlformats.org/presentationml/2006/main">
+  <p:cSld>
+    <p:bg>
+      <p:bgRef idx="1001">
+        <a:schemeClr val="bg1"/>
+      </p:bgRef>
+    </p:bg>
+    <p:spTree>
+      <p:nvGrpSpPr>
+        <p:cNvPr id="1" name=""/>
+        <p:cNvGrpSpPr/>
+        <p:nvPr/>
+      </p:nvGrpSpPr>
+      <p:grpSpPr>
+        <a:xfrm>
+          <a:off x="0" y="0"/>
+          <a:ext cx="0" cy="0"/>
+          <a:chOff x="0" y="0"/>
+          <a:chExt cx="0" cy="0"/>
+        </a:xfrm>
+      </p:grpSpPr>
+      <p:sp>
+        <p:nvSpPr>
+          <p:cNvPr id="2" name="Kopfzeilenplatzhalter 1"/>
+          <p:cNvSpPr>
+            <a:spLocks noGrp="1"/>
+          </p:cNvSpPr>
+          <p:nvPr>
+            <p:ph type="hdr" sz="quarter"/>
+          </p:nvPr>
+        </p:nvSpPr>
+        <p:spPr>
+          <a:xfrm>
+            <a:off x="0" y="0"/>
+            <a:ext cx="2971800" cy="458788"/>
+          </a:xfrm>
+          <a:prstGeom prst="rect">
+            <a:avLst/>
+          </a:prstGeom>
+        </p:spPr>
+        <p:txBody>
+          <a:bodyPr vert="horz" lIns="91440" tIns="45720" rIns="91440" bIns="45720" rtlCol="0"/>
+          <a:lstStyle>
+            <a:lvl1pPr algn="l">
+              <a:defRPr sz="1200"/>
+            </a:lvl1pPr>
+          </a:lstStyle>
+          <a:p>
+            <a:endParaRPr lang="de-DE"/>
+          </a:p>
+        </p:txBody>
+      </p:sp>
+      <p:sp>
+        <p:nvSpPr>
+          <p:cNvPr id="3" name="Datumsplatzhalter 2"/>
+          <p:cNvSpPr>
+            <a:spLocks noGrp="1"/>
+          </p:cNvSpPr>
+          <p:nvPr>
+            <p:ph type="dt" idx="1"/>
+          </p:nvPr>
+        </p:nvSpPr>
+        <p:spPr>
+          <a:xfrm>
+            <a:off x="3884613" y="0"/>
+            <a:ext cx="2971800" cy="458788"/>
+          </a:xfrm>
+          <a:prstGeom prst="rect">
+            <a:avLst/>
+          </a:prstGeom>
+        </p:spPr>
+        <p:txBody>
+          <a:bodyPr vert="horz" lIns="91440" tIns="45720" rIns="91440" bIns="45720" rtlCol="0"/>
+          <a:lstStyle>
+            <a:lvl1pPr algn="r">
+              <a:defRPr sz="1200"/>
+            </a:lvl1pPr>
+          </a:lstStyle>
+          <a:p>
+            <a:fld id="{64B5F81B-5358-9847-9EB0-70E79DCD4415}" type="datetimeFigureOut">
+              <a:rPr lang="de-DE" smtClean="0"/>
+              <a:t>22.11.23</a:t>
+            </a:fld>
+            <a:endParaRPr lang="de-DE"/>
+          </a:p>
+        </p:txBody>
+      </p:sp>
+      <p:sp>
+        <p:nvSpPr>
+          <p:cNvPr id="4" name="Folienbildplatzhalter 3"/>
+          <p:cNvSpPr>
+            <a:spLocks noGrp="1" noRot="1" noChangeAspect="1"/>
+          </p:cNvSpPr>
+          <p:nvPr>
+            <p:ph type="sldImg" idx="2"/>
+          </p:nvPr>
+        </p:nvSpPr>
+        <p:spPr>
+          <a:xfrm>
+            <a:off x="685800" y="1143000"/>
+            <a:ext cx="5486400" cy="3086100"/>
+          </a:xfrm>
+          <a:prstGeom prst="rect">
+            <a:avLst/>
+          </a:prstGeom>
+          <a:noFill/>
+          <a:ln w="12700">
+            <a:solidFill>
+              <a:prstClr val="black"/>
+            </a:solidFill>
+          </a:ln>
+        </p:spPr>
+        <p:txBody>
+          <a:bodyPr vert="horz" lIns="91440" tIns="45720" rIns="91440" bIns="45720" rtlCol="0" anchor="ctr"/>
+          <a:lstStyle/>
+          <a:p>
+            <a:endParaRPr lang="de-DE"/>
+          </a:p>
+        </p:txBody>
+      </p:sp>
+      <p:sp>
+        <p:nvSpPr>
+          <p:cNvPr id="5" name="Notizenplatzhalter 4"/>
+          <p:cNvSpPr>
+            <a:spLocks noGrp="1"/>
+          </p:cNvSpPr>
+          <p:nvPr>
+            <p:ph type="body" sz="quarter" idx="3"/>
+          </p:nvPr>
+        </p:nvSpPr>
+        <p:spPr>
+          <a:xfrm>
+            <a:off x="685800" y="4400550"/>
+            <a:ext cx="5486400" cy="3600450"/>
+          </a:xfrm>
+          <a:prstGeom prst="rect">
+            <a:avLst/>
+          </a:prstGeom>
+        </p:spPr>
+        <p:txBody>
+          <a:bodyPr vert="horz" lIns="91440" tIns="45720" rIns="91440" bIns="45720" rtlCol="0"/>
+          <a:lstStyle/>
+          <a:p>
+            <a:pPr lvl="0"/>
+            <a:r>
+              <a:rPr lang="de-DE"/>
+              <a:t>Mastertextformat bearbeiten</a:t>
+            </a:r>
+          </a:p>
+          <a:p>
+            <a:pPr lvl="1"/>
+            <a:r>
+              <a:rPr lang="de-DE"/>
+              <a:t>Zweite Ebene</a:t>
+            </a:r>
+          </a:p>
+          <a:p>
+            <a:pPr lvl="2"/>
+            <a:r>
+              <a:rPr lang="de-DE"/>
+              <a:t>Dritte Ebene</a:t>
+            </a:r>
+          </a:p>
+          <a:p>
+            <a:pPr lvl="3"/>
+            <a:r>
+              <a:rPr lang="de-DE"/>
+              <a:t>Vierte Ebene</a:t>
+            </a:r>
+          </a:p>
+          <a:p>
+            <a:pPr lvl="4"/>
+            <a:r>
+              <a:rPr lang="de-DE"/>
+              <a:t>Fünfte Ebene</a:t>
+            </a:r>
+          </a:p>
+        </p:txBody>
+      </p:sp>
+      <p:sp>
+        <p:nvSpPr>
+          <p:cNvPr id="6" name="Fußzeilenplatzhalter 5"/>
+          <p:cNvSpPr>
+            <a:spLocks noGrp="1"/>
+          </p:cNvSpPr>
+          <p:nvPr>
+            <p:ph type="ftr" sz="quarter" idx="4"/>
+          </p:nvPr>
+        </p:nvSpPr>
+        <p:spPr>
+          <a:xfrm>
+            <a:off x="0" y="8685213"/>
+            <a:ext cx="2971800" cy="458787"/>
+          </a:xfrm>
+          <a:prstGeom prst="rect">
+            <a:avLst/>
+          </a:prstGeom>
+        </p:spPr>
+        <p:txBody>
+          <a:bodyPr vert="horz" lIns="91440" tIns="45720" rIns="91440" bIns="45720" rtlCol="0" anchor="b"/>
+          <a:lstStyle>
+            <a:lvl1pPr algn="l">
+              <a:defRPr sz="1200"/>
+            </a:lvl1pPr>
+          </a:lstStyle>
+          <a:p>
+            <a:endParaRPr lang="de-DE"/>
+          </a:p>
+        </p:txBody>
+      </p:sp>
+      <p:sp>
+        <p:nvSpPr>
+          <p:cNvPr id="7" name="Foliennummernplatzhalter 6"/>
+          <p:cNvSpPr>
+            <a:spLocks noGrp="1"/>
+          </p:cNvSpPr>
+          <p:nvPr>
+            <p:ph type="sldNum" sz="quarter" idx="5"/>
+          </p:nvPr>
+        </p:nvSpPr>
+        <p:spPr>
+          <a:xfrm>
+            <a:off x="3884613" y="8685213"/>
+            <a:ext cx="2971800" cy="458787"/>
+          </a:xfrm>
+          <a:prstGeom prst="rect">
+            <a:avLst/>
+          </a:prstGeom>
+        </p:spPr>
+        <p:txBody>
+          <a:bodyPr vert="horz" lIns="91440" tIns="45720" rIns="91440" bIns="45720" rtlCol="0" anchor="b"/>
+          <a:lstStyle>
+            <a:lvl1pPr algn="r">
+              <a:defRPr sz="1200"/>
+            </a:lvl1pPr>
+          </a:lstStyle>
+          <a:p>
+            <a:fld id="{82AFD7F1-2F64-8147-99C4-F905666E053B}" type="slidenum">
+              <a:rPr lang="de-DE" smtClean="0"/>
+              <a:t>‹Nr.›</a:t>
+            </a:fld>
+            <a:endParaRPr lang="de-DE"/>
+          </a:p>
+        </p:txBody>
+      </p:sp>
+    </p:spTree>
+    <p:extLst>
+      <p:ext uri="{BB962C8B-B14F-4D97-AF65-F5344CB8AC3E}">
+        <p14:creationId xmlns:p14="http://schemas.microsoft.com/office/powerpoint/2010/main" val="4115576045"/>
+      </p:ext>
+    </p:extLst>
+  </p:cSld>
+  <p:clrMap bg1="lt1" tx1="dk1" bg2="lt2" tx2="dk2" accent1="accent1" accent2="accent2" accent3="accent3" accent4="accent4" accent5="accent5" accent6="accent6" hlink="hlink" folHlink="folHlink"/>
+  <p:notesStyle>
+    <a:lvl1pPr marL="0" algn="l" defTabSz="914400" rtl="0" eaLnBrk="1" latinLnBrk="0" hangingPunct="1">
+      <a:defRPr sz="1200" kern="1200">
+        <a:solidFill>
+          <a:schemeClr val="tx1"/>
+        </a:solidFill>
+        <a:latin typeface="+mn-lt"/>
+        <a:ea typeface="+mn-ea"/>
+        <a:cs typeface="+mn-cs"/>
+      </a:defRPr>
+    </a:lvl1pPr>
+    <a:lvl2pPr marL="457200" algn="l" defTabSz="914400" rtl="0" eaLnBrk="1" latinLnBrk="0" hangingPunct="1">
+      <a:defRPr sz="1200" kern="1200">
+        <a:solidFill>
+          <a:schemeClr val="tx1"/>
+        </a:solidFill>
+        <a:latin typeface="+mn-lt"/>
+        <a:ea typeface="+mn-ea"/>
+        <a:cs typeface="+mn-cs"/>
+      </a:defRPr>
+    </a:lvl2pPr>
+    <a:lvl3pPr marL="914400" algn="l" defTabSz="914400" rtl="0" eaLnBrk="1" latinLnBrk="0" hangingPunct="1">
+      <a:defRPr sz="1200" kern="1200">
+        <a:solidFill>
+          <a:schemeClr val="tx1"/>
+        </a:solidFill>
+        <a:latin typeface="+mn-lt"/>
+        <a:ea typeface="+mn-ea"/>
+        <a:cs typeface="+mn-cs"/>
+      </a:defRPr>
+    </a:lvl3pPr>
+    <a:lvl4pPr marL="1371600" algn="l" defTabSz="914400" rtl="0" eaLnBrk="1" latinLnBrk="0" hangingPunct="1">
+      <a:defRPr sz="1200" kern="1200">
+        <a:solidFill>
+          <a:schemeClr val="tx1"/>
+        </a:solidFill>
+        <a:latin typeface="+mn-lt"/>
+        <a:ea typeface="+mn-ea"/>
+        <a:cs typeface="+mn-cs"/>
+      </a:defRPr>
+    </a:lvl4pPr>
+    <a:lvl5pPr marL="1828800" algn="l" defTabSz="914400" rtl="0" eaLnBrk="1" latinLnBrk="0" hangingPunct="1">
+      <a:defRPr sz="1200" kern="1200">
+        <a:solidFill>
+          <a:schemeClr val="tx1"/>
+        </a:solidFill>
+        <a:latin typeface="+mn-lt"/>
+        <a:ea typeface="+mn-ea"/>
+        <a:cs typeface="+mn-cs"/>
+      </a:defRPr>
+    </a:lvl5pPr>
+    <a:lvl6pPr marL="2286000" algn="l" defTabSz="914400" rtl="0" eaLnBrk="1" latinLnBrk="0" hangingPunct="1">
+      <a:defRPr sz="1200" kern="1200">
+        <a:solidFill>
+          <a:schemeClr val="tx1"/>
+        </a:solidFill>
+        <a:latin typeface="+mn-lt"/>
+        <a:ea typeface="+mn-ea"/>
+        <a:cs typeface="+mn-cs"/>
+      </a:defRPr>
+    </a:lvl6pPr>
+    <a:lvl7pPr marL="2743200" algn="l" defTabSz="914400" rtl="0" eaLnBrk="1" latinLnBrk="0" hangingPunct="1">
+      <a:defRPr sz="1200" kern="1200">
+        <a:solidFill>
+          <a:schemeClr val="tx1"/>
+        </a:solidFill>
+        <a:latin typeface="+mn-lt"/>
+        <a:ea typeface="+mn-ea"/>
+        <a:cs typeface="+mn-cs"/>
+      </a:defRPr>
+    </a:lvl7pPr>
+    <a:lvl8pPr marL="3200400" algn="l" defTabSz="914400" rtl="0" eaLnBrk="1" latinLnBrk="0" hangingPunct="1">
+      <a:defRPr sz="1200" kern="1200">
+        <a:solidFill>
+          <a:schemeClr val="tx1"/>
+        </a:solidFill>
+        <a:latin typeface="+mn-lt"/>
+        <a:ea typeface="+mn-ea"/>
+        <a:cs typeface="+mn-cs"/>
+      </a:defRPr>
+    </a:lvl8pPr>
+    <a:lvl9pPr marL="3657600" algn="l" defTabSz="914400" rtl="0" eaLnBrk="1" latinLnBrk="0" hangingPunct="1">
+      <a:defRPr sz="1200" kern="1200">
+        <a:solidFill>
+          <a:schemeClr val="tx1"/>
+        </a:solidFill>
+        <a:latin typeface="+mn-lt"/>
+        <a:ea typeface="+mn-ea"/>
+        <a:cs typeface="+mn-cs"/>
+      </a:defRPr>
+    </a:lvl9pPr>
+  </p:notesStyle>
+</p:notesMaster>
+</file>
+
+<file path=ppt/notesSlides/notesSlide1.xml><?xml version="1.0" encoding="utf-8"?>
+<p:notes xmlns:a="http://schemas.openxmlformats.org/drawingml/2006/main" xmlns:r="http://schemas.openxmlformats.org/officeDocument/2006/relationships" xmlns:p="http://schemas.openxmlformats.org/presentationml/2006/main">
+  <p:cSld>
+    <p:spTree>
+      <p:nvGrpSpPr>
+        <p:cNvPr id="1" name=""/>
+        <p:cNvGrpSpPr/>
+        <p:nvPr/>
+      </p:nvGrpSpPr>
+      <p:grpSpPr>
+        <a:xfrm>
+          <a:off x="0" y="0"/>
+          <a:ext cx="0" cy="0"/>
+          <a:chOff x="0" y="0"/>
+          <a:chExt cx="0" cy="0"/>
+        </a:xfrm>
+      </p:grpSpPr>
+      <p:sp>
+        <p:nvSpPr>
+          <p:cNvPr id="2" name="Folienbildplatzhalter 1"/>
+          <p:cNvSpPr>
+            <a:spLocks noGrp="1" noRot="1" noChangeAspect="1"/>
+          </p:cNvSpPr>
+          <p:nvPr>
+            <p:ph type="sldImg"/>
+          </p:nvPr>
+        </p:nvSpPr>
+        <p:spPr/>
+      </p:sp>
+      <p:sp>
+        <p:nvSpPr>
+          <p:cNvPr id="3" name="Notizenplatzhalter 2"/>
+          <p:cNvSpPr>
+            <a:spLocks noGrp="1"/>
+          </p:cNvSpPr>
+          <p:nvPr>
+            <p:ph type="body" idx="1"/>
+          </p:nvPr>
+        </p:nvSpPr>
+        <p:spPr/>
+        <p:txBody>
+          <a:bodyPr/>
+          <a:lstStyle/>
+          <a:p>
+            <a:endParaRPr lang="de-DE" dirty="0"/>
+          </a:p>
+        </p:txBody>
+      </p:sp>
+      <p:sp>
+        <p:nvSpPr>
+          <p:cNvPr id="4" name="Foliennummernplatzhalter 3"/>
+          <p:cNvSpPr>
+            <a:spLocks noGrp="1"/>
+          </p:cNvSpPr>
+          <p:nvPr>
+            <p:ph type="sldNum" sz="quarter" idx="5"/>
+          </p:nvPr>
+        </p:nvSpPr>
+        <p:spPr/>
+        <p:txBody>
+          <a:bodyPr/>
+          <a:lstStyle/>
+          <a:p>
+            <a:fld id="{82AFD7F1-2F64-8147-99C4-F905666E053B}" type="slidenum">
+              <a:rPr lang="de-DE" smtClean="0"/>
+              <a:t>1</a:t>
+            </a:fld>
+            <a:endParaRPr lang="de-DE"/>
+          </a:p>
+        </p:txBody>
+      </p:sp>
+    </p:spTree>
+    <p:extLst>
+      <p:ext uri="{BB962C8B-B14F-4D97-AF65-F5344CB8AC3E}">
+        <p14:creationId xmlns:p14="http://schemas.microsoft.com/office/powerpoint/2010/main" val="1269616861"/>
+      </p:ext>
+    </p:extLst>
+  </p:cSld>
+  <p:clrMapOvr>
+    <a:masterClrMapping/>
+  </p:clrMapOvr>
+</p:notes>
 </file>
 
 <file path=ppt/slideLayouts/slideLayout1.xml><?xml version="1.0" encoding="utf-8"?>
@@ -1429,47 +1865,6 @@
           </a:p>
         </p:txBody>
       </p:sp>
-      <p:sp>
-        <p:nvSpPr>
-          <p:cNvPr id="38" name="Textfeld 37">
-            <a:extLst>
-              <a:ext uri="{FF2B5EF4-FFF2-40B4-BE49-F238E27FC236}">
-                <a16:creationId xmlns:a16="http://schemas.microsoft.com/office/drawing/2014/main" id="{83EF38B8-BB82-0606-DAF8-CF83F1ADA164}"/>
-              </a:ext>
-            </a:extLst>
-          </p:cNvPr>
-          <p:cNvSpPr txBox="1"/>
-          <p:nvPr userDrawn="1"/>
-        </p:nvSpPr>
-        <p:spPr>
-          <a:xfrm>
-            <a:off x="6129110" y="3605794"/>
-            <a:ext cx="2405744" cy="307777"/>
-          </a:xfrm>
-          <a:prstGeom prst="rect">
-            <a:avLst/>
-          </a:prstGeom>
-          <a:noFill/>
-        </p:spPr>
-        <p:txBody>
-          <a:bodyPr wrap="square" rtlCol="0">
-            <a:spAutoFit/>
-          </a:bodyPr>
-          <a:lstStyle/>
-          <a:p>
-            <a:r>
-              <a:rPr lang="en-US" sz="1400" dirty="0">
-                <a:solidFill>
-                  <a:schemeClr val="accent1">
-                    <a:lumMod val="75000"/>
-                  </a:schemeClr>
-                </a:solidFill>
-              </a:rPr>
-              <a:t>Components / Modules</a:t>
-            </a:r>
-          </a:p>
-        </p:txBody>
-      </p:sp>
       <p:pic>
         <p:nvPicPr>
           <p:cNvPr id="39" name="Picture 2">
@@ -1796,10 +2191,10 @@
       </p:pic>
       <p:pic>
         <p:nvPicPr>
-          <p:cNvPr id="45" name="Picture 14">
+          <p:cNvPr id="46" name="Picture 16">
             <a:extLst>
               <a:ext uri="{FF2B5EF4-FFF2-40B4-BE49-F238E27FC236}">
-                <a16:creationId xmlns:a16="http://schemas.microsoft.com/office/drawing/2014/main" id="{09D319C0-8CE5-5906-53C8-9EFB80DE5BCE}"/>
+                <a16:creationId xmlns:a16="http://schemas.microsoft.com/office/drawing/2014/main" id="{8659905F-82FB-CEBD-31A9-AFDBC700192D}"/>
               </a:ext>
             </a:extLst>
           </p:cNvPr>
@@ -1830,60 +2225,6 @@
         </p:blipFill>
         <p:spPr bwMode="auto">
           <a:xfrm>
-            <a:off x="11500506" y="3614166"/>
-            <a:ext cx="294729" cy="294729"/>
-          </a:xfrm>
-          <a:prstGeom prst="rect">
-            <a:avLst/>
-          </a:prstGeom>
-          <a:noFill/>
-          <a:extLst>
-            <a:ext uri="{909E8E84-426E-40DD-AFC4-6F175D3DCCD1}">
-              <a14:hiddenFill xmlns:a14="http://schemas.microsoft.com/office/drawing/2010/main">
-                <a:solidFill>
-                  <a:srgbClr val="FFFFFF"/>
-                </a:solidFill>
-              </a14:hiddenFill>
-            </a:ext>
-          </a:extLst>
-        </p:spPr>
-      </p:pic>
-      <p:pic>
-        <p:nvPicPr>
-          <p:cNvPr id="46" name="Picture 16">
-            <a:extLst>
-              <a:ext uri="{FF2B5EF4-FFF2-40B4-BE49-F238E27FC236}">
-                <a16:creationId xmlns:a16="http://schemas.microsoft.com/office/drawing/2014/main" id="{8659905F-82FB-CEBD-31A9-AFDBC700192D}"/>
-              </a:ext>
-            </a:extLst>
-          </p:cNvPr>
-          <p:cNvPicPr>
-            <a:picLocks noChangeAspect="1" noChangeArrowheads="1"/>
-          </p:cNvPicPr>
-          <p:nvPr userDrawn="1"/>
-        </p:nvPicPr>
-        <p:blipFill>
-          <a:blip r:embed="rId12">
-            <a:duotone>
-              <a:schemeClr val="accent1">
-                <a:shade val="45000"/>
-                <a:satMod val="135000"/>
-              </a:schemeClr>
-              <a:prstClr val="white"/>
-            </a:duotone>
-            <a:extLst>
-              <a:ext uri="{28A0092B-C50C-407E-A947-70E740481C1C}">
-                <a14:useLocalDpi xmlns:a14="http://schemas.microsoft.com/office/drawing/2010/main" val="0"/>
-              </a:ext>
-            </a:extLst>
-          </a:blip>
-          <a:srcRect/>
-          <a:stretch>
-            <a:fillRect/>
-          </a:stretch>
-        </p:blipFill>
-        <p:spPr bwMode="auto">
-          <a:xfrm>
             <a:off x="5727609" y="5353489"/>
             <a:ext cx="294729" cy="294729"/>
           </a:xfrm>
@@ -1917,7 +2258,7 @@
           <p:nvPr userDrawn="1"/>
         </p:nvPicPr>
         <p:blipFill>
-          <a:blip r:embed="rId13">
+          <a:blip r:embed="rId12">
             <a:duotone>
               <a:schemeClr val="accent1">
                 <a:shade val="45000"/>
@@ -2267,6 +2608,36 @@
           <a:chExt cx="0" cy="0"/>
         </a:xfrm>
       </p:grpSpPr>
+      <p:pic>
+        <p:nvPicPr>
+          <p:cNvPr id="10" name="Grafik 9">
+            <a:extLst>
+              <a:ext uri="{FF2B5EF4-FFF2-40B4-BE49-F238E27FC236}">
+                <a16:creationId xmlns:a16="http://schemas.microsoft.com/office/drawing/2014/main" id="{B84AB489-8668-AAA9-3493-DD34322A71AE}"/>
+              </a:ext>
+            </a:extLst>
+          </p:cNvPr>
+          <p:cNvPicPr>
+            <a:picLocks noChangeAspect="1"/>
+          </p:cNvPicPr>
+          <p:nvPr/>
+        </p:nvPicPr>
+        <p:blipFill>
+          <a:blip r:embed="rId3"/>
+          <a:stretch>
+            <a:fillRect/>
+          </a:stretch>
+        </p:blipFill>
+        <p:spPr>
+          <a:xfrm>
+            <a:off x="7042753" y="3683029"/>
+            <a:ext cx="4930086" cy="2812390"/>
+          </a:xfrm>
+          <a:prstGeom prst="rect">
+            <a:avLst/>
+          </a:prstGeom>
+        </p:spPr>
+      </p:pic>
       <p:sp>
         <p:nvSpPr>
           <p:cNvPr id="3" name="Textfeld 2">
@@ -3468,7 +3839,7 @@
               <a:t> </a:t>
             </a:r>
             <a:r>
-              <a:rPr lang="de-DE" sz="1400">
+              <a:rPr lang="de-DE" sz="1400" dirty="0" err="1">
                 <a:solidFill>
                   <a:schemeClr val="tx1">
                     <a:lumMod val="85000"/>
@@ -3478,6 +3849,14 @@
               </a:rPr>
               <a:t>deployment</a:t>
             </a:r>
+            <a:endParaRPr lang="de-DE" sz="1400" dirty="0">
+              <a:solidFill>
+                <a:schemeClr val="tx1">
+                  <a:lumMod val="85000"/>
+                  <a:lumOff val="15000"/>
+                </a:schemeClr>
+              </a:solidFill>
+            </a:endParaRPr>
           </a:p>
           <a:p>
             <a:pPr marL="285750" indent="-285750">
@@ -3608,39 +3987,14 @@
               </a:rPr>
               <a:t>service</a:t>
             </a:r>
-            <a:r>
-              <a:rPr lang="de-DE" sz="1400" dirty="0">
-                <a:solidFill>
-                  <a:schemeClr val="tx1">
-                    <a:lumMod val="85000"/>
-                    <a:lumOff val="15000"/>
-                  </a:schemeClr>
-                </a:solidFill>
-              </a:rPr>
-              <a:t> (</a:t>
-            </a:r>
-            <a:r>
-              <a:rPr lang="de-DE" sz="1400" dirty="0" err="1">
-                <a:solidFill>
-                  <a:schemeClr val="tx1">
-                    <a:lumMod val="85000"/>
-                    <a:lumOff val="15000"/>
-                  </a:schemeClr>
-                </a:solidFill>
-              </a:rPr>
-              <a:t>plausible.io</a:t>
-            </a:r>
-            <a:r>
-              <a:rPr lang="de-DE" sz="1400" dirty="0">
-                <a:solidFill>
-                  <a:schemeClr val="tx1">
-                    <a:lumMod val="85000"/>
-                    <a:lumOff val="15000"/>
-                  </a:schemeClr>
-                </a:solidFill>
-              </a:rPr>
-              <a:t>)</a:t>
-            </a:r>
+            <a:endParaRPr lang="de-DE" sz="1400" dirty="0">
+              <a:solidFill>
+                <a:schemeClr val="tx1">
+                  <a:lumMod val="85000"/>
+                  <a:lumOff val="15000"/>
+                </a:schemeClr>
+              </a:solidFill>
+            </a:endParaRPr>
           </a:p>
         </p:txBody>
       </p:sp>
@@ -3820,24 +4174,7 @@
                   </a:schemeClr>
                 </a:solidFill>
               </a:rPr>
-              <a:t>/http</a:t>
-            </a:r>
-          </a:p>
-          <a:p>
-            <a:pPr marL="742950" lvl="1" indent="-285750">
-              <a:buFont typeface="Arial" panose="020B0604020202020204" pitchFamily="34" charset="0"/>
-              <a:buChar char="•"/>
-            </a:pPr>
-            <a:r>
-              <a:rPr lang="de-DE" sz="1400" dirty="0">
-                <a:solidFill>
-                  <a:schemeClr val="tx1">
-                    <a:lumMod val="85000"/>
-                    <a:lumOff val="15000"/>
-                  </a:schemeClr>
-                </a:solidFill>
-              </a:rPr>
-              <a:t>http/</a:t>
+              <a:t>/http, http/</a:t>
             </a:r>
             <a:r>
               <a:rPr lang="de-DE" sz="1400" dirty="0" err="1">
@@ -4532,7 +4869,7 @@
           <p:nvPr/>
         </p:nvPicPr>
         <p:blipFill rotWithShape="1">
-          <a:blip r:embed="rId2"/>
+          <a:blip r:embed="rId4"/>
           <a:srcRect r="22010"/>
           <a:stretch/>
         </p:blipFill>
@@ -4546,33 +4883,101 @@
           </a:prstGeom>
         </p:spPr>
       </p:pic>
+      <p:sp>
+        <p:nvSpPr>
+          <p:cNvPr id="12" name="Textfeld 11">
+            <a:extLst>
+              <a:ext uri="{FF2B5EF4-FFF2-40B4-BE49-F238E27FC236}">
+                <a16:creationId xmlns:a16="http://schemas.microsoft.com/office/drawing/2014/main" id="{57004A93-A090-B363-FE52-BDD11B3D98F8}"/>
+              </a:ext>
+            </a:extLst>
+          </p:cNvPr>
+          <p:cNvSpPr txBox="1"/>
+          <p:nvPr/>
+        </p:nvSpPr>
+        <p:spPr>
+          <a:xfrm>
+            <a:off x="6129110" y="3605794"/>
+            <a:ext cx="2405744" cy="307777"/>
+          </a:xfrm>
+          <a:prstGeom prst="rect">
+            <a:avLst/>
+          </a:prstGeom>
+          <a:solidFill>
+            <a:schemeClr val="bg1"/>
+          </a:solidFill>
+        </p:spPr>
+        <p:txBody>
+          <a:bodyPr wrap="square" rtlCol="0">
+            <a:spAutoFit/>
+          </a:bodyPr>
+          <a:lstStyle/>
+          <a:p>
+            <a:r>
+              <a:rPr lang="en-US" sz="1400" dirty="0">
+                <a:solidFill>
+                  <a:schemeClr val="accent1">
+                    <a:lumMod val="75000"/>
+                  </a:schemeClr>
+                </a:solidFill>
+              </a:rPr>
+              <a:t>Components / Modules</a:t>
+            </a:r>
+          </a:p>
+        </p:txBody>
+      </p:sp>
       <p:pic>
         <p:nvPicPr>
-          <p:cNvPr id="19" name="Grafik 18">
+          <p:cNvPr id="16" name="Picture 14">
             <a:extLst>
               <a:ext uri="{FF2B5EF4-FFF2-40B4-BE49-F238E27FC236}">
-                <a16:creationId xmlns:a16="http://schemas.microsoft.com/office/drawing/2014/main" id="{65A80C35-5EB5-3E8D-004F-F39BDAE0BB73}"/>
+                <a16:creationId xmlns:a16="http://schemas.microsoft.com/office/drawing/2014/main" id="{469321EE-CB2A-70A0-D849-59A27AB5E2B8}"/>
               </a:ext>
             </a:extLst>
           </p:cNvPr>
           <p:cNvPicPr>
-            <a:picLocks noChangeAspect="1"/>
+            <a:picLocks noChangeAspect="1" noChangeArrowheads="1"/>
           </p:cNvPicPr>
           <p:nvPr/>
         </p:nvPicPr>
-        <p:blipFill rotWithShape="1">
-          <a:blip r:embed="rId3"/>
-          <a:srcRect t="3665" r="3661"/>
-          <a:stretch/>
+        <p:blipFill>
+          <a:blip r:embed="rId5">
+            <a:duotone>
+              <a:schemeClr val="accent1">
+                <a:shade val="45000"/>
+                <a:satMod val="135000"/>
+              </a:schemeClr>
+              <a:prstClr val="white"/>
+            </a:duotone>
+            <a:extLst>
+              <a:ext uri="{28A0092B-C50C-407E-A947-70E740481C1C}">
+                <a14:useLocalDpi xmlns:a14="http://schemas.microsoft.com/office/drawing/2010/main" val="0"/>
+              </a:ext>
+            </a:extLst>
+          </a:blip>
+          <a:srcRect/>
+          <a:stretch>
+            <a:fillRect/>
+          </a:stretch>
         </p:blipFill>
-        <p:spPr>
+        <p:spPr bwMode="auto">
           <a:xfrm>
-            <a:off x="7560954" y="3700326"/>
-            <a:ext cx="3972843" cy="2644452"/>
+            <a:off x="11500506" y="3614166"/>
+            <a:ext cx="294729" cy="294729"/>
           </a:xfrm>
           <a:prstGeom prst="rect">
             <a:avLst/>
           </a:prstGeom>
+          <a:noFill/>
+          <a:extLst>
+            <a:ext uri="{909E8E84-426E-40DD-AFC4-6F175D3DCCD1}">
+              <a14:hiddenFill xmlns:a14="http://schemas.microsoft.com/office/drawing/2010/main">
+                <a:solidFill>
+                  <a:srgbClr val="FFFFFF"/>
+                </a:solidFill>
+              </a14:hiddenFill>
+            </a:ext>
+          </a:extLst>
         </p:spPr>
       </p:pic>
     </p:spTree>
@@ -4881,4 +5286,299 @@
     </a:ext>
   </a:extLst>
 </a:theme>
+</file>
+
+<file path=ppt/theme/theme2.xml><?xml version="1.0" encoding="utf-8"?>
+<a:theme xmlns:a="http://schemas.openxmlformats.org/drawingml/2006/main" name="Office">
+  <a:themeElements>
+    <a:clrScheme name="Office">
+      <a:dk1>
+        <a:sysClr val="windowText" lastClr="000000"/>
+      </a:dk1>
+      <a:lt1>
+        <a:sysClr val="window" lastClr="FFFFFF"/>
+      </a:lt1>
+      <a:dk2>
+        <a:srgbClr val="44546A"/>
+      </a:dk2>
+      <a:lt2>
+        <a:srgbClr val="E7E6E6"/>
+      </a:lt2>
+      <a:accent1>
+        <a:srgbClr val="4472C4"/>
+      </a:accent1>
+      <a:accent2>
+        <a:srgbClr val="ED7D31"/>
+      </a:accent2>
+      <a:accent3>
+        <a:srgbClr val="A5A5A5"/>
+      </a:accent3>
+      <a:accent4>
+        <a:srgbClr val="FFC000"/>
+      </a:accent4>
+      <a:accent5>
+        <a:srgbClr val="5B9BD5"/>
+      </a:accent5>
+      <a:accent6>
+        <a:srgbClr val="70AD47"/>
+      </a:accent6>
+      <a:hlink>
+        <a:srgbClr val="0563C1"/>
+      </a:hlink>
+      <a:folHlink>
+        <a:srgbClr val="954F72"/>
+      </a:folHlink>
+    </a:clrScheme>
+    <a:fontScheme name="Office">
+      <a:majorFont>
+        <a:latin typeface="Calibri Light" panose="020F0302020204030204"/>
+        <a:ea typeface=""/>
+        <a:cs typeface=""/>
+        <a:font script="Jpan" typeface="游ゴシック Light"/>
+        <a:font script="Hang" typeface="맑은 고딕"/>
+        <a:font script="Hans" typeface="等线 Light"/>
+        <a:font script="Hant" typeface="新細明體"/>
+        <a:font script="Arab" typeface="Times New Roman"/>
+        <a:font script="Hebr" typeface="Times New Roman"/>
+        <a:font script="Thai" typeface="Angsana New"/>
+        <a:font script="Ethi" typeface="Nyala"/>
+        <a:font script="Beng" typeface="Vrinda"/>
+        <a:font script="Gujr" typeface="Shruti"/>
+        <a:font script="Khmr" typeface="MoolBoran"/>
+        <a:font script="Knda" typeface="Tunga"/>
+        <a:font script="Guru" typeface="Raavi"/>
+        <a:font script="Cans" typeface="Euphemia"/>
+        <a:font script="Cher" typeface="Plantagenet Cherokee"/>
+        <a:font script="Yiii" typeface="Microsoft Yi Baiti"/>
+        <a:font script="Tibt" typeface="Microsoft Himalaya"/>
+        <a:font script="Thaa" typeface="MV Boli"/>
+        <a:font script="Deva" typeface="Mangal"/>
+        <a:font script="Telu" typeface="Gautami"/>
+        <a:font script="Taml" typeface="Latha"/>
+        <a:font script="Syrc" typeface="Estrangelo Edessa"/>
+        <a:font script="Orya" typeface="Kalinga"/>
+        <a:font script="Mlym" typeface="Kartika"/>
+        <a:font script="Laoo" typeface="DokChampa"/>
+        <a:font script="Sinh" typeface="Iskoola Pota"/>
+        <a:font script="Mong" typeface="Mongolian Baiti"/>
+        <a:font script="Viet" typeface="Times New Roman"/>
+        <a:font script="Uigh" typeface="Microsoft Uighur"/>
+        <a:font script="Geor" typeface="Sylfaen"/>
+        <a:font script="Armn" typeface="Arial"/>
+        <a:font script="Bugi" typeface="Leelawadee UI"/>
+        <a:font script="Bopo" typeface="Microsoft JhengHei"/>
+        <a:font script="Java" typeface="Javanese Text"/>
+        <a:font script="Lisu" typeface="Segoe UI"/>
+        <a:font script="Mymr" typeface="Myanmar Text"/>
+        <a:font script="Nkoo" typeface="Ebrima"/>
+        <a:font script="Olck" typeface="Nirmala UI"/>
+        <a:font script="Osma" typeface="Ebrima"/>
+        <a:font script="Phag" typeface="Phagspa"/>
+        <a:font script="Syrn" typeface="Estrangelo Edessa"/>
+        <a:font script="Syrj" typeface="Estrangelo Edessa"/>
+        <a:font script="Syre" typeface="Estrangelo Edessa"/>
+        <a:font script="Sora" typeface="Nirmala UI"/>
+        <a:font script="Tale" typeface="Microsoft Tai Le"/>
+        <a:font script="Talu" typeface="Microsoft New Tai Lue"/>
+        <a:font script="Tfng" typeface="Ebrima"/>
+      </a:majorFont>
+      <a:minorFont>
+        <a:latin typeface="Calibri" panose="020F0502020204030204"/>
+        <a:ea typeface=""/>
+        <a:cs typeface=""/>
+        <a:font script="Jpan" typeface="游ゴシック"/>
+        <a:font script="Hang" typeface="맑은 고딕"/>
+        <a:font script="Hans" typeface="等线"/>
+        <a:font script="Hant" typeface="新細明體"/>
+        <a:font script="Arab" typeface="Arial"/>
+        <a:font script="Hebr" typeface="Arial"/>
+        <a:font script="Thai" typeface="Cordia New"/>
+        <a:font script="Ethi" typeface="Nyala"/>
+        <a:font script="Beng" typeface="Vrinda"/>
+        <a:font script="Gujr" typeface="Shruti"/>
+        <a:font script="Khmr" typeface="DaunPenh"/>
+        <a:font script="Knda" typeface="Tunga"/>
+        <a:font script="Guru" typeface="Raavi"/>
+        <a:font script="Cans" typeface="Euphemia"/>
+        <a:font script="Cher" typeface="Plantagenet Cherokee"/>
+        <a:font script="Yiii" typeface="Microsoft Yi Baiti"/>
+        <a:font script="Tibt" typeface="Microsoft Himalaya"/>
+        <a:font script="Thaa" typeface="MV Boli"/>
+        <a:font script="Deva" typeface="Mangal"/>
+        <a:font script="Telu" typeface="Gautami"/>
+        <a:font script="Taml" typeface="Latha"/>
+        <a:font script="Syrc" typeface="Estrangelo Edessa"/>
+        <a:font script="Orya" typeface="Kalinga"/>
+        <a:font script="Mlym" typeface="Kartika"/>
+        <a:font script="Laoo" typeface="DokChampa"/>
+        <a:font script="Sinh" typeface="Iskoola Pota"/>
+        <a:font script="Mong" typeface="Mongolian Baiti"/>
+        <a:font script="Viet" typeface="Arial"/>
+        <a:font script="Uigh" typeface="Microsoft Uighur"/>
+        <a:font script="Geor" typeface="Sylfaen"/>
+        <a:font script="Armn" typeface="Arial"/>
+        <a:font script="Bugi" typeface="Leelawadee UI"/>
+        <a:font script="Bopo" typeface="Microsoft JhengHei"/>
+        <a:font script="Java" typeface="Javanese Text"/>
+        <a:font script="Lisu" typeface="Segoe UI"/>
+        <a:font script="Mymr" typeface="Myanmar Text"/>
+        <a:font script="Nkoo" typeface="Ebrima"/>
+        <a:font script="Olck" typeface="Nirmala UI"/>
+        <a:font script="Osma" typeface="Ebrima"/>
+        <a:font script="Phag" typeface="Phagspa"/>
+        <a:font script="Syrn" typeface="Estrangelo Edessa"/>
+        <a:font script="Syrj" typeface="Estrangelo Edessa"/>
+        <a:font script="Syre" typeface="Estrangelo Edessa"/>
+        <a:font script="Sora" typeface="Nirmala UI"/>
+        <a:font script="Tale" typeface="Microsoft Tai Le"/>
+        <a:font script="Talu" typeface="Microsoft New Tai Lue"/>
+        <a:font script="Tfng" typeface="Ebrima"/>
+      </a:minorFont>
+    </a:fontScheme>
+    <a:fmtScheme name="Office">
+      <a:fillStyleLst>
+        <a:solidFill>
+          <a:schemeClr val="phClr"/>
+        </a:solidFill>
+        <a:gradFill rotWithShape="1">
+          <a:gsLst>
+            <a:gs pos="0">
+              <a:schemeClr val="phClr">
+                <a:lumMod val="110000"/>
+                <a:satMod val="105000"/>
+                <a:tint val="67000"/>
+              </a:schemeClr>
+            </a:gs>
+            <a:gs pos="50000">
+              <a:schemeClr val="phClr">
+                <a:lumMod val="105000"/>
+                <a:satMod val="103000"/>
+                <a:tint val="73000"/>
+              </a:schemeClr>
+            </a:gs>
+            <a:gs pos="100000">
+              <a:schemeClr val="phClr">
+                <a:lumMod val="105000"/>
+                <a:satMod val="109000"/>
+                <a:tint val="81000"/>
+              </a:schemeClr>
+            </a:gs>
+          </a:gsLst>
+          <a:lin ang="5400000" scaled="0"/>
+        </a:gradFill>
+        <a:gradFill rotWithShape="1">
+          <a:gsLst>
+            <a:gs pos="0">
+              <a:schemeClr val="phClr">
+                <a:satMod val="103000"/>
+                <a:lumMod val="102000"/>
+                <a:tint val="94000"/>
+              </a:schemeClr>
+            </a:gs>
+            <a:gs pos="50000">
+              <a:schemeClr val="phClr">
+                <a:satMod val="110000"/>
+                <a:lumMod val="100000"/>
+                <a:shade val="100000"/>
+              </a:schemeClr>
+            </a:gs>
+            <a:gs pos="100000">
+              <a:schemeClr val="phClr">
+                <a:lumMod val="99000"/>
+                <a:satMod val="120000"/>
+                <a:shade val="78000"/>
+              </a:schemeClr>
+            </a:gs>
+          </a:gsLst>
+          <a:lin ang="5400000" scaled="0"/>
+        </a:gradFill>
+      </a:fillStyleLst>
+      <a:lnStyleLst>
+        <a:ln w="6350" cap="flat" cmpd="sng" algn="ctr">
+          <a:solidFill>
+            <a:schemeClr val="phClr"/>
+          </a:solidFill>
+          <a:prstDash val="solid"/>
+          <a:miter lim="800000"/>
+        </a:ln>
+        <a:ln w="12700" cap="flat" cmpd="sng" algn="ctr">
+          <a:solidFill>
+            <a:schemeClr val="phClr"/>
+          </a:solidFill>
+          <a:prstDash val="solid"/>
+          <a:miter lim="800000"/>
+        </a:ln>
+        <a:ln w="19050" cap="flat" cmpd="sng" algn="ctr">
+          <a:solidFill>
+            <a:schemeClr val="phClr"/>
+          </a:solidFill>
+          <a:prstDash val="solid"/>
+          <a:miter lim="800000"/>
+        </a:ln>
+      </a:lnStyleLst>
+      <a:effectStyleLst>
+        <a:effectStyle>
+          <a:effectLst/>
+        </a:effectStyle>
+        <a:effectStyle>
+          <a:effectLst/>
+        </a:effectStyle>
+        <a:effectStyle>
+          <a:effectLst>
+            <a:outerShdw blurRad="57150" dist="19050" dir="5400000" algn="ctr" rotWithShape="0">
+              <a:srgbClr val="000000">
+                <a:alpha val="63000"/>
+              </a:srgbClr>
+            </a:outerShdw>
+          </a:effectLst>
+        </a:effectStyle>
+      </a:effectStyleLst>
+      <a:bgFillStyleLst>
+        <a:solidFill>
+          <a:schemeClr val="phClr"/>
+        </a:solidFill>
+        <a:solidFill>
+          <a:schemeClr val="phClr">
+            <a:tint val="95000"/>
+            <a:satMod val="170000"/>
+          </a:schemeClr>
+        </a:solidFill>
+        <a:gradFill rotWithShape="1">
+          <a:gsLst>
+            <a:gs pos="0">
+              <a:schemeClr val="phClr">
+                <a:tint val="93000"/>
+                <a:satMod val="150000"/>
+                <a:shade val="98000"/>
+                <a:lumMod val="102000"/>
+              </a:schemeClr>
+            </a:gs>
+            <a:gs pos="50000">
+              <a:schemeClr val="phClr">
+                <a:tint val="98000"/>
+                <a:satMod val="130000"/>
+                <a:shade val="90000"/>
+                <a:lumMod val="103000"/>
+              </a:schemeClr>
+            </a:gs>
+            <a:gs pos="100000">
+              <a:schemeClr val="phClr">
+                <a:shade val="63000"/>
+                <a:satMod val="120000"/>
+              </a:schemeClr>
+            </a:gs>
+          </a:gsLst>
+          <a:lin ang="5400000" scaled="0"/>
+        </a:gradFill>
+      </a:bgFillStyleLst>
+    </a:fmtScheme>
+  </a:themeElements>
+  <a:objectDefaults/>
+  <a:extraClrSchemeLst/>
+  <a:extLst>
+    <a:ext uri="{05A4C25C-085E-4340-85A3-A5531E510DB2}">
+      <thm15:themeFamily xmlns:thm15="http://schemas.microsoft.com/office/thememl/2012/main" name="Office Theme" id="{62F939B6-93AF-4DB8-9C6B-D6C7DFDC589F}" vid="{4A3C46E8-61CC-4603-A589-7422A47A8E4A}"/>
+    </a:ext>
+  </a:extLst>
+</a:theme>
 </file>
--- a/docs/canvas-status-arc42-org.pptx
+++ b/docs/canvas-status-arc42-org.pptx
@@ -208,7 +208,7 @@
           <a:p>
             <a:fld id="{64B5F81B-5358-9847-9EB0-70E79DCD4415}" type="datetimeFigureOut">
               <a:rPr lang="de-DE" smtClean="0"/>
-              <a:t>22.11.23</a:t>
+              <a:t>27.11.23</a:t>
             </a:fld>
             <a:endParaRPr lang="de-DE"/>
           </a:p>
@@ -3085,7 +3085,7 @@
                   </a:schemeClr>
                 </a:solidFill>
               </a:rPr>
-              <a:t>display</a:t>
+              <a:t>show</a:t>
             </a:r>
             <a:r>
               <a:rPr lang="de-DE" sz="1400" dirty="0">
@@ -3107,6 +3107,28 @@
                   </a:schemeClr>
                 </a:solidFill>
               </a:rPr>
+              <a:t>detailed</a:t>
+            </a:r>
+            <a:r>
+              <a:rPr lang="de-DE" sz="1400" dirty="0">
+                <a:solidFill>
+                  <a:schemeClr val="tx1">
+                    <a:lumMod val="85000"/>
+                    <a:lumOff val="15000"/>
+                  </a:schemeClr>
+                </a:solidFill>
+              </a:rPr>
+              <a:t> </a:t>
+            </a:r>
+            <a:r>
+              <a:rPr lang="de-DE" sz="1400" dirty="0" err="1">
+                <a:solidFill>
+                  <a:schemeClr val="tx1">
+                    <a:lumMod val="85000"/>
+                    <a:lumOff val="15000"/>
+                  </a:schemeClr>
+                </a:solidFill>
+              </a:rPr>
               <a:t>statistics</a:t>
             </a:r>
             <a:r>
@@ -3129,7 +3151,277 @@
                   </a:schemeClr>
                 </a:solidFill>
               </a:rPr>
-              <a:t>table</a:t>
+              <a:t>for</a:t>
+            </a:r>
+            <a:r>
+              <a:rPr lang="de-DE" sz="1400" dirty="0">
+                <a:solidFill>
+                  <a:schemeClr val="tx1">
+                    <a:lumMod val="85000"/>
+                    <a:lumOff val="15000"/>
+                  </a:schemeClr>
+                </a:solidFill>
+              </a:rPr>
+              <a:t> </a:t>
+            </a:r>
+            <a:r>
+              <a:rPr lang="de-DE" sz="1400" dirty="0" err="1">
+                <a:solidFill>
+                  <a:schemeClr val="tx1">
+                    <a:lumMod val="85000"/>
+                    <a:lumOff val="15000"/>
+                  </a:schemeClr>
+                </a:solidFill>
+              </a:rPr>
+              <a:t>every</a:t>
+            </a:r>
+            <a:r>
+              <a:rPr lang="de-DE" sz="1400" dirty="0">
+                <a:solidFill>
+                  <a:schemeClr val="tx1">
+                    <a:lumMod val="85000"/>
+                    <a:lumOff val="15000"/>
+                  </a:schemeClr>
+                </a:solidFill>
+              </a:rPr>
+              <a:t> arc42 </a:t>
+            </a:r>
+            <a:r>
+              <a:rPr lang="de-DE" sz="1400" dirty="0" err="1">
+                <a:solidFill>
+                  <a:schemeClr val="tx1">
+                    <a:lumMod val="85000"/>
+                    <a:lumOff val="15000"/>
+                  </a:schemeClr>
+                </a:solidFill>
+              </a:rPr>
+              <a:t>website</a:t>
+            </a:r>
+            <a:r>
+              <a:rPr lang="de-DE" sz="1400" dirty="0">
+                <a:solidFill>
+                  <a:schemeClr val="tx1">
+                    <a:lumMod val="85000"/>
+                    <a:lumOff val="15000"/>
+                  </a:schemeClr>
+                </a:solidFill>
+              </a:rPr>
+              <a:t> (.de, .</a:t>
+            </a:r>
+            <a:r>
+              <a:rPr lang="de-DE" sz="1400" dirty="0" err="1">
+                <a:solidFill>
+                  <a:schemeClr val="tx1">
+                    <a:lumMod val="85000"/>
+                    <a:lumOff val="15000"/>
+                  </a:schemeClr>
+                </a:solidFill>
+              </a:rPr>
+              <a:t>org</a:t>
+            </a:r>
+            <a:r>
+              <a:rPr lang="de-DE" sz="1400" dirty="0">
+                <a:solidFill>
+                  <a:schemeClr val="tx1">
+                    <a:lumMod val="85000"/>
+                    <a:lumOff val="15000"/>
+                  </a:schemeClr>
+                </a:solidFill>
+              </a:rPr>
+              <a:t>, </a:t>
+            </a:r>
+            <a:r>
+              <a:rPr lang="de-DE" sz="1400" dirty="0" err="1">
+                <a:solidFill>
+                  <a:schemeClr val="tx1">
+                    <a:lumMod val="85000"/>
+                    <a:lumOff val="15000"/>
+                  </a:schemeClr>
+                </a:solidFill>
+              </a:rPr>
+              <a:t>docs</a:t>
+            </a:r>
+            <a:r>
+              <a:rPr lang="de-DE" sz="1400" dirty="0">
+                <a:solidFill>
+                  <a:schemeClr val="tx1">
+                    <a:lumMod val="85000"/>
+                    <a:lumOff val="15000"/>
+                  </a:schemeClr>
+                </a:solidFill>
+              </a:rPr>
+              <a:t>, </a:t>
+            </a:r>
+            <a:r>
+              <a:rPr lang="de-DE" sz="1400" dirty="0" err="1">
+                <a:solidFill>
+                  <a:schemeClr val="tx1">
+                    <a:lumMod val="85000"/>
+                    <a:lumOff val="15000"/>
+                  </a:schemeClr>
+                </a:solidFill>
+              </a:rPr>
+              <a:t>faq</a:t>
+            </a:r>
+            <a:r>
+              <a:rPr lang="de-DE" sz="1400" dirty="0">
+                <a:solidFill>
+                  <a:schemeClr val="tx1">
+                    <a:lumMod val="85000"/>
+                    <a:lumOff val="15000"/>
+                  </a:schemeClr>
+                </a:solidFill>
+              </a:rPr>
+              <a:t>, </a:t>
+            </a:r>
+            <a:r>
+              <a:rPr lang="de-DE" sz="1400" dirty="0" err="1">
+                <a:solidFill>
+                  <a:schemeClr val="tx1">
+                    <a:lumMod val="85000"/>
+                    <a:lumOff val="15000"/>
+                  </a:schemeClr>
+                </a:solidFill>
+              </a:rPr>
+              <a:t>canvas</a:t>
+            </a:r>
+            <a:r>
+              <a:rPr lang="de-DE" sz="1400" dirty="0">
+                <a:solidFill>
+                  <a:schemeClr val="tx1">
+                    <a:lumMod val="85000"/>
+                    <a:lumOff val="15000"/>
+                  </a:schemeClr>
+                </a:solidFill>
+              </a:rPr>
+              <a:t>, </a:t>
+            </a:r>
+            <a:r>
+              <a:rPr lang="de-DE" sz="1400" dirty="0" err="1">
+                <a:solidFill>
+                  <a:schemeClr val="tx1">
+                    <a:lumMod val="85000"/>
+                    <a:lumOff val="15000"/>
+                  </a:schemeClr>
+                </a:solidFill>
+              </a:rPr>
+              <a:t>quality</a:t>
+            </a:r>
+            <a:r>
+              <a:rPr lang="de-DE" sz="1400" dirty="0">
+                <a:solidFill>
+                  <a:schemeClr val="tx1">
+                    <a:lumMod val="85000"/>
+                    <a:lumOff val="15000"/>
+                  </a:schemeClr>
+                </a:solidFill>
+              </a:rPr>
+              <a:t> and </a:t>
+            </a:r>
+            <a:r>
+              <a:rPr lang="de-DE" sz="1400" dirty="0" err="1">
+                <a:solidFill>
+                  <a:schemeClr val="tx1">
+                    <a:lumMod val="85000"/>
+                    <a:lumOff val="15000"/>
+                  </a:schemeClr>
+                </a:solidFill>
+              </a:rPr>
+              <a:t>status</a:t>
+            </a:r>
+            <a:r>
+              <a:rPr lang="de-DE" sz="1400" dirty="0">
+                <a:solidFill>
+                  <a:schemeClr val="tx1">
+                    <a:lumMod val="85000"/>
+                    <a:lumOff val="15000"/>
+                  </a:schemeClr>
+                </a:solidFill>
+              </a:rPr>
+              <a:t>)</a:t>
+            </a:r>
+          </a:p>
+          <a:p>
+            <a:pPr marL="285750" indent="-285750">
+              <a:buFont typeface="Arial" panose="020B0604020202020204" pitchFamily="34" charset="0"/>
+              <a:buChar char="•"/>
+            </a:pPr>
+            <a:r>
+              <a:rPr lang="de-DE" sz="1400" dirty="0" err="1">
+                <a:solidFill>
+                  <a:schemeClr val="tx1">
+                    <a:lumMod val="85000"/>
+                    <a:lumOff val="15000"/>
+                  </a:schemeClr>
+                </a:solidFill>
+              </a:rPr>
+              <a:t>show</a:t>
+            </a:r>
+            <a:r>
+              <a:rPr lang="de-DE" sz="1400" dirty="0">
+                <a:solidFill>
+                  <a:schemeClr val="tx1">
+                    <a:lumMod val="85000"/>
+                    <a:lumOff val="15000"/>
+                  </a:schemeClr>
+                </a:solidFill>
+              </a:rPr>
+              <a:t> </a:t>
+            </a:r>
+            <a:r>
+              <a:rPr lang="de-DE" sz="1400" dirty="0" err="1">
+                <a:solidFill>
+                  <a:schemeClr val="tx1">
+                    <a:lumMod val="85000"/>
+                    <a:lumOff val="15000"/>
+                  </a:schemeClr>
+                </a:solidFill>
+              </a:rPr>
+              <a:t>issues</a:t>
+            </a:r>
+            <a:r>
+              <a:rPr lang="de-DE" sz="1400" dirty="0">
+                <a:solidFill>
+                  <a:schemeClr val="tx1">
+                    <a:lumMod val="85000"/>
+                    <a:lumOff val="15000"/>
+                  </a:schemeClr>
+                </a:solidFill>
+              </a:rPr>
+              <a:t>/</a:t>
+            </a:r>
+            <a:r>
+              <a:rPr lang="de-DE" sz="1400" dirty="0" err="1">
+                <a:solidFill>
+                  <a:schemeClr val="tx1">
+                    <a:lumMod val="85000"/>
+                    <a:lumOff val="15000"/>
+                  </a:schemeClr>
+                </a:solidFill>
+              </a:rPr>
+              <a:t>bug</a:t>
+            </a:r>
+            <a:r>
+              <a:rPr lang="de-DE" sz="1400" dirty="0">
+                <a:solidFill>
+                  <a:schemeClr val="tx1">
+                    <a:lumMod val="85000"/>
+                    <a:lumOff val="15000"/>
+                  </a:schemeClr>
+                </a:solidFill>
+              </a:rPr>
+              <a:t> </a:t>
+            </a:r>
+            <a:r>
+              <a:rPr lang="de-DE" sz="1400">
+                <a:solidFill>
+                  <a:schemeClr val="tx1">
+                    <a:lumMod val="85000"/>
+                    <a:lumOff val="15000"/>
+                  </a:schemeClr>
+                </a:solidFill>
+              </a:rPr>
+              <a:t>counters </a:t>
             </a:r>
             <a:endParaRPr lang="de-DE" sz="1400" dirty="0">
               <a:solidFill>
@@ -3139,276 +3431,6 @@
                 </a:schemeClr>
               </a:solidFill>
             </a:endParaRPr>
-          </a:p>
-          <a:p>
-            <a:pPr marL="285750" indent="-285750">
-              <a:buFont typeface="Arial" panose="020B0604020202020204" pitchFamily="34" charset="0"/>
-              <a:buChar char="•"/>
-            </a:pPr>
-            <a:r>
-              <a:rPr lang="de-DE" sz="1400" dirty="0" err="1">
-                <a:solidFill>
-                  <a:schemeClr val="tx1">
-                    <a:lumMod val="85000"/>
-                    <a:lumOff val="15000"/>
-                  </a:schemeClr>
-                </a:solidFill>
-              </a:rPr>
-              <a:t>show</a:t>
-            </a:r>
-            <a:r>
-              <a:rPr lang="de-DE" sz="1400" dirty="0">
-                <a:solidFill>
-                  <a:schemeClr val="tx1">
-                    <a:lumMod val="85000"/>
-                    <a:lumOff val="15000"/>
-                  </a:schemeClr>
-                </a:solidFill>
-              </a:rPr>
-              <a:t> </a:t>
-            </a:r>
-            <a:r>
-              <a:rPr lang="de-DE" sz="1400" dirty="0" err="1">
-                <a:solidFill>
-                  <a:schemeClr val="tx1">
-                    <a:lumMod val="85000"/>
-                    <a:lumOff val="15000"/>
-                  </a:schemeClr>
-                </a:solidFill>
-              </a:rPr>
-              <a:t>detailed</a:t>
-            </a:r>
-            <a:r>
-              <a:rPr lang="de-DE" sz="1400" dirty="0">
-                <a:solidFill>
-                  <a:schemeClr val="tx1">
-                    <a:lumMod val="85000"/>
-                    <a:lumOff val="15000"/>
-                  </a:schemeClr>
-                </a:solidFill>
-              </a:rPr>
-              <a:t> </a:t>
-            </a:r>
-            <a:r>
-              <a:rPr lang="de-DE" sz="1400" dirty="0" err="1">
-                <a:solidFill>
-                  <a:schemeClr val="tx1">
-                    <a:lumMod val="85000"/>
-                    <a:lumOff val="15000"/>
-                  </a:schemeClr>
-                </a:solidFill>
-              </a:rPr>
-              <a:t>statistics</a:t>
-            </a:r>
-            <a:r>
-              <a:rPr lang="de-DE" sz="1400" dirty="0">
-                <a:solidFill>
-                  <a:schemeClr val="tx1">
-                    <a:lumMod val="85000"/>
-                    <a:lumOff val="15000"/>
-                  </a:schemeClr>
-                </a:solidFill>
-              </a:rPr>
-              <a:t> </a:t>
-            </a:r>
-            <a:r>
-              <a:rPr lang="de-DE" sz="1400" dirty="0" err="1">
-                <a:solidFill>
-                  <a:schemeClr val="tx1">
-                    <a:lumMod val="85000"/>
-                    <a:lumOff val="15000"/>
-                  </a:schemeClr>
-                </a:solidFill>
-              </a:rPr>
-              <a:t>for</a:t>
-            </a:r>
-            <a:r>
-              <a:rPr lang="de-DE" sz="1400" dirty="0">
-                <a:solidFill>
-                  <a:schemeClr val="tx1">
-                    <a:lumMod val="85000"/>
-                    <a:lumOff val="15000"/>
-                  </a:schemeClr>
-                </a:solidFill>
-              </a:rPr>
-              <a:t> </a:t>
-            </a:r>
-            <a:r>
-              <a:rPr lang="de-DE" sz="1400" dirty="0" err="1">
-                <a:solidFill>
-                  <a:schemeClr val="tx1">
-                    <a:lumMod val="85000"/>
-                    <a:lumOff val="15000"/>
-                  </a:schemeClr>
-                </a:solidFill>
-              </a:rPr>
-              <a:t>every</a:t>
-            </a:r>
-            <a:r>
-              <a:rPr lang="de-DE" sz="1400" dirty="0">
-                <a:solidFill>
-                  <a:schemeClr val="tx1">
-                    <a:lumMod val="85000"/>
-                    <a:lumOff val="15000"/>
-                  </a:schemeClr>
-                </a:solidFill>
-              </a:rPr>
-              <a:t> arc42 </a:t>
-            </a:r>
-            <a:r>
-              <a:rPr lang="de-DE" sz="1400" dirty="0" err="1">
-                <a:solidFill>
-                  <a:schemeClr val="tx1">
-                    <a:lumMod val="85000"/>
-                    <a:lumOff val="15000"/>
-                  </a:schemeClr>
-                </a:solidFill>
-              </a:rPr>
-              <a:t>website</a:t>
-            </a:r>
-            <a:r>
-              <a:rPr lang="de-DE" sz="1400" dirty="0">
-                <a:solidFill>
-                  <a:schemeClr val="tx1">
-                    <a:lumMod val="85000"/>
-                    <a:lumOff val="15000"/>
-                  </a:schemeClr>
-                </a:solidFill>
-              </a:rPr>
-              <a:t> (.de, .</a:t>
-            </a:r>
-            <a:r>
-              <a:rPr lang="de-DE" sz="1400" dirty="0" err="1">
-                <a:solidFill>
-                  <a:schemeClr val="tx1">
-                    <a:lumMod val="85000"/>
-                    <a:lumOff val="15000"/>
-                  </a:schemeClr>
-                </a:solidFill>
-              </a:rPr>
-              <a:t>org</a:t>
-            </a:r>
-            <a:r>
-              <a:rPr lang="de-DE" sz="1400" dirty="0">
-                <a:solidFill>
-                  <a:schemeClr val="tx1">
-                    <a:lumMod val="85000"/>
-                    <a:lumOff val="15000"/>
-                  </a:schemeClr>
-                </a:solidFill>
-              </a:rPr>
-              <a:t>, </a:t>
-            </a:r>
-            <a:r>
-              <a:rPr lang="de-DE" sz="1400" dirty="0" err="1">
-                <a:solidFill>
-                  <a:schemeClr val="tx1">
-                    <a:lumMod val="85000"/>
-                    <a:lumOff val="15000"/>
-                  </a:schemeClr>
-                </a:solidFill>
-              </a:rPr>
-              <a:t>docs</a:t>
-            </a:r>
-            <a:r>
-              <a:rPr lang="de-DE" sz="1400" dirty="0">
-                <a:solidFill>
-                  <a:schemeClr val="tx1">
-                    <a:lumMod val="85000"/>
-                    <a:lumOff val="15000"/>
-                  </a:schemeClr>
-                </a:solidFill>
-              </a:rPr>
-              <a:t>, </a:t>
-            </a:r>
-            <a:r>
-              <a:rPr lang="de-DE" sz="1400" dirty="0" err="1">
-                <a:solidFill>
-                  <a:schemeClr val="tx1">
-                    <a:lumMod val="85000"/>
-                    <a:lumOff val="15000"/>
-                  </a:schemeClr>
-                </a:solidFill>
-              </a:rPr>
-              <a:t>faq</a:t>
-            </a:r>
-            <a:r>
-              <a:rPr lang="de-DE" sz="1400" dirty="0">
-                <a:solidFill>
-                  <a:schemeClr val="tx1">
-                    <a:lumMod val="85000"/>
-                    <a:lumOff val="15000"/>
-                  </a:schemeClr>
-                </a:solidFill>
-              </a:rPr>
-              <a:t>, </a:t>
-            </a:r>
-            <a:r>
-              <a:rPr lang="de-DE" sz="1400" dirty="0" err="1">
-                <a:solidFill>
-                  <a:schemeClr val="tx1">
-                    <a:lumMod val="85000"/>
-                    <a:lumOff val="15000"/>
-                  </a:schemeClr>
-                </a:solidFill>
-              </a:rPr>
-              <a:t>canvas</a:t>
-            </a:r>
-            <a:r>
-              <a:rPr lang="de-DE" sz="1400" dirty="0">
-                <a:solidFill>
-                  <a:schemeClr val="tx1">
-                    <a:lumMod val="85000"/>
-                    <a:lumOff val="15000"/>
-                  </a:schemeClr>
-                </a:solidFill>
-              </a:rPr>
-              <a:t>, </a:t>
-            </a:r>
-            <a:r>
-              <a:rPr lang="de-DE" sz="1400" dirty="0" err="1">
-                <a:solidFill>
-                  <a:schemeClr val="tx1">
-                    <a:lumMod val="85000"/>
-                    <a:lumOff val="15000"/>
-                  </a:schemeClr>
-                </a:solidFill>
-              </a:rPr>
-              <a:t>quality</a:t>
-            </a:r>
-            <a:r>
-              <a:rPr lang="de-DE" sz="1400" dirty="0">
-                <a:solidFill>
-                  <a:schemeClr val="tx1">
-                    <a:lumMod val="85000"/>
-                    <a:lumOff val="15000"/>
-                  </a:schemeClr>
-                </a:solidFill>
-              </a:rPr>
-              <a:t> and </a:t>
-            </a:r>
-            <a:r>
-              <a:rPr lang="de-DE" sz="1400" dirty="0" err="1">
-                <a:solidFill>
-                  <a:schemeClr val="tx1">
-                    <a:lumMod val="85000"/>
-                    <a:lumOff val="15000"/>
-                  </a:schemeClr>
-                </a:solidFill>
-              </a:rPr>
-              <a:t>status</a:t>
-            </a:r>
-            <a:r>
-              <a:rPr lang="de-DE" sz="1400" dirty="0">
-                <a:solidFill>
-                  <a:schemeClr val="tx1">
-                    <a:lumMod val="85000"/>
-                    <a:lumOff val="15000"/>
-                  </a:schemeClr>
-                </a:solidFill>
-              </a:rPr>
-              <a:t>) </a:t>
-            </a:r>
           </a:p>
         </p:txBody>
       </p:sp>
@@ -4187,6 +4209,31 @@
               </a:rPr>
               <a:t>template</a:t>
             </a:r>
+            <a:endParaRPr lang="de-DE" sz="1400" dirty="0">
+              <a:solidFill>
+                <a:schemeClr val="tx1">
+                  <a:lumMod val="85000"/>
+                  <a:lumOff val="15000"/>
+                </a:schemeClr>
+              </a:solidFill>
+            </a:endParaRPr>
+          </a:p>
+          <a:p>
+            <a:pPr marL="742950" lvl="1" indent="-285750">
+              <a:buFont typeface="Arial" panose="020B0604020202020204" pitchFamily="34" charset="0"/>
+              <a:buChar char="•"/>
+            </a:pPr>
+            <a:r>
+              <a:rPr lang="de-DE" sz="1400" dirty="0" err="1">
+                <a:solidFill>
+                  <a:schemeClr val="tx1">
+                    <a:lumMod val="85000"/>
+                    <a:lumOff val="15000"/>
+                  </a:schemeClr>
+                </a:solidFill>
+              </a:rPr>
+              <a:t>zerolog</a:t>
+            </a:r>
             <a:r>
               <a:rPr lang="de-DE" sz="1400" dirty="0">
                 <a:solidFill>
@@ -4377,72 +4424,6 @@
                 </a:solidFill>
               </a:rPr>
               <a:t>deployment</a:t>
-            </a:r>
-            <a:r>
-              <a:rPr lang="de-DE" sz="1400" dirty="0">
-                <a:solidFill>
-                  <a:schemeClr val="tx1">
-                    <a:lumMod val="85000"/>
-                    <a:lumOff val="15000"/>
-                  </a:schemeClr>
-                </a:solidFill>
-              </a:rPr>
-              <a:t> </a:t>
-            </a:r>
-            <a:r>
-              <a:rPr lang="de-DE" sz="1400" dirty="0" err="1">
-                <a:solidFill>
-                  <a:schemeClr val="tx1">
-                    <a:lumMod val="85000"/>
-                    <a:lumOff val="15000"/>
-                  </a:schemeClr>
-                </a:solidFill>
-              </a:rPr>
-              <a:t>of</a:t>
-            </a:r>
-            <a:r>
-              <a:rPr lang="de-DE" sz="1400" dirty="0">
-                <a:solidFill>
-                  <a:schemeClr val="tx1">
-                    <a:lumMod val="85000"/>
-                    <a:lumOff val="15000"/>
-                  </a:schemeClr>
-                </a:solidFill>
-              </a:rPr>
-              <a:t> </a:t>
-            </a:r>
-            <a:r>
-              <a:rPr lang="de-DE" sz="1400" dirty="0" err="1">
-                <a:solidFill>
-                  <a:schemeClr val="tx1">
-                    <a:lumMod val="85000"/>
-                    <a:lumOff val="15000"/>
-                  </a:schemeClr>
-                </a:solidFill>
-              </a:rPr>
-              <a:t>Golang</a:t>
-            </a:r>
-            <a:r>
-              <a:rPr lang="de-DE" sz="1400" dirty="0">
-                <a:solidFill>
-                  <a:schemeClr val="tx1">
-                    <a:lumMod val="85000"/>
-                    <a:lumOff val="15000"/>
-                  </a:schemeClr>
-                </a:solidFill>
-              </a:rPr>
-              <a:t> </a:t>
-            </a:r>
-            <a:r>
-              <a:rPr lang="de-DE" sz="1400" dirty="0" err="1">
-                <a:solidFill>
-                  <a:schemeClr val="tx1">
-                    <a:lumMod val="85000"/>
-                    <a:lumOff val="15000"/>
-                  </a:schemeClr>
-                </a:solidFill>
-              </a:rPr>
-              <a:t>service</a:t>
             </a:r>
             <a:endParaRPr lang="de-DE" sz="1400" dirty="0">
               <a:solidFill>
@@ -4674,6 +4655,69 @@
               </a:rPr>
               <a:t> </a:t>
             </a:r>
+            <a:r>
+              <a:rPr lang="de-DE" sz="1400" dirty="0" err="1">
+                <a:solidFill>
+                  <a:schemeClr val="tx1">
+                    <a:lumMod val="85000"/>
+                    <a:lumOff val="15000"/>
+                  </a:schemeClr>
+                </a:solidFill>
+              </a:rPr>
+              <a:t>unknown</a:t>
+            </a:r>
+            <a:r>
+              <a:rPr lang="de-DE" sz="1400" dirty="0">
+                <a:solidFill>
+                  <a:schemeClr val="tx1">
+                    <a:lumMod val="85000"/>
+                    <a:lumOff val="15000"/>
+                  </a:schemeClr>
+                </a:solidFill>
+              </a:rPr>
+              <a:t> </a:t>
+            </a:r>
+            <a:r>
+              <a:rPr lang="de-DE" sz="1400" dirty="0" err="1">
+                <a:solidFill>
+                  <a:schemeClr val="tx1">
+                    <a:lumMod val="85000"/>
+                    <a:lumOff val="15000"/>
+                  </a:schemeClr>
+                </a:solidFill>
+              </a:rPr>
+              <a:t>user</a:t>
+            </a:r>
+            <a:r>
+              <a:rPr lang="de-DE" sz="1400" dirty="0">
+                <a:solidFill>
+                  <a:schemeClr val="tx1">
+                    <a:lumMod val="85000"/>
+                    <a:lumOff val="15000"/>
+                  </a:schemeClr>
+                </a:solidFill>
+              </a:rPr>
+              <a:t> </a:t>
+            </a:r>
+            <a:r>
+              <a:rPr lang="de-DE" sz="1400" dirty="0" err="1">
+                <a:solidFill>
+                  <a:schemeClr val="tx1">
+                    <a:lumMod val="85000"/>
+                    <a:lumOff val="15000"/>
+                  </a:schemeClr>
+                </a:solidFill>
+              </a:rPr>
+              <a:t>expectation</a:t>
+            </a:r>
+            <a:endParaRPr lang="de-DE" sz="1400" dirty="0">
+              <a:solidFill>
+                <a:schemeClr val="tx1">
+                  <a:lumMod val="85000"/>
+                  <a:lumOff val="15000"/>
+                </a:schemeClr>
+              </a:solidFill>
+            </a:endParaRPr>
           </a:p>
         </p:txBody>
       </p:sp>
@@ -4817,7 +4861,7 @@
             </a:r>
             <a:r>
               <a:rPr lang="de-DE" sz="1400" dirty="0"/>
-              <a:t> (&gt;1200ms) </a:t>
+              <a:t> (&gt;3500ms) </a:t>
             </a:r>
           </a:p>
         </p:txBody>

--- a/docs/canvas-status-arc42-org.pptx
+++ b/docs/canvas-status-arc42-org.pptx
@@ -5,10 +5,11 @@
     <p:sldMasterId id="2147483648" r:id="rId1"/>
   </p:sldMasterIdLst>
   <p:notesMasterIdLst>
-    <p:notesMasterId r:id="rId3"/>
+    <p:notesMasterId r:id="rId4"/>
   </p:notesMasterIdLst>
   <p:sldIdLst>
     <p:sldId id="257" r:id="rId2"/>
+    <p:sldId id="258" r:id="rId3"/>
   </p:sldIdLst>
   <p:sldSz cx="12192000" cy="6858000"/>
   <p:notesSz cx="6858000" cy="9144000"/>
@@ -208,7 +209,7 @@
           <a:p>
             <a:fld id="{64B5F81B-5358-9847-9EB0-70E79DCD4415}" type="datetimeFigureOut">
               <a:rPr lang="de-DE" smtClean="0"/>
-              <a:t>27.11.23</a:t>
+              <a:t>09.12.23</a:t>
             </a:fld>
             <a:endParaRPr lang="de-DE"/>
           </a:p>
@@ -550,6 +551,90 @@
     <p:extLst>
       <p:ext uri="{BB962C8B-B14F-4D97-AF65-F5344CB8AC3E}">
         <p14:creationId xmlns:p14="http://schemas.microsoft.com/office/powerpoint/2010/main" val="1269616861"/>
+      </p:ext>
+    </p:extLst>
+  </p:cSld>
+  <p:clrMapOvr>
+    <a:masterClrMapping/>
+  </p:clrMapOvr>
+</p:notes>
+</file>
+
+<file path=ppt/notesSlides/notesSlide2.xml><?xml version="1.0" encoding="utf-8"?>
+<p:notes xmlns:a="http://schemas.openxmlformats.org/drawingml/2006/main" xmlns:r="http://schemas.openxmlformats.org/officeDocument/2006/relationships" xmlns:p="http://schemas.openxmlformats.org/presentationml/2006/main">
+  <p:cSld>
+    <p:spTree>
+      <p:nvGrpSpPr>
+        <p:cNvPr id="1" name=""/>
+        <p:cNvGrpSpPr/>
+        <p:nvPr/>
+      </p:nvGrpSpPr>
+      <p:grpSpPr>
+        <a:xfrm>
+          <a:off x="0" y="0"/>
+          <a:ext cx="0" cy="0"/>
+          <a:chOff x="0" y="0"/>
+          <a:chExt cx="0" cy="0"/>
+        </a:xfrm>
+      </p:grpSpPr>
+      <p:sp>
+        <p:nvSpPr>
+          <p:cNvPr id="2" name="Folienbildplatzhalter 1"/>
+          <p:cNvSpPr>
+            <a:spLocks noGrp="1" noRot="1" noChangeAspect="1"/>
+          </p:cNvSpPr>
+          <p:nvPr>
+            <p:ph type="sldImg"/>
+          </p:nvPr>
+        </p:nvSpPr>
+        <p:spPr/>
+      </p:sp>
+      <p:sp>
+        <p:nvSpPr>
+          <p:cNvPr id="3" name="Notizenplatzhalter 2"/>
+          <p:cNvSpPr>
+            <a:spLocks noGrp="1"/>
+          </p:cNvSpPr>
+          <p:nvPr>
+            <p:ph type="body" idx="1"/>
+          </p:nvPr>
+        </p:nvSpPr>
+        <p:spPr/>
+        <p:txBody>
+          <a:bodyPr/>
+          <a:lstStyle/>
+          <a:p>
+            <a:endParaRPr lang="de-DE" dirty="0"/>
+          </a:p>
+        </p:txBody>
+      </p:sp>
+      <p:sp>
+        <p:nvSpPr>
+          <p:cNvPr id="4" name="Foliennummernplatzhalter 3"/>
+          <p:cNvSpPr>
+            <a:spLocks noGrp="1"/>
+          </p:cNvSpPr>
+          <p:nvPr>
+            <p:ph type="sldNum" sz="quarter" idx="5"/>
+          </p:nvPr>
+        </p:nvSpPr>
+        <p:spPr/>
+        <p:txBody>
+          <a:bodyPr/>
+          <a:lstStyle/>
+          <a:p>
+            <a:fld id="{82AFD7F1-2F64-8147-99C4-F905666E053B}" type="slidenum">
+              <a:rPr lang="de-DE" smtClean="0"/>
+              <a:t>2</a:t>
+            </a:fld>
+            <a:endParaRPr lang="de-DE"/>
+          </a:p>
+        </p:txBody>
+      </p:sp>
+    </p:spTree>
+    <p:extLst>
+      <p:ext uri="{BB962C8B-B14F-4D97-AF65-F5344CB8AC3E}">
+        <p14:creationId xmlns:p14="http://schemas.microsoft.com/office/powerpoint/2010/main" val="4150240358"/>
       </p:ext>
     </p:extLst>
   </p:cSld>
@@ -2680,18 +2765,18 @@
                   </a:schemeClr>
                 </a:solidFill>
               </a:rPr>
-              <a:t>Show </a:t>
-            </a:r>
-            <a:r>
-              <a:rPr lang="de-DE" sz="1400" dirty="0" err="1">
-                <a:solidFill>
-                  <a:schemeClr val="tx1">
-                    <a:lumMod val="85000"/>
-                    <a:lumOff val="15000"/>
-                  </a:schemeClr>
-                </a:solidFill>
-              </a:rPr>
-              <a:t>detailed</a:t>
+              <a:t>Aggregate </a:t>
+            </a:r>
+            <a:r>
+              <a:rPr lang="de-DE" sz="1400" dirty="0" err="1">
+                <a:solidFill>
+                  <a:schemeClr val="tx1">
+                    <a:lumMod val="85000"/>
+                    <a:lumOff val="15000"/>
+                  </a:schemeClr>
+                </a:solidFill>
+              </a:rPr>
+              <a:t>usage</a:t>
             </a:r>
             <a:r>
               <a:rPr lang="de-DE" sz="1400" dirty="0">
@@ -2713,7 +2798,7 @@
                   </a:schemeClr>
                 </a:solidFill>
               </a:rPr>
-              <a:t>aggregate</a:t>
+              <a:t>data</a:t>
             </a:r>
             <a:r>
               <a:rPr lang="de-DE" sz="1400" dirty="0">
@@ -2735,7 +2820,7 @@
                   </a:schemeClr>
                 </a:solidFill>
               </a:rPr>
-              <a:t>statistics</a:t>
+              <a:t>for</a:t>
             </a:r>
             <a:r>
               <a:rPr lang="de-DE" sz="1400" dirty="0">
@@ -2757,28 +2842,6 @@
                   </a:schemeClr>
                 </a:solidFill>
               </a:rPr>
-              <a:t>of</a:t>
-            </a:r>
-            <a:r>
-              <a:rPr lang="de-DE" sz="1400" dirty="0">
-                <a:solidFill>
-                  <a:schemeClr val="tx1">
-                    <a:lumMod val="85000"/>
-                    <a:lumOff val="15000"/>
-                  </a:schemeClr>
-                </a:solidFill>
-              </a:rPr>
-              <a:t> </a:t>
-            </a:r>
-            <a:r>
-              <a:rPr lang="de-DE" sz="1400" dirty="0" err="1">
-                <a:solidFill>
-                  <a:schemeClr val="tx1">
-                    <a:lumMod val="85000"/>
-                    <a:lumOff val="15000"/>
-                  </a:schemeClr>
-                </a:solidFill>
-              </a:rPr>
               <a:t>visitors</a:t>
             </a:r>
             <a:r>
@@ -2790,6 +2853,50 @@
                   </a:schemeClr>
                 </a:solidFill>
               </a:rPr>
+              <a:t>, </a:t>
+            </a:r>
+            <a:r>
+              <a:rPr lang="de-DE" sz="1400" dirty="0" err="1">
+                <a:solidFill>
+                  <a:schemeClr val="tx1">
+                    <a:lumMod val="85000"/>
+                    <a:lumOff val="15000"/>
+                  </a:schemeClr>
+                </a:solidFill>
+              </a:rPr>
+              <a:t>pageviews</a:t>
+            </a:r>
+            <a:r>
+              <a:rPr lang="de-DE" sz="1400" dirty="0">
+                <a:solidFill>
+                  <a:schemeClr val="tx1">
+                    <a:lumMod val="85000"/>
+                    <a:lumOff val="15000"/>
+                  </a:schemeClr>
+                </a:solidFill>
+              </a:rPr>
+              <a:t>, </a:t>
+            </a:r>
+            <a:r>
+              <a:rPr lang="de-DE" sz="1400" dirty="0" err="1">
+                <a:solidFill>
+                  <a:schemeClr val="tx1">
+                    <a:lumMod val="85000"/>
+                    <a:lumOff val="15000"/>
+                  </a:schemeClr>
+                </a:solidFill>
+              </a:rPr>
+              <a:t>issues</a:t>
+            </a:r>
+            <a:r>
+              <a:rPr lang="de-DE" sz="1400" dirty="0">
+                <a:solidFill>
+                  <a:schemeClr val="tx1">
+                    <a:lumMod val="85000"/>
+                    <a:lumOff val="15000"/>
+                  </a:schemeClr>
+                </a:solidFill>
+              </a:rPr>
               <a:t> and </a:t>
             </a:r>
             <a:r>
@@ -2801,7 +2908,7 @@
                   </a:schemeClr>
                 </a:solidFill>
               </a:rPr>
-              <a:t>pageviews</a:t>
+              <a:t>bugs</a:t>
             </a:r>
             <a:r>
               <a:rPr lang="de-DE" sz="1400" dirty="0">
@@ -3162,150 +3269,40 @@
                   </a:schemeClr>
                 </a:solidFill>
               </a:rPr>
-              <a:t> </a:t>
-            </a:r>
-            <a:r>
-              <a:rPr lang="de-DE" sz="1400" dirty="0" err="1">
-                <a:solidFill>
-                  <a:schemeClr val="tx1">
-                    <a:lumMod val="85000"/>
-                    <a:lumOff val="15000"/>
-                  </a:schemeClr>
-                </a:solidFill>
-              </a:rPr>
-              <a:t>every</a:t>
-            </a:r>
-            <a:r>
-              <a:rPr lang="de-DE" sz="1400" dirty="0">
-                <a:solidFill>
-                  <a:schemeClr val="tx1">
-                    <a:lumMod val="85000"/>
-                    <a:lumOff val="15000"/>
-                  </a:schemeClr>
-                </a:solidFill>
-              </a:rPr>
-              <a:t> arc42 </a:t>
-            </a:r>
-            <a:r>
-              <a:rPr lang="de-DE" sz="1400" dirty="0" err="1">
-                <a:solidFill>
-                  <a:schemeClr val="tx1">
-                    <a:lumMod val="85000"/>
-                    <a:lumOff val="15000"/>
-                  </a:schemeClr>
-                </a:solidFill>
-              </a:rPr>
-              <a:t>website</a:t>
-            </a:r>
-            <a:r>
-              <a:rPr lang="de-DE" sz="1400" dirty="0">
-                <a:solidFill>
-                  <a:schemeClr val="tx1">
-                    <a:lumMod val="85000"/>
-                    <a:lumOff val="15000"/>
-                  </a:schemeClr>
-                </a:solidFill>
-              </a:rPr>
-              <a:t> (.de, .</a:t>
-            </a:r>
-            <a:r>
-              <a:rPr lang="de-DE" sz="1400" dirty="0" err="1">
-                <a:solidFill>
-                  <a:schemeClr val="tx1">
-                    <a:lumMod val="85000"/>
-                    <a:lumOff val="15000"/>
-                  </a:schemeClr>
-                </a:solidFill>
-              </a:rPr>
-              <a:t>org</a:t>
-            </a:r>
-            <a:r>
-              <a:rPr lang="de-DE" sz="1400" dirty="0">
-                <a:solidFill>
-                  <a:schemeClr val="tx1">
-                    <a:lumMod val="85000"/>
-                    <a:lumOff val="15000"/>
-                  </a:schemeClr>
-                </a:solidFill>
-              </a:rPr>
-              <a:t>, </a:t>
-            </a:r>
-            <a:r>
-              <a:rPr lang="de-DE" sz="1400" dirty="0" err="1">
-                <a:solidFill>
-                  <a:schemeClr val="tx1">
-                    <a:lumMod val="85000"/>
-                    <a:lumOff val="15000"/>
-                  </a:schemeClr>
-                </a:solidFill>
-              </a:rPr>
-              <a:t>docs</a:t>
-            </a:r>
-            <a:r>
-              <a:rPr lang="de-DE" sz="1400" dirty="0">
-                <a:solidFill>
-                  <a:schemeClr val="tx1">
-                    <a:lumMod val="85000"/>
-                    <a:lumOff val="15000"/>
-                  </a:schemeClr>
-                </a:solidFill>
-              </a:rPr>
-              <a:t>, </a:t>
-            </a:r>
-            <a:r>
-              <a:rPr lang="de-DE" sz="1400" dirty="0" err="1">
-                <a:solidFill>
-                  <a:schemeClr val="tx1">
-                    <a:lumMod val="85000"/>
-                    <a:lumOff val="15000"/>
-                  </a:schemeClr>
-                </a:solidFill>
-              </a:rPr>
-              <a:t>faq</a:t>
-            </a:r>
-            <a:r>
-              <a:rPr lang="de-DE" sz="1400" dirty="0">
-                <a:solidFill>
-                  <a:schemeClr val="tx1">
-                    <a:lumMod val="85000"/>
-                    <a:lumOff val="15000"/>
-                  </a:schemeClr>
-                </a:solidFill>
-              </a:rPr>
-              <a:t>, </a:t>
-            </a:r>
-            <a:r>
-              <a:rPr lang="de-DE" sz="1400" dirty="0" err="1">
-                <a:solidFill>
-                  <a:schemeClr val="tx1">
-                    <a:lumMod val="85000"/>
-                    <a:lumOff val="15000"/>
-                  </a:schemeClr>
-                </a:solidFill>
-              </a:rPr>
-              <a:t>canvas</a:t>
-            </a:r>
-            <a:r>
-              <a:rPr lang="de-DE" sz="1400" dirty="0">
-                <a:solidFill>
-                  <a:schemeClr val="tx1">
-                    <a:lumMod val="85000"/>
-                    <a:lumOff val="15000"/>
-                  </a:schemeClr>
-                </a:solidFill>
-              </a:rPr>
-              <a:t>, </a:t>
-            </a:r>
-            <a:r>
-              <a:rPr lang="de-DE" sz="1400" dirty="0" err="1">
-                <a:solidFill>
-                  <a:schemeClr val="tx1">
-                    <a:lumMod val="85000"/>
-                    <a:lumOff val="15000"/>
-                  </a:schemeClr>
-                </a:solidFill>
-              </a:rPr>
-              <a:t>quality</a:t>
+              <a:t> all arc42 </a:t>
+            </a:r>
+            <a:r>
+              <a:rPr lang="de-DE" sz="1400" dirty="0" err="1">
+                <a:solidFill>
+                  <a:schemeClr val="tx1">
+                    <a:lumMod val="85000"/>
+                    <a:lumOff val="15000"/>
+                  </a:schemeClr>
+                </a:solidFill>
+              </a:rPr>
+              <a:t>websites</a:t>
+            </a:r>
+            <a:r>
+              <a:rPr lang="de-DE" sz="1400" dirty="0">
+                <a:solidFill>
+                  <a:schemeClr val="tx1">
+                    <a:lumMod val="85000"/>
+                    <a:lumOff val="15000"/>
+                  </a:schemeClr>
+                </a:solidFill>
+              </a:rPr>
+              <a:t>: Visitors, </a:t>
+            </a:r>
+            <a:r>
+              <a:rPr lang="de-DE" sz="1400" dirty="0" err="1">
+                <a:solidFill>
+                  <a:schemeClr val="tx1">
+                    <a:lumMod val="85000"/>
+                    <a:lumOff val="15000"/>
+                  </a:schemeClr>
+                </a:solidFill>
+              </a:rPr>
+              <a:t>pageviews</a:t>
             </a:r>
             <a:r>
               <a:rPr lang="de-DE" sz="1400" dirty="0">
@@ -3327,101 +3324,7 @@
                   </a:schemeClr>
                 </a:solidFill>
               </a:rPr>
-              <a:t>status</a:t>
-            </a:r>
-            <a:r>
-              <a:rPr lang="de-DE" sz="1400" dirty="0">
-                <a:solidFill>
-                  <a:schemeClr val="tx1">
-                    <a:lumMod val="85000"/>
-                    <a:lumOff val="15000"/>
-                  </a:schemeClr>
-                </a:solidFill>
-              </a:rPr>
-              <a:t>)</a:t>
-            </a:r>
-          </a:p>
-          <a:p>
-            <a:pPr marL="285750" indent="-285750">
-              <a:buFont typeface="Arial" panose="020B0604020202020204" pitchFamily="34" charset="0"/>
-              <a:buChar char="•"/>
-            </a:pPr>
-            <a:r>
-              <a:rPr lang="de-DE" sz="1400" dirty="0" err="1">
-                <a:solidFill>
-                  <a:schemeClr val="tx1">
-                    <a:lumMod val="85000"/>
-                    <a:lumOff val="15000"/>
-                  </a:schemeClr>
-                </a:solidFill>
-              </a:rPr>
-              <a:t>show</a:t>
-            </a:r>
-            <a:r>
-              <a:rPr lang="de-DE" sz="1400" dirty="0">
-                <a:solidFill>
-                  <a:schemeClr val="tx1">
-                    <a:lumMod val="85000"/>
-                    <a:lumOff val="15000"/>
-                  </a:schemeClr>
-                </a:solidFill>
-              </a:rPr>
-              <a:t> </a:t>
-            </a:r>
-            <a:r>
-              <a:rPr lang="de-DE" sz="1400" dirty="0" err="1">
-                <a:solidFill>
-                  <a:schemeClr val="tx1">
-                    <a:lumMod val="85000"/>
-                    <a:lumOff val="15000"/>
-                  </a:schemeClr>
-                </a:solidFill>
-              </a:rPr>
-              <a:t>issues</a:t>
-            </a:r>
-            <a:r>
-              <a:rPr lang="de-DE" sz="1400" dirty="0">
-                <a:solidFill>
-                  <a:schemeClr val="tx1">
-                    <a:lumMod val="85000"/>
-                    <a:lumOff val="15000"/>
-                  </a:schemeClr>
-                </a:solidFill>
-              </a:rPr>
-              <a:t>/</a:t>
-            </a:r>
-            <a:r>
-              <a:rPr lang="de-DE" sz="1400" dirty="0" err="1">
-                <a:solidFill>
-                  <a:schemeClr val="tx1">
-                    <a:lumMod val="85000"/>
-                    <a:lumOff val="15000"/>
-                  </a:schemeClr>
-                </a:solidFill>
-              </a:rPr>
-              <a:t>bug</a:t>
-            </a:r>
-            <a:r>
-              <a:rPr lang="de-DE" sz="1400" dirty="0">
-                <a:solidFill>
-                  <a:schemeClr val="tx1">
-                    <a:lumMod val="85000"/>
-                    <a:lumOff val="15000"/>
-                  </a:schemeClr>
-                </a:solidFill>
-              </a:rPr>
-              <a:t> </a:t>
-            </a:r>
-            <a:r>
-              <a:rPr lang="de-DE" sz="1400">
-                <a:solidFill>
-                  <a:schemeClr val="tx1">
-                    <a:lumMod val="85000"/>
-                    <a:lumOff val="15000"/>
-                  </a:schemeClr>
-                </a:solidFill>
-              </a:rPr>
-              <a:t>counters </a:t>
+              <a:t>totals</a:t>
             </a:r>
             <a:endParaRPr lang="de-DE" sz="1400" dirty="0">
               <a:solidFill>
@@ -3431,6 +3334,100 @@
                 </a:schemeClr>
               </a:solidFill>
             </a:endParaRPr>
+          </a:p>
+          <a:p>
+            <a:pPr marL="285750" indent="-285750">
+              <a:buFont typeface="Arial" panose="020B0604020202020204" pitchFamily="34" charset="0"/>
+              <a:buChar char="•"/>
+            </a:pPr>
+            <a:r>
+              <a:rPr lang="de-DE" sz="1400" dirty="0" err="1">
+                <a:solidFill>
+                  <a:schemeClr val="tx1">
+                    <a:lumMod val="85000"/>
+                    <a:lumOff val="15000"/>
+                  </a:schemeClr>
+                </a:solidFill>
+              </a:rPr>
+              <a:t>show</a:t>
+            </a:r>
+            <a:r>
+              <a:rPr lang="de-DE" sz="1400" dirty="0">
+                <a:solidFill>
+                  <a:schemeClr val="tx1">
+                    <a:lumMod val="85000"/>
+                    <a:lumOff val="15000"/>
+                  </a:schemeClr>
+                </a:solidFill>
+              </a:rPr>
+              <a:t> </a:t>
+            </a:r>
+            <a:r>
+              <a:rPr lang="de-DE" sz="1400" dirty="0" err="1">
+                <a:solidFill>
+                  <a:schemeClr val="tx1">
+                    <a:lumMod val="85000"/>
+                    <a:lumOff val="15000"/>
+                  </a:schemeClr>
+                </a:solidFill>
+              </a:rPr>
+              <a:t>issues</a:t>
+            </a:r>
+            <a:r>
+              <a:rPr lang="de-DE" sz="1400" dirty="0">
+                <a:solidFill>
+                  <a:schemeClr val="tx1">
+                    <a:lumMod val="85000"/>
+                    <a:lumOff val="15000"/>
+                  </a:schemeClr>
+                </a:solidFill>
+              </a:rPr>
+              <a:t>/</a:t>
+            </a:r>
+            <a:r>
+              <a:rPr lang="de-DE" sz="1400" dirty="0" err="1">
+                <a:solidFill>
+                  <a:schemeClr val="tx1">
+                    <a:lumMod val="85000"/>
+                    <a:lumOff val="15000"/>
+                  </a:schemeClr>
+                </a:solidFill>
+              </a:rPr>
+              <a:t>bug</a:t>
+            </a:r>
+            <a:r>
+              <a:rPr lang="de-DE" sz="1400" dirty="0">
+                <a:solidFill>
+                  <a:schemeClr val="tx1">
+                    <a:lumMod val="85000"/>
+                    <a:lumOff val="15000"/>
+                  </a:schemeClr>
+                </a:solidFill>
+              </a:rPr>
+              <a:t> </a:t>
+            </a:r>
+            <a:r>
+              <a:rPr lang="de-DE" sz="1400" dirty="0" err="1">
+                <a:solidFill>
+                  <a:schemeClr val="tx1">
+                    <a:lumMod val="85000"/>
+                    <a:lumOff val="15000"/>
+                  </a:schemeClr>
+                </a:solidFill>
+              </a:rPr>
+              <a:t>counters</a:t>
+            </a:r>
+            <a:r>
+              <a:rPr lang="de-DE" sz="1400" dirty="0">
+                <a:solidFill>
+                  <a:schemeClr val="tx1">
+                    <a:lumMod val="85000"/>
+                    <a:lumOff val="15000"/>
+                  </a:schemeClr>
+                </a:solidFill>
+              </a:rPr>
+              <a:t> </a:t>
+            </a:r>
           </a:p>
         </p:txBody>
       </p:sp>
@@ -3676,7 +3673,7 @@
                   </a:schemeClr>
                 </a:solidFill>
               </a:rPr>
-              <a:t> https:// </a:t>
+              <a:t> </a:t>
             </a:r>
             <a:r>
               <a:rPr lang="de-DE" sz="1400" dirty="0" err="1">
@@ -4565,18 +4562,18 @@
                   </a:schemeClr>
                 </a:solidFill>
               </a:rPr>
-              <a:t>all relevant </a:t>
-            </a:r>
-            <a:r>
-              <a:rPr lang="de-DE" sz="1400" dirty="0" err="1">
-                <a:solidFill>
-                  <a:schemeClr val="tx1">
-                    <a:lumMod val="85000"/>
-                    <a:lumOff val="15000"/>
-                  </a:schemeClr>
-                </a:solidFill>
-              </a:rPr>
-              <a:t>data</a:t>
+              <a:t>relevant </a:t>
+            </a:r>
+            <a:r>
+              <a:rPr lang="de-DE" sz="1400" dirty="0" err="1">
+                <a:solidFill>
+                  <a:schemeClr val="tx1">
+                    <a:lumMod val="85000"/>
+                    <a:lumOff val="15000"/>
+                  </a:schemeClr>
+                </a:solidFill>
+              </a:rPr>
+              <a:t>numbers</a:t>
             </a:r>
             <a:r>
               <a:rPr lang="de-DE" sz="1400" dirty="0">
@@ -4771,7 +4768,7 @@
         <p:spPr>
           <a:xfrm>
             <a:off x="10854328" y="281372"/>
-            <a:ext cx="1118511" cy="369332"/>
+            <a:ext cx="1110560" cy="369332"/>
           </a:xfrm>
           <a:prstGeom prst="rect">
             <a:avLst/>
@@ -4786,7 +4783,7 @@
           <a:p>
             <a:r>
               <a:rPr lang="de-DE" dirty="0"/>
-              <a:t>Nov. 2023</a:t>
+              <a:t>Dez. 2023</a:t>
             </a:r>
           </a:p>
         </p:txBody>
@@ -4828,40 +4825,28 @@
               <a:buChar char="−"/>
             </a:pPr>
             <a:r>
+              <a:rPr lang="de-DE" sz="1400" dirty="0" err="1"/>
+              <a:t>split</a:t>
+            </a:r>
+            <a:r>
               <a:rPr lang="de-DE" sz="1400" dirty="0"/>
-              <a:t>just ONE slow </a:t>
+              <a:t> in </a:t>
             </a:r>
             <a:r>
               <a:rPr lang="de-DE" sz="1400" dirty="0" err="1"/>
-              <a:t>request</a:t>
+              <a:t>two</a:t>
+            </a:r>
+            <a:r>
+              <a:rPr lang="de-DE" sz="1400" dirty="0"/>
+              <a:t> different GitHub </a:t>
+            </a:r>
+            <a:r>
+              <a:rPr lang="de-DE" sz="1400" dirty="0" err="1"/>
+              <a:t>repos</a:t>
             </a:r>
             <a:r>
               <a:rPr lang="de-DE" sz="1400" dirty="0"/>
               <a:t> </a:t>
-            </a:r>
-            <a:r>
-              <a:rPr lang="de-DE" sz="1400" dirty="0" err="1"/>
-              <a:t>to</a:t>
-            </a:r>
-            <a:r>
-              <a:rPr lang="de-DE" sz="1400" dirty="0"/>
-              <a:t> </a:t>
-            </a:r>
-            <a:r>
-              <a:rPr lang="de-DE" sz="1400" dirty="0" err="1"/>
-              <a:t>create</a:t>
-            </a:r>
-            <a:r>
-              <a:rPr lang="de-DE" sz="1400" dirty="0"/>
-              <a:t> HTML </a:t>
-            </a:r>
-            <a:r>
-              <a:rPr lang="de-DE" sz="1400" dirty="0" err="1"/>
-              <a:t>table</a:t>
-            </a:r>
-            <a:r>
-              <a:rPr lang="de-DE" sz="1400" dirty="0"/>
-              <a:t> (&gt;3500ms) </a:t>
             </a:r>
           </a:p>
         </p:txBody>
@@ -5028,6 +5013,2382 @@
     <p:extLst>
       <p:ext uri="{BB962C8B-B14F-4D97-AF65-F5344CB8AC3E}">
         <p14:creationId xmlns:p14="http://schemas.microsoft.com/office/powerpoint/2010/main" val="1545715125"/>
+      </p:ext>
+    </p:extLst>
+  </p:cSld>
+  <p:clrMapOvr>
+    <a:masterClrMapping/>
+  </p:clrMapOvr>
+</p:sld>
+</file>
+
+<file path=ppt/slides/slide2.xml><?xml version="1.0" encoding="utf-8"?>
+<p:sld xmlns:a="http://schemas.openxmlformats.org/drawingml/2006/main" xmlns:r="http://schemas.openxmlformats.org/officeDocument/2006/relationships" xmlns:p="http://schemas.openxmlformats.org/presentationml/2006/main">
+  <p:cSld>
+    <p:spTree>
+      <p:nvGrpSpPr>
+        <p:cNvPr id="1" name=""/>
+        <p:cNvGrpSpPr/>
+        <p:nvPr/>
+      </p:nvGrpSpPr>
+      <p:grpSpPr>
+        <a:xfrm>
+          <a:off x="0" y="0"/>
+          <a:ext cx="0" cy="0"/>
+          <a:chOff x="0" y="0"/>
+          <a:chExt cx="0" cy="0"/>
+        </a:xfrm>
+      </p:grpSpPr>
+      <p:pic>
+        <p:nvPicPr>
+          <p:cNvPr id="10" name="Grafik 9">
+            <a:extLst>
+              <a:ext uri="{FF2B5EF4-FFF2-40B4-BE49-F238E27FC236}">
+                <a16:creationId xmlns:a16="http://schemas.microsoft.com/office/drawing/2014/main" id="{B84AB489-8668-AAA9-3493-DD34322A71AE}"/>
+              </a:ext>
+            </a:extLst>
+          </p:cNvPr>
+          <p:cNvPicPr>
+            <a:picLocks noChangeAspect="1"/>
+          </p:cNvPicPr>
+          <p:nvPr/>
+        </p:nvPicPr>
+        <p:blipFill>
+          <a:blip r:embed="rId3"/>
+          <a:stretch>
+            <a:fillRect/>
+          </a:stretch>
+        </p:blipFill>
+        <p:spPr>
+          <a:xfrm>
+            <a:off x="7042753" y="3683029"/>
+            <a:ext cx="4930086" cy="2812390"/>
+          </a:xfrm>
+          <a:prstGeom prst="rect">
+            <a:avLst/>
+          </a:prstGeom>
+        </p:spPr>
+      </p:pic>
+      <p:sp>
+        <p:nvSpPr>
+          <p:cNvPr id="3" name="Textfeld 2">
+            <a:extLst>
+              <a:ext uri="{FF2B5EF4-FFF2-40B4-BE49-F238E27FC236}">
+                <a16:creationId xmlns:a16="http://schemas.microsoft.com/office/drawing/2014/main" id="{2FB48AAF-AFA2-BEAC-5656-FDEBE7B58737}"/>
+              </a:ext>
+            </a:extLst>
+          </p:cNvPr>
+          <p:cNvSpPr txBox="1"/>
+          <p:nvPr/>
+        </p:nvSpPr>
+        <p:spPr>
+          <a:xfrm>
+            <a:off x="417095" y="1074820"/>
+            <a:ext cx="2695073" cy="770022"/>
+          </a:xfrm>
+          <a:prstGeom prst="rect">
+            <a:avLst/>
+          </a:prstGeom>
+          <a:solidFill>
+            <a:schemeClr val="accent4">
+              <a:lumMod val="20000"/>
+              <a:lumOff val="80000"/>
+            </a:schemeClr>
+          </a:solidFill>
+        </p:spPr>
+        <p:txBody>
+          <a:bodyPr wrap="square" rtlCol="0">
+            <a:noAutofit/>
+          </a:bodyPr>
+          <a:lstStyle/>
+          <a:p>
+            <a:r>
+              <a:rPr lang="de-DE" sz="1400" dirty="0">
+                <a:solidFill>
+                  <a:schemeClr val="tx1">
+                    <a:lumMod val="85000"/>
+                    <a:lumOff val="15000"/>
+                  </a:schemeClr>
+                </a:solidFill>
+              </a:rPr>
+              <a:t>Show </a:t>
+            </a:r>
+            <a:r>
+              <a:rPr lang="de-DE" sz="1400" dirty="0" err="1">
+                <a:solidFill>
+                  <a:schemeClr val="tx1">
+                    <a:lumMod val="85000"/>
+                    <a:lumOff val="15000"/>
+                  </a:schemeClr>
+                </a:solidFill>
+              </a:rPr>
+              <a:t>detailed</a:t>
+            </a:r>
+            <a:r>
+              <a:rPr lang="de-DE" sz="1400" dirty="0">
+                <a:solidFill>
+                  <a:schemeClr val="tx1">
+                    <a:lumMod val="85000"/>
+                    <a:lumOff val="15000"/>
+                  </a:schemeClr>
+                </a:solidFill>
+              </a:rPr>
+              <a:t> </a:t>
+            </a:r>
+            <a:r>
+              <a:rPr lang="de-DE" sz="1400" dirty="0" err="1">
+                <a:solidFill>
+                  <a:schemeClr val="tx1">
+                    <a:lumMod val="85000"/>
+                    <a:lumOff val="15000"/>
+                  </a:schemeClr>
+                </a:solidFill>
+              </a:rPr>
+              <a:t>aggregate</a:t>
+            </a:r>
+            <a:r>
+              <a:rPr lang="de-DE" sz="1400" dirty="0">
+                <a:solidFill>
+                  <a:schemeClr val="tx1">
+                    <a:lumMod val="85000"/>
+                    <a:lumOff val="15000"/>
+                  </a:schemeClr>
+                </a:solidFill>
+              </a:rPr>
+              <a:t> </a:t>
+            </a:r>
+            <a:r>
+              <a:rPr lang="de-DE" sz="1400" dirty="0" err="1">
+                <a:solidFill>
+                  <a:schemeClr val="tx1">
+                    <a:lumMod val="85000"/>
+                    <a:lumOff val="15000"/>
+                  </a:schemeClr>
+                </a:solidFill>
+              </a:rPr>
+              <a:t>statistics</a:t>
+            </a:r>
+            <a:r>
+              <a:rPr lang="de-DE" sz="1400" dirty="0">
+                <a:solidFill>
+                  <a:schemeClr val="tx1">
+                    <a:lumMod val="85000"/>
+                    <a:lumOff val="15000"/>
+                  </a:schemeClr>
+                </a:solidFill>
+              </a:rPr>
+              <a:t> </a:t>
+            </a:r>
+            <a:r>
+              <a:rPr lang="de-DE" sz="1400" dirty="0" err="1">
+                <a:solidFill>
+                  <a:schemeClr val="tx1">
+                    <a:lumMod val="85000"/>
+                    <a:lumOff val="15000"/>
+                  </a:schemeClr>
+                </a:solidFill>
+              </a:rPr>
+              <a:t>of</a:t>
+            </a:r>
+            <a:r>
+              <a:rPr lang="de-DE" sz="1400" dirty="0">
+                <a:solidFill>
+                  <a:schemeClr val="tx1">
+                    <a:lumMod val="85000"/>
+                    <a:lumOff val="15000"/>
+                  </a:schemeClr>
+                </a:solidFill>
+              </a:rPr>
+              <a:t> </a:t>
+            </a:r>
+            <a:r>
+              <a:rPr lang="de-DE" sz="1400" dirty="0" err="1">
+                <a:solidFill>
+                  <a:schemeClr val="tx1">
+                    <a:lumMod val="85000"/>
+                    <a:lumOff val="15000"/>
+                  </a:schemeClr>
+                </a:solidFill>
+              </a:rPr>
+              <a:t>visitors</a:t>
+            </a:r>
+            <a:r>
+              <a:rPr lang="de-DE" sz="1400" dirty="0">
+                <a:solidFill>
+                  <a:schemeClr val="tx1">
+                    <a:lumMod val="85000"/>
+                    <a:lumOff val="15000"/>
+                  </a:schemeClr>
+                </a:solidFill>
+              </a:rPr>
+              <a:t> and </a:t>
+            </a:r>
+            <a:r>
+              <a:rPr lang="de-DE" sz="1400" dirty="0" err="1">
+                <a:solidFill>
+                  <a:schemeClr val="tx1">
+                    <a:lumMod val="85000"/>
+                    <a:lumOff val="15000"/>
+                  </a:schemeClr>
+                </a:solidFill>
+              </a:rPr>
+              <a:t>pageviews</a:t>
+            </a:r>
+            <a:r>
+              <a:rPr lang="de-DE" sz="1400" dirty="0">
+                <a:solidFill>
+                  <a:schemeClr val="tx1">
+                    <a:lumMod val="85000"/>
+                    <a:lumOff val="15000"/>
+                  </a:schemeClr>
+                </a:solidFill>
+              </a:rPr>
+              <a:t> </a:t>
+            </a:r>
+            <a:r>
+              <a:rPr lang="de-DE" sz="1400" dirty="0" err="1">
+                <a:solidFill>
+                  <a:schemeClr val="tx1">
+                    <a:lumMod val="85000"/>
+                    <a:lumOff val="15000"/>
+                  </a:schemeClr>
+                </a:solidFill>
+              </a:rPr>
+              <a:t>of</a:t>
+            </a:r>
+            <a:r>
+              <a:rPr lang="de-DE" sz="1400" dirty="0">
+                <a:solidFill>
+                  <a:schemeClr val="tx1">
+                    <a:lumMod val="85000"/>
+                    <a:lumOff val="15000"/>
+                  </a:schemeClr>
+                </a:solidFill>
+              </a:rPr>
+              <a:t> all arc42 </a:t>
+            </a:r>
+            <a:r>
+              <a:rPr lang="de-DE" sz="1400" dirty="0" err="1">
+                <a:solidFill>
+                  <a:schemeClr val="tx1">
+                    <a:lumMod val="85000"/>
+                    <a:lumOff val="15000"/>
+                  </a:schemeClr>
+                </a:solidFill>
+              </a:rPr>
+              <a:t>websites</a:t>
+            </a:r>
+            <a:r>
+              <a:rPr lang="de-DE" sz="1400" dirty="0">
+                <a:solidFill>
+                  <a:schemeClr val="tx1">
+                    <a:lumMod val="85000"/>
+                    <a:lumOff val="15000"/>
+                  </a:schemeClr>
+                </a:solidFill>
+              </a:rPr>
+              <a:t>.</a:t>
+            </a:r>
+          </a:p>
+        </p:txBody>
+      </p:sp>
+      <p:sp>
+        <p:nvSpPr>
+          <p:cNvPr id="4" name="Textfeld 3">
+            <a:extLst>
+              <a:ext uri="{FF2B5EF4-FFF2-40B4-BE49-F238E27FC236}">
+                <a16:creationId xmlns:a16="http://schemas.microsoft.com/office/drawing/2014/main" id="{F3E23662-7E84-5B91-BA44-EB5BD0C5361F}"/>
+              </a:ext>
+            </a:extLst>
+          </p:cNvPr>
+          <p:cNvSpPr txBox="1"/>
+          <p:nvPr/>
+        </p:nvSpPr>
+        <p:spPr>
+          <a:xfrm>
+            <a:off x="417094" y="2237872"/>
+            <a:ext cx="2695073" cy="1191128"/>
+          </a:xfrm>
+          <a:prstGeom prst="rect">
+            <a:avLst/>
+          </a:prstGeom>
+          <a:solidFill>
+            <a:schemeClr val="accent4">
+              <a:lumMod val="20000"/>
+              <a:lumOff val="80000"/>
+            </a:schemeClr>
+          </a:solidFill>
+        </p:spPr>
+        <p:txBody>
+          <a:bodyPr wrap="square" rtlCol="0">
+            <a:noAutofit/>
+          </a:bodyPr>
+          <a:lstStyle/>
+          <a:p>
+            <a:pPr marL="285750" indent="-285750">
+              <a:buFont typeface="Arial" panose="020B0604020202020204" pitchFamily="34" charset="0"/>
+              <a:buChar char="•"/>
+            </a:pPr>
+            <a:r>
+              <a:rPr lang="de-DE" sz="1400" dirty="0">
+                <a:solidFill>
+                  <a:schemeClr val="tx1">
+                    <a:lumMod val="85000"/>
+                    <a:lumOff val="15000"/>
+                  </a:schemeClr>
+                </a:solidFill>
+              </a:rPr>
+              <a:t>arc42 </a:t>
+            </a:r>
+            <a:r>
+              <a:rPr lang="de-DE" sz="1400" dirty="0" err="1">
+                <a:solidFill>
+                  <a:schemeClr val="tx1">
+                    <a:lumMod val="85000"/>
+                    <a:lumOff val="15000"/>
+                  </a:schemeClr>
+                </a:solidFill>
+              </a:rPr>
+              <a:t>comitters</a:t>
+            </a:r>
+            <a:endParaRPr lang="de-DE" sz="1400" dirty="0">
+              <a:solidFill>
+                <a:schemeClr val="tx1">
+                  <a:lumMod val="85000"/>
+                  <a:lumOff val="15000"/>
+                </a:schemeClr>
+              </a:solidFill>
+            </a:endParaRPr>
+          </a:p>
+          <a:p>
+            <a:pPr marL="285750" indent="-285750">
+              <a:buFont typeface="Arial" panose="020B0604020202020204" pitchFamily="34" charset="0"/>
+              <a:buChar char="•"/>
+            </a:pPr>
+            <a:r>
+              <a:rPr lang="de-DE" sz="1400" dirty="0" err="1">
+                <a:solidFill>
+                  <a:schemeClr val="tx1">
+                    <a:lumMod val="85000"/>
+                    <a:lumOff val="15000"/>
+                  </a:schemeClr>
+                </a:solidFill>
+              </a:rPr>
+              <a:t>users</a:t>
+            </a:r>
+            <a:r>
+              <a:rPr lang="de-DE" sz="1400" dirty="0">
+                <a:solidFill>
+                  <a:schemeClr val="tx1">
+                    <a:lumMod val="85000"/>
+                    <a:lumOff val="15000"/>
+                  </a:schemeClr>
+                </a:solidFill>
+              </a:rPr>
+              <a:t> </a:t>
+            </a:r>
+            <a:r>
+              <a:rPr lang="de-DE" sz="1400" dirty="0" err="1">
+                <a:solidFill>
+                  <a:schemeClr val="tx1">
+                    <a:lumMod val="85000"/>
+                    <a:lumOff val="15000"/>
+                  </a:schemeClr>
+                </a:solidFill>
+              </a:rPr>
+              <a:t>of</a:t>
+            </a:r>
+            <a:r>
+              <a:rPr lang="de-DE" sz="1400" dirty="0">
+                <a:solidFill>
+                  <a:schemeClr val="tx1">
+                    <a:lumMod val="85000"/>
+                    <a:lumOff val="15000"/>
+                  </a:schemeClr>
+                </a:solidFill>
+              </a:rPr>
+              <a:t> arc42 </a:t>
+            </a:r>
+            <a:r>
+              <a:rPr lang="de-DE" sz="1400" dirty="0" err="1">
+                <a:solidFill>
+                  <a:schemeClr val="tx1">
+                    <a:lumMod val="85000"/>
+                    <a:lumOff val="15000"/>
+                  </a:schemeClr>
+                </a:solidFill>
+              </a:rPr>
+              <a:t>website</a:t>
+            </a:r>
+            <a:r>
+              <a:rPr lang="de-DE" sz="1400" dirty="0">
+                <a:solidFill>
+                  <a:schemeClr val="tx1">
+                    <a:lumMod val="85000"/>
+                    <a:lumOff val="15000"/>
+                  </a:schemeClr>
+                </a:solidFill>
+              </a:rPr>
+              <a:t>(s)</a:t>
+            </a:r>
+          </a:p>
+          <a:p>
+            <a:pPr marL="285750" indent="-285750">
+              <a:buFont typeface="Arial" panose="020B0604020202020204" pitchFamily="34" charset="0"/>
+              <a:buChar char="•"/>
+            </a:pPr>
+            <a:r>
+              <a:rPr lang="de-DE" sz="1400" dirty="0">
+                <a:solidFill>
+                  <a:schemeClr val="tx1">
+                    <a:lumMod val="85000"/>
+                    <a:lumOff val="15000"/>
+                  </a:schemeClr>
+                </a:solidFill>
+              </a:rPr>
+              <a:t>web </a:t>
+            </a:r>
+            <a:r>
+              <a:rPr lang="de-DE" sz="1400" dirty="0" err="1">
+                <a:solidFill>
+                  <a:schemeClr val="tx1">
+                    <a:lumMod val="85000"/>
+                    <a:lumOff val="15000"/>
+                  </a:schemeClr>
+                </a:solidFill>
+              </a:rPr>
+              <a:t>developers</a:t>
+            </a:r>
+            <a:endParaRPr lang="de-DE" sz="1400" dirty="0">
+              <a:solidFill>
+                <a:schemeClr val="tx1">
+                  <a:lumMod val="85000"/>
+                  <a:lumOff val="15000"/>
+                </a:schemeClr>
+              </a:solidFill>
+            </a:endParaRPr>
+          </a:p>
+        </p:txBody>
+      </p:sp>
+      <p:sp>
+        <p:nvSpPr>
+          <p:cNvPr id="5" name="Textfeld 4">
+            <a:extLst>
+              <a:ext uri="{FF2B5EF4-FFF2-40B4-BE49-F238E27FC236}">
+                <a16:creationId xmlns:a16="http://schemas.microsoft.com/office/drawing/2014/main" id="{952AC5DD-972E-919C-3F19-50B6CABE32F4}"/>
+              </a:ext>
+            </a:extLst>
+          </p:cNvPr>
+          <p:cNvSpPr txBox="1"/>
+          <p:nvPr/>
+        </p:nvSpPr>
+        <p:spPr>
+          <a:xfrm>
+            <a:off x="3248527" y="1074819"/>
+            <a:ext cx="2695073" cy="1256831"/>
+          </a:xfrm>
+          <a:prstGeom prst="rect">
+            <a:avLst/>
+          </a:prstGeom>
+          <a:solidFill>
+            <a:schemeClr val="accent4">
+              <a:lumMod val="20000"/>
+              <a:lumOff val="80000"/>
+            </a:schemeClr>
+          </a:solidFill>
+        </p:spPr>
+        <p:txBody>
+          <a:bodyPr wrap="square" rtlCol="0">
+            <a:noAutofit/>
+          </a:bodyPr>
+          <a:lstStyle/>
+          <a:p>
+            <a:pPr marL="285750" indent="-285750">
+              <a:buFont typeface="Arial" panose="020B0604020202020204" pitchFamily="34" charset="0"/>
+              <a:buChar char="•"/>
+            </a:pPr>
+            <a:r>
+              <a:rPr lang="de-DE" sz="1400" dirty="0" err="1">
+                <a:solidFill>
+                  <a:schemeClr val="tx1">
+                    <a:lumMod val="85000"/>
+                    <a:lumOff val="15000"/>
+                  </a:schemeClr>
+                </a:solidFill>
+              </a:rPr>
+              <a:t>show</a:t>
+            </a:r>
+            <a:r>
+              <a:rPr lang="de-DE" sz="1400" dirty="0">
+                <a:solidFill>
+                  <a:schemeClr val="tx1">
+                    <a:lumMod val="85000"/>
+                    <a:lumOff val="15000"/>
+                  </a:schemeClr>
+                </a:solidFill>
+              </a:rPr>
+              <a:t> </a:t>
+            </a:r>
+            <a:r>
+              <a:rPr lang="de-DE" sz="1400" dirty="0" err="1">
+                <a:solidFill>
+                  <a:schemeClr val="tx1">
+                    <a:lumMod val="85000"/>
+                    <a:lumOff val="15000"/>
+                  </a:schemeClr>
+                </a:solidFill>
+              </a:rPr>
+              <a:t>detailed</a:t>
+            </a:r>
+            <a:r>
+              <a:rPr lang="de-DE" sz="1400" dirty="0">
+                <a:solidFill>
+                  <a:schemeClr val="tx1">
+                    <a:lumMod val="85000"/>
+                    <a:lumOff val="15000"/>
+                  </a:schemeClr>
+                </a:solidFill>
+              </a:rPr>
+              <a:t> </a:t>
+            </a:r>
+            <a:r>
+              <a:rPr lang="de-DE" sz="1400" dirty="0" err="1">
+                <a:solidFill>
+                  <a:schemeClr val="tx1">
+                    <a:lumMod val="85000"/>
+                    <a:lumOff val="15000"/>
+                  </a:schemeClr>
+                </a:solidFill>
+              </a:rPr>
+              <a:t>statistics</a:t>
+            </a:r>
+            <a:r>
+              <a:rPr lang="de-DE" sz="1400" dirty="0">
+                <a:solidFill>
+                  <a:schemeClr val="tx1">
+                    <a:lumMod val="85000"/>
+                    <a:lumOff val="15000"/>
+                  </a:schemeClr>
+                </a:solidFill>
+              </a:rPr>
+              <a:t> </a:t>
+            </a:r>
+            <a:r>
+              <a:rPr lang="de-DE" sz="1400" dirty="0" err="1">
+                <a:solidFill>
+                  <a:schemeClr val="tx1">
+                    <a:lumMod val="85000"/>
+                    <a:lumOff val="15000"/>
+                  </a:schemeClr>
+                </a:solidFill>
+              </a:rPr>
+              <a:t>for</a:t>
+            </a:r>
+            <a:r>
+              <a:rPr lang="de-DE" sz="1400" dirty="0">
+                <a:solidFill>
+                  <a:schemeClr val="tx1">
+                    <a:lumMod val="85000"/>
+                    <a:lumOff val="15000"/>
+                  </a:schemeClr>
+                </a:solidFill>
+              </a:rPr>
+              <a:t> all arc42 </a:t>
+            </a:r>
+            <a:r>
+              <a:rPr lang="de-DE" sz="1400" dirty="0" err="1">
+                <a:solidFill>
+                  <a:schemeClr val="tx1">
+                    <a:lumMod val="85000"/>
+                    <a:lumOff val="15000"/>
+                  </a:schemeClr>
+                </a:solidFill>
+              </a:rPr>
+              <a:t>websites</a:t>
+            </a:r>
+            <a:r>
+              <a:rPr lang="de-DE" sz="1400" dirty="0">
+                <a:solidFill>
+                  <a:schemeClr val="tx1">
+                    <a:lumMod val="85000"/>
+                    <a:lumOff val="15000"/>
+                  </a:schemeClr>
+                </a:solidFill>
+              </a:rPr>
+              <a:t>: Visitors, </a:t>
+            </a:r>
+            <a:r>
+              <a:rPr lang="de-DE" sz="1400" dirty="0" err="1">
+                <a:solidFill>
+                  <a:schemeClr val="tx1">
+                    <a:lumMod val="85000"/>
+                    <a:lumOff val="15000"/>
+                  </a:schemeClr>
+                </a:solidFill>
+              </a:rPr>
+              <a:t>pageviews</a:t>
+            </a:r>
+            <a:r>
+              <a:rPr lang="de-DE" sz="1400" dirty="0">
+                <a:solidFill>
+                  <a:schemeClr val="tx1">
+                    <a:lumMod val="85000"/>
+                    <a:lumOff val="15000"/>
+                  </a:schemeClr>
+                </a:solidFill>
+              </a:rPr>
+              <a:t> and </a:t>
+            </a:r>
+            <a:r>
+              <a:rPr lang="de-DE" sz="1400" dirty="0" err="1">
+                <a:solidFill>
+                  <a:schemeClr val="tx1">
+                    <a:lumMod val="85000"/>
+                    <a:lumOff val="15000"/>
+                  </a:schemeClr>
+                </a:solidFill>
+              </a:rPr>
+              <a:t>totals</a:t>
+            </a:r>
+            <a:endParaRPr lang="de-DE" sz="1400" dirty="0">
+              <a:solidFill>
+                <a:schemeClr val="tx1">
+                  <a:lumMod val="85000"/>
+                  <a:lumOff val="15000"/>
+                </a:schemeClr>
+              </a:solidFill>
+            </a:endParaRPr>
+          </a:p>
+          <a:p>
+            <a:pPr marL="285750" indent="-285750">
+              <a:buFont typeface="Arial" panose="020B0604020202020204" pitchFamily="34" charset="0"/>
+              <a:buChar char="•"/>
+            </a:pPr>
+            <a:r>
+              <a:rPr lang="de-DE" sz="1400" dirty="0" err="1">
+                <a:solidFill>
+                  <a:schemeClr val="tx1">
+                    <a:lumMod val="85000"/>
+                    <a:lumOff val="15000"/>
+                  </a:schemeClr>
+                </a:solidFill>
+              </a:rPr>
+              <a:t>show</a:t>
+            </a:r>
+            <a:r>
+              <a:rPr lang="de-DE" sz="1400" dirty="0">
+                <a:solidFill>
+                  <a:schemeClr val="tx1">
+                    <a:lumMod val="85000"/>
+                    <a:lumOff val="15000"/>
+                  </a:schemeClr>
+                </a:solidFill>
+              </a:rPr>
+              <a:t> </a:t>
+            </a:r>
+            <a:r>
+              <a:rPr lang="de-DE" sz="1400" dirty="0" err="1">
+                <a:solidFill>
+                  <a:schemeClr val="tx1">
+                    <a:lumMod val="85000"/>
+                    <a:lumOff val="15000"/>
+                  </a:schemeClr>
+                </a:solidFill>
+              </a:rPr>
+              <a:t>issues</a:t>
+            </a:r>
+            <a:r>
+              <a:rPr lang="de-DE" sz="1400" dirty="0">
+                <a:solidFill>
+                  <a:schemeClr val="tx1">
+                    <a:lumMod val="85000"/>
+                    <a:lumOff val="15000"/>
+                  </a:schemeClr>
+                </a:solidFill>
+              </a:rPr>
+              <a:t>/</a:t>
+            </a:r>
+            <a:r>
+              <a:rPr lang="de-DE" sz="1400" dirty="0" err="1">
+                <a:solidFill>
+                  <a:schemeClr val="tx1">
+                    <a:lumMod val="85000"/>
+                    <a:lumOff val="15000"/>
+                  </a:schemeClr>
+                </a:solidFill>
+              </a:rPr>
+              <a:t>bug</a:t>
+            </a:r>
+            <a:r>
+              <a:rPr lang="de-DE" sz="1400" dirty="0">
+                <a:solidFill>
+                  <a:schemeClr val="tx1">
+                    <a:lumMod val="85000"/>
+                    <a:lumOff val="15000"/>
+                  </a:schemeClr>
+                </a:solidFill>
+              </a:rPr>
+              <a:t> </a:t>
+            </a:r>
+            <a:r>
+              <a:rPr lang="de-DE" sz="1400" dirty="0" err="1">
+                <a:solidFill>
+                  <a:schemeClr val="tx1">
+                    <a:lumMod val="85000"/>
+                    <a:lumOff val="15000"/>
+                  </a:schemeClr>
+                </a:solidFill>
+              </a:rPr>
+              <a:t>counters</a:t>
+            </a:r>
+            <a:r>
+              <a:rPr lang="de-DE" sz="1400" dirty="0">
+                <a:solidFill>
+                  <a:schemeClr val="tx1">
+                    <a:lumMod val="85000"/>
+                    <a:lumOff val="15000"/>
+                  </a:schemeClr>
+                </a:solidFill>
+              </a:rPr>
+              <a:t> </a:t>
+            </a:r>
+          </a:p>
+        </p:txBody>
+      </p:sp>
+      <p:sp>
+        <p:nvSpPr>
+          <p:cNvPr id="6" name="Textfeld 5">
+            <a:extLst>
+              <a:ext uri="{FF2B5EF4-FFF2-40B4-BE49-F238E27FC236}">
+                <a16:creationId xmlns:a16="http://schemas.microsoft.com/office/drawing/2014/main" id="{E5B22B59-E844-AEC0-7CBC-E7E1BE260AE7}"/>
+              </a:ext>
+            </a:extLst>
+          </p:cNvPr>
+          <p:cNvSpPr txBox="1"/>
+          <p:nvPr/>
+        </p:nvSpPr>
+        <p:spPr>
+          <a:xfrm>
+            <a:off x="6200276" y="1074820"/>
+            <a:ext cx="2695073" cy="2354180"/>
+          </a:xfrm>
+          <a:prstGeom prst="rect">
+            <a:avLst/>
+          </a:prstGeom>
+          <a:solidFill>
+            <a:schemeClr val="accent4">
+              <a:lumMod val="20000"/>
+              <a:lumOff val="80000"/>
+            </a:schemeClr>
+          </a:solidFill>
+        </p:spPr>
+        <p:txBody>
+          <a:bodyPr wrap="square" rtlCol="0">
+            <a:noAutofit/>
+          </a:bodyPr>
+          <a:lstStyle/>
+          <a:p>
+            <a:pPr marL="285750" indent="-285750">
+              <a:buClr>
+                <a:schemeClr val="accent6"/>
+              </a:buClr>
+              <a:buFont typeface="Systemschrift Normal"/>
+              <a:buChar char="✚"/>
+            </a:pPr>
+            <a:r>
+              <a:rPr lang="de-DE" sz="1400" dirty="0" err="1">
+                <a:solidFill>
+                  <a:schemeClr val="tx1">
+                    <a:lumMod val="85000"/>
+                    <a:lumOff val="15000"/>
+                  </a:schemeClr>
+                </a:solidFill>
+              </a:rPr>
+              <a:t>static</a:t>
+            </a:r>
+            <a:r>
+              <a:rPr lang="de-DE" sz="1400" dirty="0">
+                <a:solidFill>
+                  <a:schemeClr val="tx1">
+                    <a:lumMod val="85000"/>
+                    <a:lumOff val="15000"/>
+                  </a:schemeClr>
+                </a:solidFill>
+              </a:rPr>
+              <a:t> </a:t>
+            </a:r>
+            <a:r>
+              <a:rPr lang="de-DE" sz="1400" dirty="0" err="1">
+                <a:solidFill>
+                  <a:schemeClr val="tx1">
+                    <a:lumMod val="85000"/>
+                    <a:lumOff val="15000"/>
+                  </a:schemeClr>
+                </a:solidFill>
+              </a:rPr>
+              <a:t>site</a:t>
+            </a:r>
+            <a:r>
+              <a:rPr lang="de-DE" sz="1400" dirty="0">
+                <a:solidFill>
+                  <a:schemeClr val="tx1">
+                    <a:lumMod val="85000"/>
+                    <a:lumOff val="15000"/>
+                  </a:schemeClr>
+                </a:solidFill>
+              </a:rPr>
+              <a:t> </a:t>
+            </a:r>
+            <a:r>
+              <a:rPr lang="de-DE" sz="1400" dirty="0" err="1">
+                <a:solidFill>
+                  <a:schemeClr val="tx1">
+                    <a:lumMod val="85000"/>
+                    <a:lumOff val="15000"/>
+                  </a:schemeClr>
+                </a:solidFill>
+              </a:rPr>
+              <a:t>generator</a:t>
+            </a:r>
+            <a:r>
+              <a:rPr lang="de-DE" sz="1400" dirty="0">
+                <a:solidFill>
+                  <a:schemeClr val="tx1">
+                    <a:lumMod val="85000"/>
+                    <a:lumOff val="15000"/>
+                  </a:schemeClr>
+                </a:solidFill>
+              </a:rPr>
+              <a:t> (Jekyll, </a:t>
+            </a:r>
+            <a:r>
+              <a:rPr lang="de-DE" sz="1400" dirty="0" err="1">
+                <a:solidFill>
+                  <a:schemeClr val="tx1">
+                    <a:lumMod val="85000"/>
+                    <a:lumOff val="15000"/>
+                  </a:schemeClr>
+                </a:solidFill>
+              </a:rPr>
+              <a:t>Github</a:t>
+            </a:r>
+            <a:r>
+              <a:rPr lang="de-DE" sz="1400" dirty="0">
+                <a:solidFill>
+                  <a:schemeClr val="tx1">
+                    <a:lumMod val="85000"/>
+                    <a:lumOff val="15000"/>
+                  </a:schemeClr>
+                </a:solidFill>
+              </a:rPr>
+              <a:t> </a:t>
+            </a:r>
+            <a:r>
+              <a:rPr lang="de-DE" sz="1400" dirty="0" err="1">
+                <a:solidFill>
+                  <a:schemeClr val="tx1">
+                    <a:lumMod val="85000"/>
+                    <a:lumOff val="15000"/>
+                  </a:schemeClr>
+                </a:solidFill>
+              </a:rPr>
+              <a:t>pages</a:t>
+            </a:r>
+            <a:r>
+              <a:rPr lang="de-DE" sz="1400" dirty="0">
+                <a:solidFill>
+                  <a:schemeClr val="tx1">
+                    <a:lumMod val="85000"/>
+                    <a:lumOff val="15000"/>
+                  </a:schemeClr>
+                </a:solidFill>
+              </a:rPr>
+              <a:t>) </a:t>
+            </a:r>
+            <a:r>
+              <a:rPr lang="de-DE" sz="1400" dirty="0" err="1">
+                <a:solidFill>
+                  <a:schemeClr val="tx1">
+                    <a:lumMod val="85000"/>
+                    <a:lumOff val="15000"/>
+                  </a:schemeClr>
+                </a:solidFill>
+              </a:rPr>
+              <a:t>for</a:t>
+            </a:r>
+            <a:r>
+              <a:rPr lang="de-DE" sz="1400" dirty="0">
+                <a:solidFill>
+                  <a:schemeClr val="tx1">
+                    <a:lumMod val="85000"/>
+                    <a:lumOff val="15000"/>
+                  </a:schemeClr>
+                </a:solidFill>
+              </a:rPr>
+              <a:t> </a:t>
+            </a:r>
+            <a:r>
+              <a:rPr lang="de-DE" sz="1400" dirty="0" err="1">
+                <a:solidFill>
+                  <a:schemeClr val="tx1">
+                    <a:lumMod val="85000"/>
+                    <a:lumOff val="15000"/>
+                  </a:schemeClr>
+                </a:solidFill>
+              </a:rPr>
+              <a:t>main</a:t>
+            </a:r>
+            <a:r>
+              <a:rPr lang="de-DE" sz="1400" dirty="0">
+                <a:solidFill>
+                  <a:schemeClr val="tx1">
+                    <a:lumMod val="85000"/>
+                    <a:lumOff val="15000"/>
+                  </a:schemeClr>
+                </a:solidFill>
+              </a:rPr>
+              <a:t> </a:t>
+            </a:r>
+            <a:r>
+              <a:rPr lang="de-DE" sz="1400" dirty="0" err="1">
+                <a:solidFill>
+                  <a:schemeClr val="tx1">
+                    <a:lumMod val="85000"/>
+                    <a:lumOff val="15000"/>
+                  </a:schemeClr>
+                </a:solidFill>
+              </a:rPr>
+              <a:t>site</a:t>
+            </a:r>
+            <a:endParaRPr lang="de-DE" sz="1400" dirty="0">
+              <a:solidFill>
+                <a:schemeClr val="tx1">
+                  <a:lumMod val="85000"/>
+                  <a:lumOff val="15000"/>
+                </a:schemeClr>
+              </a:solidFill>
+            </a:endParaRPr>
+          </a:p>
+          <a:p>
+            <a:pPr marL="285750" indent="-285750">
+              <a:buClr>
+                <a:schemeClr val="accent6"/>
+              </a:buClr>
+              <a:buFont typeface="Systemschrift Normal"/>
+              <a:buChar char="✚"/>
+            </a:pPr>
+            <a:r>
+              <a:rPr lang="de-DE" sz="1400" dirty="0" err="1">
+                <a:solidFill>
+                  <a:schemeClr val="tx1">
+                    <a:lumMod val="85000"/>
+                    <a:lumOff val="15000"/>
+                  </a:schemeClr>
+                </a:solidFill>
+              </a:rPr>
+              <a:t>use</a:t>
+            </a:r>
+            <a:r>
+              <a:rPr lang="de-DE" sz="1400" dirty="0">
+                <a:solidFill>
+                  <a:schemeClr val="tx1">
+                    <a:lumMod val="85000"/>
+                    <a:lumOff val="15000"/>
+                  </a:schemeClr>
+                </a:solidFill>
+              </a:rPr>
+              <a:t> https:// </a:t>
+            </a:r>
+            <a:r>
+              <a:rPr lang="de-DE" sz="1400" dirty="0" err="1">
+                <a:solidFill>
+                  <a:schemeClr val="tx1">
+                    <a:lumMod val="85000"/>
+                    <a:lumOff val="15000"/>
+                  </a:schemeClr>
+                </a:solidFill>
+              </a:rPr>
+              <a:t>plausible.io</a:t>
+            </a:r>
+            <a:r>
+              <a:rPr lang="de-DE" sz="1400" dirty="0">
+                <a:solidFill>
+                  <a:schemeClr val="tx1">
+                    <a:lumMod val="85000"/>
+                    <a:lumOff val="15000"/>
+                  </a:schemeClr>
+                </a:solidFill>
+              </a:rPr>
+              <a:t> </a:t>
+            </a:r>
+            <a:r>
+              <a:rPr lang="de-DE" sz="1400" dirty="0" err="1">
+                <a:solidFill>
+                  <a:schemeClr val="tx1">
+                    <a:lumMod val="85000"/>
+                    <a:lumOff val="15000"/>
+                  </a:schemeClr>
+                </a:solidFill>
+              </a:rPr>
+              <a:t>to</a:t>
+            </a:r>
+            <a:r>
+              <a:rPr lang="de-DE" sz="1400" dirty="0">
+                <a:solidFill>
+                  <a:schemeClr val="tx1">
+                    <a:lumMod val="85000"/>
+                    <a:lumOff val="15000"/>
+                  </a:schemeClr>
+                </a:solidFill>
+              </a:rPr>
+              <a:t> </a:t>
+            </a:r>
+            <a:r>
+              <a:rPr lang="de-DE" sz="1400" dirty="0" err="1">
+                <a:solidFill>
+                  <a:schemeClr val="tx1">
+                    <a:lumMod val="85000"/>
+                    <a:lumOff val="15000"/>
+                  </a:schemeClr>
+                </a:solidFill>
+              </a:rPr>
+              <a:t>collect</a:t>
+            </a:r>
+            <a:r>
+              <a:rPr lang="de-DE" sz="1400" dirty="0">
+                <a:solidFill>
+                  <a:schemeClr val="tx1">
+                    <a:lumMod val="85000"/>
+                    <a:lumOff val="15000"/>
+                  </a:schemeClr>
+                </a:solidFill>
+              </a:rPr>
+              <a:t> </a:t>
+            </a:r>
+            <a:r>
+              <a:rPr lang="de-DE" sz="1400" dirty="0" err="1">
+                <a:solidFill>
+                  <a:schemeClr val="tx1">
+                    <a:lumMod val="85000"/>
+                    <a:lumOff val="15000"/>
+                  </a:schemeClr>
+                </a:solidFill>
+              </a:rPr>
+              <a:t>usage</a:t>
+            </a:r>
+            <a:r>
+              <a:rPr lang="de-DE" sz="1400" dirty="0">
+                <a:solidFill>
+                  <a:schemeClr val="tx1">
+                    <a:lumMod val="85000"/>
+                    <a:lumOff val="15000"/>
+                  </a:schemeClr>
+                </a:solidFill>
+              </a:rPr>
+              <a:t> </a:t>
+            </a:r>
+            <a:r>
+              <a:rPr lang="de-DE" sz="1400" dirty="0" err="1">
+                <a:solidFill>
+                  <a:schemeClr val="tx1">
+                    <a:lumMod val="85000"/>
+                    <a:lumOff val="15000"/>
+                  </a:schemeClr>
+                </a:solidFill>
+              </a:rPr>
+              <a:t>data</a:t>
+            </a:r>
+            <a:endParaRPr lang="de-DE" sz="1400" dirty="0">
+              <a:solidFill>
+                <a:schemeClr val="tx1">
+                  <a:lumMod val="85000"/>
+                  <a:lumOff val="15000"/>
+                </a:schemeClr>
+              </a:solidFill>
+            </a:endParaRPr>
+          </a:p>
+          <a:p>
+            <a:pPr marL="285750" indent="-285750">
+              <a:buClr>
+                <a:schemeClr val="accent6"/>
+              </a:buClr>
+              <a:buFont typeface="Systemschrift Normal"/>
+              <a:buChar char="✚"/>
+            </a:pPr>
+            <a:r>
+              <a:rPr lang="de-DE" sz="1400" dirty="0" err="1">
+                <a:solidFill>
+                  <a:schemeClr val="tx1">
+                    <a:lumMod val="85000"/>
+                    <a:lumOff val="15000"/>
+                  </a:schemeClr>
+                </a:solidFill>
+              </a:rPr>
+              <a:t>use</a:t>
+            </a:r>
+            <a:r>
+              <a:rPr lang="de-DE" sz="1400" dirty="0">
+                <a:solidFill>
+                  <a:schemeClr val="tx1">
+                    <a:lumMod val="85000"/>
+                    <a:lumOff val="15000"/>
+                  </a:schemeClr>
+                </a:solidFill>
+              </a:rPr>
+              <a:t> </a:t>
+            </a:r>
+            <a:r>
+              <a:rPr lang="de-DE" sz="1400" dirty="0" err="1">
+                <a:solidFill>
+                  <a:schemeClr val="tx1">
+                    <a:lumMod val="85000"/>
+                    <a:lumOff val="15000"/>
+                  </a:schemeClr>
+                </a:solidFill>
+              </a:rPr>
+              <a:t>fly.io</a:t>
+            </a:r>
+            <a:r>
+              <a:rPr lang="de-DE" sz="1400" dirty="0">
+                <a:solidFill>
+                  <a:schemeClr val="tx1">
+                    <a:lumMod val="85000"/>
+                    <a:lumOff val="15000"/>
+                  </a:schemeClr>
+                </a:solidFill>
+              </a:rPr>
+              <a:t> </a:t>
+            </a:r>
+            <a:r>
+              <a:rPr lang="de-DE" sz="1400" dirty="0" err="1">
+                <a:solidFill>
+                  <a:schemeClr val="tx1">
+                    <a:lumMod val="85000"/>
+                    <a:lumOff val="15000"/>
+                  </a:schemeClr>
+                </a:solidFill>
+              </a:rPr>
+              <a:t>for</a:t>
+            </a:r>
+            <a:r>
+              <a:rPr lang="de-DE" sz="1400" dirty="0">
+                <a:solidFill>
+                  <a:schemeClr val="tx1">
+                    <a:lumMod val="85000"/>
+                    <a:lumOff val="15000"/>
+                  </a:schemeClr>
+                </a:solidFill>
+              </a:rPr>
+              <a:t> </a:t>
+            </a:r>
+            <a:r>
+              <a:rPr lang="de-DE" sz="1400" dirty="0" err="1">
+                <a:solidFill>
+                  <a:schemeClr val="tx1">
+                    <a:lumMod val="85000"/>
+                    <a:lumOff val="15000"/>
+                  </a:schemeClr>
+                </a:solidFill>
+              </a:rPr>
+              <a:t>deployment</a:t>
+            </a:r>
+            <a:endParaRPr lang="de-DE" sz="1400" dirty="0">
+              <a:solidFill>
+                <a:schemeClr val="tx1">
+                  <a:lumMod val="85000"/>
+                  <a:lumOff val="15000"/>
+                </a:schemeClr>
+              </a:solidFill>
+            </a:endParaRPr>
+          </a:p>
+          <a:p>
+            <a:pPr marL="285750" indent="-285750">
+              <a:buClr>
+                <a:schemeClr val="accent6"/>
+              </a:buClr>
+              <a:buFont typeface="Systemschrift Normal"/>
+              <a:buChar char="✚"/>
+            </a:pPr>
+            <a:r>
+              <a:rPr lang="de-DE" sz="1400" dirty="0" err="1">
+                <a:solidFill>
+                  <a:schemeClr val="tx1">
+                    <a:lumMod val="85000"/>
+                    <a:lumOff val="15000"/>
+                  </a:schemeClr>
+                </a:solidFill>
+              </a:rPr>
+              <a:t>use</a:t>
+            </a:r>
+            <a:r>
+              <a:rPr lang="de-DE" sz="1400" dirty="0">
+                <a:solidFill>
+                  <a:schemeClr val="tx1">
+                    <a:lumMod val="85000"/>
+                    <a:lumOff val="15000"/>
+                  </a:schemeClr>
+                </a:solidFill>
+              </a:rPr>
+              <a:t> </a:t>
+            </a:r>
+            <a:r>
+              <a:rPr lang="de-DE" sz="1400" dirty="0" err="1">
+                <a:solidFill>
+                  <a:schemeClr val="tx1">
+                    <a:lumMod val="85000"/>
+                    <a:lumOff val="15000"/>
+                  </a:schemeClr>
+                </a:solidFill>
+              </a:rPr>
+              <a:t>Golang</a:t>
+            </a:r>
+            <a:r>
+              <a:rPr lang="de-DE" sz="1400" dirty="0">
+                <a:solidFill>
+                  <a:schemeClr val="tx1">
+                    <a:lumMod val="85000"/>
+                    <a:lumOff val="15000"/>
+                  </a:schemeClr>
+                </a:solidFill>
+              </a:rPr>
+              <a:t> </a:t>
+            </a:r>
+            <a:r>
+              <a:rPr lang="de-DE" sz="1400" dirty="0" err="1">
+                <a:solidFill>
+                  <a:schemeClr val="tx1">
+                    <a:lumMod val="85000"/>
+                    <a:lumOff val="15000"/>
+                  </a:schemeClr>
+                </a:solidFill>
+              </a:rPr>
+              <a:t>to</a:t>
+            </a:r>
+            <a:r>
+              <a:rPr lang="de-DE" sz="1400" dirty="0">
+                <a:solidFill>
+                  <a:schemeClr val="tx1">
+                    <a:lumMod val="85000"/>
+                    <a:lumOff val="15000"/>
+                  </a:schemeClr>
+                </a:solidFill>
+              </a:rPr>
+              <a:t> </a:t>
+            </a:r>
+            <a:r>
+              <a:rPr lang="de-DE" sz="1400" dirty="0" err="1">
+                <a:solidFill>
+                  <a:schemeClr val="tx1">
+                    <a:lumMod val="85000"/>
+                    <a:lumOff val="15000"/>
+                  </a:schemeClr>
+                </a:solidFill>
+              </a:rPr>
+              <a:t>wrap</a:t>
+            </a:r>
+            <a:r>
+              <a:rPr lang="de-DE" sz="1400" dirty="0">
+                <a:solidFill>
+                  <a:schemeClr val="tx1">
+                    <a:lumMod val="85000"/>
+                    <a:lumOff val="15000"/>
+                  </a:schemeClr>
+                </a:solidFill>
+              </a:rPr>
+              <a:t> </a:t>
+            </a:r>
+            <a:r>
+              <a:rPr lang="de-DE" sz="1400" dirty="0" err="1">
+                <a:solidFill>
+                  <a:schemeClr val="tx1">
+                    <a:lumMod val="85000"/>
+                    <a:lumOff val="15000"/>
+                  </a:schemeClr>
+                </a:solidFill>
+              </a:rPr>
+              <a:t>statistics</a:t>
+            </a:r>
+            <a:r>
+              <a:rPr lang="de-DE" sz="1400" dirty="0">
+                <a:solidFill>
+                  <a:schemeClr val="tx1">
+                    <a:lumMod val="85000"/>
+                    <a:lumOff val="15000"/>
+                  </a:schemeClr>
+                </a:solidFill>
+              </a:rPr>
+              <a:t> </a:t>
+            </a:r>
+            <a:r>
+              <a:rPr lang="de-DE" sz="1400" dirty="0" err="1">
+                <a:solidFill>
+                  <a:schemeClr val="tx1">
+                    <a:lumMod val="85000"/>
+                    <a:lumOff val="15000"/>
+                  </a:schemeClr>
+                </a:solidFill>
+              </a:rPr>
+              <a:t>service</a:t>
+            </a:r>
+            <a:endParaRPr lang="de-DE" sz="1400" dirty="0">
+              <a:solidFill>
+                <a:schemeClr val="tx1">
+                  <a:lumMod val="85000"/>
+                  <a:lumOff val="15000"/>
+                </a:schemeClr>
+              </a:solidFill>
+            </a:endParaRPr>
+          </a:p>
+        </p:txBody>
+      </p:sp>
+      <p:sp>
+        <p:nvSpPr>
+          <p:cNvPr id="7" name="Textfeld 6">
+            <a:extLst>
+              <a:ext uri="{FF2B5EF4-FFF2-40B4-BE49-F238E27FC236}">
+                <a16:creationId xmlns:a16="http://schemas.microsoft.com/office/drawing/2014/main" id="{2446785F-EACF-53C3-73F7-9AE5159093B6}"/>
+              </a:ext>
+            </a:extLst>
+          </p:cNvPr>
+          <p:cNvSpPr txBox="1"/>
+          <p:nvPr/>
+        </p:nvSpPr>
+        <p:spPr>
+          <a:xfrm>
+            <a:off x="9103899" y="1074820"/>
+            <a:ext cx="2695073" cy="2354180"/>
+          </a:xfrm>
+          <a:prstGeom prst="rect">
+            <a:avLst/>
+          </a:prstGeom>
+          <a:solidFill>
+            <a:schemeClr val="accent4">
+              <a:lumMod val="20000"/>
+              <a:lumOff val="80000"/>
+            </a:schemeClr>
+          </a:solidFill>
+        </p:spPr>
+        <p:txBody>
+          <a:bodyPr wrap="square" rtlCol="0">
+            <a:noAutofit/>
+          </a:bodyPr>
+          <a:lstStyle/>
+          <a:p>
+            <a:pPr marL="285750" indent="-285750">
+              <a:buFont typeface="Arial" panose="020B0604020202020204" pitchFamily="34" charset="0"/>
+              <a:buChar char="•"/>
+            </a:pPr>
+            <a:r>
+              <a:rPr lang="de-DE" sz="1400" dirty="0" err="1">
+                <a:solidFill>
+                  <a:schemeClr val="tx1">
+                    <a:lumMod val="85000"/>
+                    <a:lumOff val="15000"/>
+                  </a:schemeClr>
+                </a:solidFill>
+              </a:rPr>
+              <a:t>Markdown</a:t>
+            </a:r>
+            <a:r>
+              <a:rPr lang="de-DE" sz="1400" dirty="0">
+                <a:solidFill>
+                  <a:schemeClr val="tx1">
+                    <a:lumMod val="85000"/>
+                    <a:lumOff val="15000"/>
+                  </a:schemeClr>
+                </a:solidFill>
+              </a:rPr>
+              <a:t> + </a:t>
+            </a:r>
+            <a:r>
+              <a:rPr lang="de-DE" sz="1400" dirty="0" err="1">
+                <a:solidFill>
+                  <a:schemeClr val="tx1">
+                    <a:lumMod val="85000"/>
+                    <a:lumOff val="15000"/>
+                  </a:schemeClr>
+                </a:solidFill>
+              </a:rPr>
+              <a:t>plain</a:t>
+            </a:r>
+            <a:r>
+              <a:rPr lang="de-DE" sz="1400" dirty="0">
+                <a:solidFill>
+                  <a:schemeClr val="tx1">
+                    <a:lumMod val="85000"/>
+                    <a:lumOff val="15000"/>
+                  </a:schemeClr>
+                </a:solidFill>
+              </a:rPr>
+              <a:t> HTML </a:t>
+            </a:r>
+          </a:p>
+          <a:p>
+            <a:pPr marL="285750" indent="-285750">
+              <a:buFont typeface="Arial" panose="020B0604020202020204" pitchFamily="34" charset="0"/>
+              <a:buChar char="•"/>
+            </a:pPr>
+            <a:r>
+              <a:rPr lang="de-DE" sz="1400" dirty="0" err="1">
+                <a:solidFill>
+                  <a:schemeClr val="tx1">
+                    <a:lumMod val="85000"/>
+                    <a:lumOff val="15000"/>
+                  </a:schemeClr>
+                </a:solidFill>
+              </a:rPr>
+              <a:t>Golang</a:t>
+            </a:r>
+            <a:r>
+              <a:rPr lang="de-DE" sz="1400" dirty="0">
+                <a:solidFill>
+                  <a:schemeClr val="tx1">
+                    <a:lumMod val="85000"/>
+                    <a:lumOff val="15000"/>
+                  </a:schemeClr>
+                </a:solidFill>
+              </a:rPr>
+              <a:t> </a:t>
+            </a:r>
+            <a:r>
+              <a:rPr lang="de-DE" sz="1400" dirty="0" err="1">
+                <a:solidFill>
+                  <a:schemeClr val="tx1">
+                    <a:lumMod val="85000"/>
+                    <a:lumOff val="15000"/>
+                  </a:schemeClr>
+                </a:solidFill>
+              </a:rPr>
+              <a:t>with</a:t>
+            </a:r>
+            <a:r>
+              <a:rPr lang="de-DE" sz="1400" dirty="0">
+                <a:solidFill>
+                  <a:schemeClr val="tx1">
+                    <a:lumMod val="85000"/>
+                    <a:lumOff val="15000"/>
+                  </a:schemeClr>
+                </a:solidFill>
+              </a:rPr>
+              <a:t> </a:t>
+            </a:r>
+            <a:r>
+              <a:rPr lang="de-DE" sz="1400" dirty="0" err="1">
+                <a:solidFill>
+                  <a:schemeClr val="tx1">
+                    <a:lumMod val="85000"/>
+                    <a:lumOff val="15000"/>
+                  </a:schemeClr>
+                </a:solidFill>
+              </a:rPr>
+              <a:t>packages</a:t>
+            </a:r>
+            <a:endParaRPr lang="de-DE" sz="1400" dirty="0">
+              <a:solidFill>
+                <a:schemeClr val="tx1">
+                  <a:lumMod val="85000"/>
+                  <a:lumOff val="15000"/>
+                </a:schemeClr>
+              </a:solidFill>
+            </a:endParaRPr>
+          </a:p>
+          <a:p>
+            <a:pPr marL="742950" lvl="1" indent="-285750">
+              <a:buFont typeface="Arial" panose="020B0604020202020204" pitchFamily="34" charset="0"/>
+              <a:buChar char="•"/>
+            </a:pPr>
+            <a:r>
+              <a:rPr lang="de-DE" sz="1400" dirty="0" err="1">
+                <a:solidFill>
+                  <a:schemeClr val="tx1">
+                    <a:lumMod val="85000"/>
+                    <a:lumOff val="15000"/>
+                  </a:schemeClr>
+                </a:solidFill>
+              </a:rPr>
+              <a:t>net</a:t>
+            </a:r>
+            <a:r>
+              <a:rPr lang="de-DE" sz="1400" dirty="0">
+                <a:solidFill>
+                  <a:schemeClr val="tx1">
+                    <a:lumMod val="85000"/>
+                    <a:lumOff val="15000"/>
+                  </a:schemeClr>
+                </a:solidFill>
+              </a:rPr>
+              <a:t>/http, http/</a:t>
+            </a:r>
+            <a:r>
+              <a:rPr lang="de-DE" sz="1400" dirty="0" err="1">
+                <a:solidFill>
+                  <a:schemeClr val="tx1">
+                    <a:lumMod val="85000"/>
+                    <a:lumOff val="15000"/>
+                  </a:schemeClr>
+                </a:solidFill>
+              </a:rPr>
+              <a:t>template</a:t>
+            </a:r>
+            <a:endParaRPr lang="de-DE" sz="1400" dirty="0">
+              <a:solidFill>
+                <a:schemeClr val="tx1">
+                  <a:lumMod val="85000"/>
+                  <a:lumOff val="15000"/>
+                </a:schemeClr>
+              </a:solidFill>
+            </a:endParaRPr>
+          </a:p>
+          <a:p>
+            <a:pPr marL="742950" lvl="1" indent="-285750">
+              <a:buFont typeface="Arial" panose="020B0604020202020204" pitchFamily="34" charset="0"/>
+              <a:buChar char="•"/>
+            </a:pPr>
+            <a:r>
+              <a:rPr lang="de-DE" sz="1400" dirty="0" err="1">
+                <a:solidFill>
+                  <a:schemeClr val="tx1">
+                    <a:lumMod val="85000"/>
+                    <a:lumOff val="15000"/>
+                  </a:schemeClr>
+                </a:solidFill>
+              </a:rPr>
+              <a:t>zerolog</a:t>
+            </a:r>
+            <a:r>
+              <a:rPr lang="de-DE" sz="1400" dirty="0">
+                <a:solidFill>
+                  <a:schemeClr val="tx1">
+                    <a:lumMod val="85000"/>
+                    <a:lumOff val="15000"/>
+                  </a:schemeClr>
+                </a:solidFill>
+              </a:rPr>
+              <a:t>	</a:t>
+            </a:r>
+          </a:p>
+          <a:p>
+            <a:pPr marL="285750" indent="-285750">
+              <a:buFont typeface="Arial" panose="020B0604020202020204" pitchFamily="34" charset="0"/>
+              <a:buChar char="•"/>
+            </a:pPr>
+            <a:endParaRPr lang="de-DE" sz="1400" dirty="0">
+              <a:solidFill>
+                <a:schemeClr val="tx1">
+                  <a:lumMod val="85000"/>
+                  <a:lumOff val="15000"/>
+                </a:schemeClr>
+              </a:solidFill>
+            </a:endParaRPr>
+          </a:p>
+          <a:p>
+            <a:pPr marL="285750" indent="-285750">
+              <a:buFont typeface="Arial" panose="020B0604020202020204" pitchFamily="34" charset="0"/>
+              <a:buChar char="•"/>
+            </a:pPr>
+            <a:r>
+              <a:rPr lang="de-DE" sz="1400" dirty="0" err="1">
+                <a:solidFill>
+                  <a:schemeClr val="tx1">
+                    <a:lumMod val="85000"/>
+                    <a:lumOff val="15000"/>
+                  </a:schemeClr>
+                </a:solidFill>
+              </a:rPr>
+              <a:t>htmx</a:t>
+            </a:r>
+            <a:r>
+              <a:rPr lang="de-DE" sz="1400" dirty="0">
+                <a:solidFill>
+                  <a:schemeClr val="tx1">
+                    <a:lumMod val="85000"/>
+                    <a:lumOff val="15000"/>
+                  </a:schemeClr>
+                </a:solidFill>
+              </a:rPr>
+              <a:t> </a:t>
+            </a:r>
+            <a:r>
+              <a:rPr lang="de-DE" sz="1400" dirty="0" err="1">
+                <a:solidFill>
+                  <a:schemeClr val="tx1">
+                    <a:lumMod val="85000"/>
+                    <a:lumOff val="15000"/>
+                  </a:schemeClr>
+                </a:solidFill>
+              </a:rPr>
+              <a:t>to</a:t>
+            </a:r>
+            <a:r>
+              <a:rPr lang="de-DE" sz="1400" dirty="0">
+                <a:solidFill>
+                  <a:schemeClr val="tx1">
+                    <a:lumMod val="85000"/>
+                    <a:lumOff val="15000"/>
+                  </a:schemeClr>
+                </a:solidFill>
+              </a:rPr>
+              <a:t> perform DOM </a:t>
+            </a:r>
+            <a:r>
+              <a:rPr lang="de-DE" sz="1400" dirty="0" err="1">
+                <a:solidFill>
+                  <a:schemeClr val="tx1">
+                    <a:lumMod val="85000"/>
+                    <a:lumOff val="15000"/>
+                  </a:schemeClr>
+                </a:solidFill>
+              </a:rPr>
+              <a:t>manipulation</a:t>
+            </a:r>
+            <a:r>
+              <a:rPr lang="de-DE" sz="1400" dirty="0">
+                <a:solidFill>
+                  <a:schemeClr val="tx1">
+                    <a:lumMod val="85000"/>
+                    <a:lumOff val="15000"/>
+                  </a:schemeClr>
+                </a:solidFill>
+              </a:rPr>
+              <a:t> at </a:t>
+            </a:r>
+            <a:r>
+              <a:rPr lang="de-DE" sz="1400" dirty="0" err="1">
+                <a:solidFill>
+                  <a:schemeClr val="tx1">
+                    <a:lumMod val="85000"/>
+                    <a:lumOff val="15000"/>
+                  </a:schemeClr>
+                </a:solidFill>
+              </a:rPr>
+              <a:t>runtime</a:t>
+            </a:r>
+            <a:endParaRPr lang="de-DE" sz="1400" dirty="0">
+              <a:solidFill>
+                <a:schemeClr val="tx1">
+                  <a:lumMod val="85000"/>
+                  <a:lumOff val="15000"/>
+                </a:schemeClr>
+              </a:solidFill>
+            </a:endParaRPr>
+          </a:p>
+          <a:p>
+            <a:pPr marL="285750" indent="-285750">
+              <a:buFont typeface="Arial" panose="020B0604020202020204" pitchFamily="34" charset="0"/>
+              <a:buChar char="•"/>
+            </a:pPr>
+            <a:endParaRPr lang="de-DE" sz="1400" dirty="0">
+              <a:solidFill>
+                <a:schemeClr val="tx1">
+                  <a:lumMod val="85000"/>
+                  <a:lumOff val="15000"/>
+                </a:schemeClr>
+              </a:solidFill>
+            </a:endParaRPr>
+          </a:p>
+          <a:p>
+            <a:pPr marL="285750" indent="-285750">
+              <a:buFont typeface="Arial" panose="020B0604020202020204" pitchFamily="34" charset="0"/>
+              <a:buChar char="•"/>
+            </a:pPr>
+            <a:r>
+              <a:rPr lang="de-DE" sz="1400" dirty="0" err="1">
+                <a:solidFill>
+                  <a:schemeClr val="tx1">
+                    <a:lumMod val="85000"/>
+                    <a:lumOff val="15000"/>
+                  </a:schemeClr>
+                </a:solidFill>
+              </a:rPr>
+              <a:t>fly.io</a:t>
+            </a:r>
+            <a:r>
+              <a:rPr lang="de-DE" sz="1400" dirty="0">
+                <a:solidFill>
+                  <a:schemeClr val="tx1">
+                    <a:lumMod val="85000"/>
+                    <a:lumOff val="15000"/>
+                  </a:schemeClr>
+                </a:solidFill>
+              </a:rPr>
+              <a:t> </a:t>
+            </a:r>
+            <a:r>
+              <a:rPr lang="de-DE" sz="1400" dirty="0" err="1">
+                <a:solidFill>
+                  <a:schemeClr val="tx1">
+                    <a:lumMod val="85000"/>
+                    <a:lumOff val="15000"/>
+                  </a:schemeClr>
+                </a:solidFill>
+              </a:rPr>
+              <a:t>for</a:t>
+            </a:r>
+            <a:r>
+              <a:rPr lang="de-DE" sz="1400" dirty="0">
+                <a:solidFill>
+                  <a:schemeClr val="tx1">
+                    <a:lumMod val="85000"/>
+                    <a:lumOff val="15000"/>
+                  </a:schemeClr>
+                </a:solidFill>
+              </a:rPr>
+              <a:t> </a:t>
+            </a:r>
+            <a:r>
+              <a:rPr lang="de-DE" sz="1400" dirty="0" err="1">
+                <a:solidFill>
+                  <a:schemeClr val="tx1">
+                    <a:lumMod val="85000"/>
+                    <a:lumOff val="15000"/>
+                  </a:schemeClr>
+                </a:solidFill>
+              </a:rPr>
+              <a:t>deployment</a:t>
+            </a:r>
+            <a:endParaRPr lang="de-DE" sz="1400" dirty="0">
+              <a:solidFill>
+                <a:schemeClr val="tx1">
+                  <a:lumMod val="85000"/>
+                  <a:lumOff val="15000"/>
+                </a:schemeClr>
+              </a:solidFill>
+            </a:endParaRPr>
+          </a:p>
+        </p:txBody>
+      </p:sp>
+      <p:sp>
+        <p:nvSpPr>
+          <p:cNvPr id="8" name="Textfeld 7">
+            <a:extLst>
+              <a:ext uri="{FF2B5EF4-FFF2-40B4-BE49-F238E27FC236}">
+                <a16:creationId xmlns:a16="http://schemas.microsoft.com/office/drawing/2014/main" id="{ACCB1BE3-DD3B-D5DD-6F1B-8C58A28112C9}"/>
+              </a:ext>
+            </a:extLst>
+          </p:cNvPr>
+          <p:cNvSpPr txBox="1"/>
+          <p:nvPr/>
+        </p:nvSpPr>
+        <p:spPr>
+          <a:xfrm>
+            <a:off x="3248527" y="2733260"/>
+            <a:ext cx="2695073" cy="747742"/>
+          </a:xfrm>
+          <a:prstGeom prst="rect">
+            <a:avLst/>
+          </a:prstGeom>
+          <a:solidFill>
+            <a:schemeClr val="accent4">
+              <a:lumMod val="20000"/>
+              <a:lumOff val="80000"/>
+            </a:schemeClr>
+          </a:solidFill>
+        </p:spPr>
+        <p:txBody>
+          <a:bodyPr wrap="square" rtlCol="0">
+            <a:noAutofit/>
+          </a:bodyPr>
+          <a:lstStyle/>
+          <a:p>
+            <a:pPr marL="285750" indent="-285750">
+              <a:buFont typeface="Arial" panose="020B0604020202020204" pitchFamily="34" charset="0"/>
+              <a:buChar char="•"/>
+            </a:pPr>
+            <a:r>
+              <a:rPr lang="de-DE" sz="1400" dirty="0" err="1">
+                <a:solidFill>
+                  <a:schemeClr val="tx1">
+                    <a:lumMod val="85000"/>
+                    <a:lumOff val="15000"/>
+                  </a:schemeClr>
+                </a:solidFill>
+              </a:rPr>
+              <a:t>accurate</a:t>
+            </a:r>
+            <a:r>
+              <a:rPr lang="de-DE" sz="1400" dirty="0">
+                <a:solidFill>
+                  <a:schemeClr val="tx1">
+                    <a:lumMod val="85000"/>
+                    <a:lumOff val="15000"/>
+                  </a:schemeClr>
+                </a:solidFill>
+              </a:rPr>
+              <a:t> </a:t>
+            </a:r>
+            <a:r>
+              <a:rPr lang="de-DE" sz="1400" dirty="0" err="1">
+                <a:solidFill>
+                  <a:schemeClr val="tx1">
+                    <a:lumMod val="85000"/>
+                    <a:lumOff val="15000"/>
+                  </a:schemeClr>
+                </a:solidFill>
+              </a:rPr>
+              <a:t>results</a:t>
+            </a:r>
+            <a:endParaRPr lang="de-DE" sz="1400" dirty="0">
+              <a:solidFill>
+                <a:schemeClr val="tx1">
+                  <a:lumMod val="85000"/>
+                  <a:lumOff val="15000"/>
+                </a:schemeClr>
+              </a:solidFill>
+            </a:endParaRPr>
+          </a:p>
+          <a:p>
+            <a:pPr marL="285750" indent="-285750">
+              <a:buFont typeface="Arial" panose="020B0604020202020204" pitchFamily="34" charset="0"/>
+              <a:buChar char="•"/>
+            </a:pPr>
+            <a:r>
+              <a:rPr lang="de-DE" sz="1400" dirty="0">
+                <a:solidFill>
+                  <a:schemeClr val="tx1">
+                    <a:lumMod val="85000"/>
+                    <a:lumOff val="15000"/>
+                  </a:schemeClr>
+                </a:solidFill>
+              </a:rPr>
+              <a:t>simple </a:t>
+            </a:r>
+            <a:r>
+              <a:rPr lang="de-DE" sz="1400" dirty="0" err="1">
+                <a:solidFill>
+                  <a:schemeClr val="tx1">
+                    <a:lumMod val="85000"/>
+                    <a:lumOff val="15000"/>
+                  </a:schemeClr>
+                </a:solidFill>
+              </a:rPr>
+              <a:t>visualization</a:t>
+            </a:r>
+            <a:endParaRPr lang="de-DE" sz="1400" dirty="0">
+              <a:solidFill>
+                <a:schemeClr val="tx1">
+                  <a:lumMod val="85000"/>
+                  <a:lumOff val="15000"/>
+                </a:schemeClr>
+              </a:solidFill>
+            </a:endParaRPr>
+          </a:p>
+          <a:p>
+            <a:pPr marL="285750" indent="-285750">
+              <a:buFont typeface="Arial" panose="020B0604020202020204" pitchFamily="34" charset="0"/>
+              <a:buChar char="•"/>
+            </a:pPr>
+            <a:r>
+              <a:rPr lang="de-DE" sz="1400" dirty="0">
+                <a:solidFill>
+                  <a:schemeClr val="tx1">
+                    <a:lumMod val="85000"/>
+                    <a:lumOff val="15000"/>
+                  </a:schemeClr>
+                </a:solidFill>
+              </a:rPr>
+              <a:t>all relevant </a:t>
+            </a:r>
+            <a:r>
+              <a:rPr lang="de-DE" sz="1400" dirty="0" err="1">
+                <a:solidFill>
+                  <a:schemeClr val="tx1">
+                    <a:lumMod val="85000"/>
+                    <a:lumOff val="15000"/>
+                  </a:schemeClr>
+                </a:solidFill>
+              </a:rPr>
+              <a:t>data</a:t>
+            </a:r>
+            <a:r>
+              <a:rPr lang="de-DE" sz="1400" dirty="0">
+                <a:solidFill>
+                  <a:schemeClr val="tx1">
+                    <a:lumMod val="85000"/>
+                    <a:lumOff val="15000"/>
+                  </a:schemeClr>
+                </a:solidFill>
+              </a:rPr>
+              <a:t> at a </a:t>
+            </a:r>
+            <a:r>
+              <a:rPr lang="de-DE" sz="1400" dirty="0" err="1">
+                <a:solidFill>
+                  <a:schemeClr val="tx1">
+                    <a:lumMod val="85000"/>
+                    <a:lumOff val="15000"/>
+                  </a:schemeClr>
+                </a:solidFill>
+              </a:rPr>
+              <a:t>glance</a:t>
+            </a:r>
+            <a:endParaRPr lang="de-DE" sz="1400" dirty="0">
+              <a:solidFill>
+                <a:schemeClr val="tx1">
+                  <a:lumMod val="85000"/>
+                  <a:lumOff val="15000"/>
+                </a:schemeClr>
+              </a:solidFill>
+            </a:endParaRPr>
+          </a:p>
+        </p:txBody>
+      </p:sp>
+      <p:sp>
+        <p:nvSpPr>
+          <p:cNvPr id="11" name="Textfeld 10">
+            <a:extLst>
+              <a:ext uri="{FF2B5EF4-FFF2-40B4-BE49-F238E27FC236}">
+                <a16:creationId xmlns:a16="http://schemas.microsoft.com/office/drawing/2014/main" id="{36EF7B41-29A2-8131-5D4A-B82D560F2D56}"/>
+              </a:ext>
+            </a:extLst>
+          </p:cNvPr>
+          <p:cNvSpPr txBox="1"/>
+          <p:nvPr/>
+        </p:nvSpPr>
+        <p:spPr>
+          <a:xfrm>
+            <a:off x="485273" y="5560017"/>
+            <a:ext cx="5278919" cy="695739"/>
+          </a:xfrm>
+          <a:prstGeom prst="rect">
+            <a:avLst/>
+          </a:prstGeom>
+          <a:solidFill>
+            <a:schemeClr val="accent4">
+              <a:lumMod val="20000"/>
+              <a:lumOff val="80000"/>
+            </a:schemeClr>
+          </a:solidFill>
+        </p:spPr>
+        <p:txBody>
+          <a:bodyPr wrap="square" rtlCol="0">
+            <a:noAutofit/>
+          </a:bodyPr>
+          <a:lstStyle/>
+          <a:p>
+            <a:r>
+              <a:rPr lang="de-DE" sz="1400" dirty="0">
+                <a:solidFill>
+                  <a:schemeClr val="tx1">
+                    <a:lumMod val="85000"/>
+                    <a:lumOff val="15000"/>
+                  </a:schemeClr>
+                </a:solidFill>
+              </a:rPr>
+              <a:t> </a:t>
+            </a:r>
+            <a:r>
+              <a:rPr lang="de-DE" sz="1400" dirty="0" err="1">
+                <a:solidFill>
+                  <a:schemeClr val="tx1">
+                    <a:lumMod val="85000"/>
+                    <a:lumOff val="15000"/>
+                  </a:schemeClr>
+                </a:solidFill>
+              </a:rPr>
+              <a:t>unknown</a:t>
+            </a:r>
+            <a:r>
+              <a:rPr lang="de-DE" sz="1400" dirty="0">
+                <a:solidFill>
+                  <a:schemeClr val="tx1">
+                    <a:lumMod val="85000"/>
+                    <a:lumOff val="15000"/>
+                  </a:schemeClr>
+                </a:solidFill>
+              </a:rPr>
+              <a:t> </a:t>
+            </a:r>
+            <a:r>
+              <a:rPr lang="de-DE" sz="1400" dirty="0" err="1">
+                <a:solidFill>
+                  <a:schemeClr val="tx1">
+                    <a:lumMod val="85000"/>
+                    <a:lumOff val="15000"/>
+                  </a:schemeClr>
+                </a:solidFill>
+              </a:rPr>
+              <a:t>user</a:t>
+            </a:r>
+            <a:r>
+              <a:rPr lang="de-DE" sz="1400" dirty="0">
+                <a:solidFill>
+                  <a:schemeClr val="tx1">
+                    <a:lumMod val="85000"/>
+                    <a:lumOff val="15000"/>
+                  </a:schemeClr>
+                </a:solidFill>
+              </a:rPr>
+              <a:t> </a:t>
+            </a:r>
+            <a:r>
+              <a:rPr lang="de-DE" sz="1400" dirty="0" err="1">
+                <a:solidFill>
+                  <a:schemeClr val="tx1">
+                    <a:lumMod val="85000"/>
+                    <a:lumOff val="15000"/>
+                  </a:schemeClr>
+                </a:solidFill>
+              </a:rPr>
+              <a:t>expectation</a:t>
+            </a:r>
+            <a:endParaRPr lang="de-DE" sz="1400" dirty="0">
+              <a:solidFill>
+                <a:schemeClr val="tx1">
+                  <a:lumMod val="85000"/>
+                  <a:lumOff val="15000"/>
+                </a:schemeClr>
+              </a:solidFill>
+            </a:endParaRPr>
+          </a:p>
+        </p:txBody>
+      </p:sp>
+      <p:sp>
+        <p:nvSpPr>
+          <p:cNvPr id="13" name="Textfeld 12">
+            <a:extLst>
+              <a:ext uri="{FF2B5EF4-FFF2-40B4-BE49-F238E27FC236}">
+                <a16:creationId xmlns:a16="http://schemas.microsoft.com/office/drawing/2014/main" id="{2888286A-1341-D222-C177-D531261DB175}"/>
+              </a:ext>
+            </a:extLst>
+          </p:cNvPr>
+          <p:cNvSpPr txBox="1"/>
+          <p:nvPr/>
+        </p:nvSpPr>
+        <p:spPr>
+          <a:xfrm>
+            <a:off x="6607790" y="294017"/>
+            <a:ext cx="2403863" cy="369332"/>
+          </a:xfrm>
+          <a:prstGeom prst="rect">
+            <a:avLst/>
+          </a:prstGeom>
+          <a:noFill/>
+        </p:spPr>
+        <p:txBody>
+          <a:bodyPr wrap="none" rtlCol="0">
+            <a:spAutoFit/>
+          </a:bodyPr>
+          <a:lstStyle/>
+          <a:p>
+            <a:r>
+              <a:rPr lang="de-DE" dirty="0"/>
+              <a:t>https://status.arc42.org</a:t>
+            </a:r>
+          </a:p>
+        </p:txBody>
+      </p:sp>
+      <p:sp>
+        <p:nvSpPr>
+          <p:cNvPr id="14" name="Textfeld 13">
+            <a:extLst>
+              <a:ext uri="{FF2B5EF4-FFF2-40B4-BE49-F238E27FC236}">
+                <a16:creationId xmlns:a16="http://schemas.microsoft.com/office/drawing/2014/main" id="{803124E7-372E-3A91-FF73-773BD58BCAF9}"/>
+              </a:ext>
+            </a:extLst>
+          </p:cNvPr>
+          <p:cNvSpPr txBox="1"/>
+          <p:nvPr/>
+        </p:nvSpPr>
+        <p:spPr>
+          <a:xfrm>
+            <a:off x="10854328" y="281372"/>
+            <a:ext cx="1118511" cy="369332"/>
+          </a:xfrm>
+          <a:prstGeom prst="rect">
+            <a:avLst/>
+          </a:prstGeom>
+          <a:noFill/>
+        </p:spPr>
+        <p:txBody>
+          <a:bodyPr wrap="none" rtlCol="0">
+            <a:spAutoFit/>
+          </a:bodyPr>
+          <a:lstStyle/>
+          <a:p>
+            <a:r>
+              <a:rPr lang="de-DE" dirty="0"/>
+              <a:t>Nov. 2023</a:t>
+            </a:r>
+          </a:p>
+        </p:txBody>
+      </p:sp>
+      <p:sp>
+        <p:nvSpPr>
+          <p:cNvPr id="15" name="Textfeld 14">
+            <a:extLst>
+              <a:ext uri="{FF2B5EF4-FFF2-40B4-BE49-F238E27FC236}">
+                <a16:creationId xmlns:a16="http://schemas.microsoft.com/office/drawing/2014/main" id="{9C09CFFB-972C-296F-11EE-70C8BC4C90B2}"/>
+              </a:ext>
+            </a:extLst>
+          </p:cNvPr>
+          <p:cNvSpPr txBox="1"/>
+          <p:nvPr/>
+        </p:nvSpPr>
+        <p:spPr>
+          <a:xfrm>
+            <a:off x="6200276" y="2735044"/>
+            <a:ext cx="2695072" cy="523220"/>
+          </a:xfrm>
+          <a:prstGeom prst="rect">
+            <a:avLst/>
+          </a:prstGeom>
+          <a:noFill/>
+        </p:spPr>
+        <p:txBody>
+          <a:bodyPr wrap="square" rtlCol="0">
+            <a:spAutoFit/>
+          </a:bodyPr>
+          <a:lstStyle/>
+          <a:p>
+            <a:pPr marL="285750" indent="-285750">
+              <a:buClr>
+                <a:srgbClr val="C00000"/>
+              </a:buClr>
+              <a:buSzPct val="120000"/>
+              <a:buFont typeface="Systemschrift Normal"/>
+              <a:buChar char="−"/>
+            </a:pPr>
+            <a:r>
+              <a:rPr lang="de-DE" sz="1400" dirty="0"/>
+              <a:t>just ONE slow </a:t>
+            </a:r>
+            <a:r>
+              <a:rPr lang="de-DE" sz="1400" dirty="0" err="1"/>
+              <a:t>request</a:t>
+            </a:r>
+            <a:r>
+              <a:rPr lang="de-DE" sz="1400" dirty="0"/>
+              <a:t> </a:t>
+            </a:r>
+            <a:r>
+              <a:rPr lang="de-DE" sz="1400" dirty="0" err="1"/>
+              <a:t>to</a:t>
+            </a:r>
+            <a:r>
+              <a:rPr lang="de-DE" sz="1400" dirty="0"/>
+              <a:t> </a:t>
+            </a:r>
+            <a:r>
+              <a:rPr lang="de-DE" sz="1400" dirty="0" err="1"/>
+              <a:t>create</a:t>
+            </a:r>
+            <a:r>
+              <a:rPr lang="de-DE" sz="1400" dirty="0"/>
+              <a:t> HTML </a:t>
+            </a:r>
+            <a:r>
+              <a:rPr lang="de-DE" sz="1400" dirty="0" err="1"/>
+              <a:t>table</a:t>
+            </a:r>
+            <a:r>
+              <a:rPr lang="de-DE" sz="1400" dirty="0"/>
+              <a:t> (&gt;3500ms) </a:t>
+            </a:r>
+          </a:p>
+        </p:txBody>
+      </p:sp>
+      <p:sp>
+        <p:nvSpPr>
+          <p:cNvPr id="2" name="Textfeld 1">
+            <a:extLst>
+              <a:ext uri="{FF2B5EF4-FFF2-40B4-BE49-F238E27FC236}">
+                <a16:creationId xmlns:a16="http://schemas.microsoft.com/office/drawing/2014/main" id="{5A145750-25CD-0FDC-BB62-7688E58ED681}"/>
+              </a:ext>
+            </a:extLst>
+          </p:cNvPr>
+          <p:cNvSpPr txBox="1"/>
+          <p:nvPr/>
+        </p:nvSpPr>
+        <p:spPr>
+          <a:xfrm>
+            <a:off x="1434790" y="3776546"/>
+            <a:ext cx="184731" cy="369332"/>
+          </a:xfrm>
+          <a:prstGeom prst="rect">
+            <a:avLst/>
+          </a:prstGeom>
+          <a:noFill/>
+        </p:spPr>
+        <p:txBody>
+          <a:bodyPr wrap="none" rtlCol="0">
+            <a:spAutoFit/>
+          </a:bodyPr>
+          <a:lstStyle/>
+          <a:p>
+            <a:endParaRPr lang="de-DE" dirty="0"/>
+          </a:p>
+        </p:txBody>
+      </p:sp>
+      <p:pic>
+        <p:nvPicPr>
+          <p:cNvPr id="18" name="Grafik 17">
+            <a:extLst>
+              <a:ext uri="{FF2B5EF4-FFF2-40B4-BE49-F238E27FC236}">
+                <a16:creationId xmlns:a16="http://schemas.microsoft.com/office/drawing/2014/main" id="{2D833687-ACCE-6CA6-4CA4-AB3F5F17B81E}"/>
+              </a:ext>
+            </a:extLst>
+          </p:cNvPr>
+          <p:cNvPicPr>
+            <a:picLocks noChangeAspect="1"/>
+          </p:cNvPicPr>
+          <p:nvPr/>
+        </p:nvPicPr>
+        <p:blipFill rotWithShape="1">
+          <a:blip r:embed="rId4"/>
+          <a:srcRect r="22010"/>
+          <a:stretch/>
+        </p:blipFill>
+        <p:spPr>
+          <a:xfrm>
+            <a:off x="2031576" y="3700326"/>
+            <a:ext cx="2997375" cy="1451125"/>
+          </a:xfrm>
+          <a:prstGeom prst="rect">
+            <a:avLst/>
+          </a:prstGeom>
+        </p:spPr>
+      </p:pic>
+      <p:sp>
+        <p:nvSpPr>
+          <p:cNvPr id="12" name="Textfeld 11">
+            <a:extLst>
+              <a:ext uri="{FF2B5EF4-FFF2-40B4-BE49-F238E27FC236}">
+                <a16:creationId xmlns:a16="http://schemas.microsoft.com/office/drawing/2014/main" id="{57004A93-A090-B363-FE52-BDD11B3D98F8}"/>
+              </a:ext>
+            </a:extLst>
+          </p:cNvPr>
+          <p:cNvSpPr txBox="1"/>
+          <p:nvPr/>
+        </p:nvSpPr>
+        <p:spPr>
+          <a:xfrm>
+            <a:off x="6129110" y="3605794"/>
+            <a:ext cx="2405744" cy="307777"/>
+          </a:xfrm>
+          <a:prstGeom prst="rect">
+            <a:avLst/>
+          </a:prstGeom>
+          <a:solidFill>
+            <a:schemeClr val="bg1"/>
+          </a:solidFill>
+        </p:spPr>
+        <p:txBody>
+          <a:bodyPr wrap="square" rtlCol="0">
+            <a:spAutoFit/>
+          </a:bodyPr>
+          <a:lstStyle/>
+          <a:p>
+            <a:r>
+              <a:rPr lang="en-US" sz="1400" dirty="0">
+                <a:solidFill>
+                  <a:schemeClr val="accent1">
+                    <a:lumMod val="75000"/>
+                  </a:schemeClr>
+                </a:solidFill>
+              </a:rPr>
+              <a:t>Components / Modules</a:t>
+            </a:r>
+          </a:p>
+        </p:txBody>
+      </p:sp>
+      <p:pic>
+        <p:nvPicPr>
+          <p:cNvPr id="16" name="Picture 14">
+            <a:extLst>
+              <a:ext uri="{FF2B5EF4-FFF2-40B4-BE49-F238E27FC236}">
+                <a16:creationId xmlns:a16="http://schemas.microsoft.com/office/drawing/2014/main" id="{469321EE-CB2A-70A0-D849-59A27AB5E2B8}"/>
+              </a:ext>
+            </a:extLst>
+          </p:cNvPr>
+          <p:cNvPicPr>
+            <a:picLocks noChangeAspect="1" noChangeArrowheads="1"/>
+          </p:cNvPicPr>
+          <p:nvPr/>
+        </p:nvPicPr>
+        <p:blipFill>
+          <a:blip r:embed="rId5">
+            <a:duotone>
+              <a:schemeClr val="accent1">
+                <a:shade val="45000"/>
+                <a:satMod val="135000"/>
+              </a:schemeClr>
+              <a:prstClr val="white"/>
+            </a:duotone>
+            <a:extLst>
+              <a:ext uri="{28A0092B-C50C-407E-A947-70E740481C1C}">
+                <a14:useLocalDpi xmlns:a14="http://schemas.microsoft.com/office/drawing/2010/main" val="0"/>
+              </a:ext>
+            </a:extLst>
+          </a:blip>
+          <a:srcRect/>
+          <a:stretch>
+            <a:fillRect/>
+          </a:stretch>
+        </p:blipFill>
+        <p:spPr bwMode="auto">
+          <a:xfrm>
+            <a:off x="11500506" y="3614166"/>
+            <a:ext cx="294729" cy="294729"/>
+          </a:xfrm>
+          <a:prstGeom prst="rect">
+            <a:avLst/>
+          </a:prstGeom>
+          <a:noFill/>
+          <a:extLst>
+            <a:ext uri="{909E8E84-426E-40DD-AFC4-6F175D3DCCD1}">
+              <a14:hiddenFill xmlns:a14="http://schemas.microsoft.com/office/drawing/2010/main">
+                <a:solidFill>
+                  <a:srgbClr val="FFFFFF"/>
+                </a:solidFill>
+              </a14:hiddenFill>
+            </a:ext>
+          </a:extLst>
+        </p:spPr>
+      </p:pic>
+      <p:sp>
+        <p:nvSpPr>
+          <p:cNvPr id="9" name="Textfeld 8">
+            <a:extLst>
+              <a:ext uri="{FF2B5EF4-FFF2-40B4-BE49-F238E27FC236}">
+                <a16:creationId xmlns:a16="http://schemas.microsoft.com/office/drawing/2014/main" id="{C16DB6D3-F34A-13A4-C7A9-8911B3EB43B7}"/>
+              </a:ext>
+            </a:extLst>
+          </p:cNvPr>
+          <p:cNvSpPr txBox="1"/>
+          <p:nvPr/>
+        </p:nvSpPr>
+        <p:spPr>
+          <a:xfrm rot="20108336">
+            <a:off x="2008566" y="2614669"/>
+            <a:ext cx="5317481" cy="1200329"/>
+          </a:xfrm>
+          <a:prstGeom prst="rect">
+            <a:avLst/>
+          </a:prstGeom>
+          <a:noFill/>
+        </p:spPr>
+        <p:txBody>
+          <a:bodyPr wrap="none" rtlCol="0">
+            <a:spAutoFit/>
+          </a:bodyPr>
+          <a:lstStyle/>
+          <a:p>
+            <a:r>
+              <a:rPr lang="de-DE" sz="7200" dirty="0" err="1">
+                <a:latin typeface="Mark Pro Book" panose="020B0604020201010104" pitchFamily="34" charset="77"/>
+              </a:rPr>
+              <a:t>deprecated</a:t>
+            </a:r>
+            <a:endParaRPr lang="de-DE" sz="7200" dirty="0">
+              <a:latin typeface="Mark Pro Book" panose="020B0604020201010104" pitchFamily="34" charset="77"/>
+            </a:endParaRPr>
+          </a:p>
+        </p:txBody>
+      </p:sp>
+    </p:spTree>
+    <p:extLst>
+      <p:ext uri="{BB962C8B-B14F-4D97-AF65-F5344CB8AC3E}">
+        <p14:creationId xmlns:p14="http://schemas.microsoft.com/office/powerpoint/2010/main" val="1742054003"/>
       </p:ext>
     </p:extLst>
   </p:cSld>
